--- a/Overview.pptx
+++ b/Overview.pptx
@@ -5,10 +5,10 @@
     <p:sldMasterId id="2147483648" r:id="rId4"/>
   </p:sldMasterIdLst>
   <p:notesMasterIdLst>
-    <p:notesMasterId r:id="rId24"/>
+    <p:notesMasterId r:id="rId17"/>
   </p:notesMasterIdLst>
   <p:handoutMasterIdLst>
-    <p:handoutMasterId r:id="rId25"/>
+    <p:handoutMasterId r:id="rId18"/>
   </p:handoutMasterIdLst>
   <p:sldIdLst>
     <p:sldId id="256" r:id="rId5"/>
@@ -17,19 +17,12 @@
     <p:sldId id="279" r:id="rId8"/>
     <p:sldId id="290" r:id="rId9"/>
     <p:sldId id="280" r:id="rId10"/>
-    <p:sldId id="286" r:id="rId11"/>
-    <p:sldId id="287" r:id="rId12"/>
-    <p:sldId id="288" r:id="rId13"/>
-    <p:sldId id="289" r:id="rId14"/>
-    <p:sldId id="258" r:id="rId15"/>
-    <p:sldId id="291" r:id="rId16"/>
-    <p:sldId id="281" r:id="rId17"/>
-    <p:sldId id="282" r:id="rId18"/>
-    <p:sldId id="266" r:id="rId19"/>
-    <p:sldId id="283" r:id="rId20"/>
-    <p:sldId id="284" r:id="rId21"/>
-    <p:sldId id="285" r:id="rId22"/>
-    <p:sldId id="271" r:id="rId23"/>
+    <p:sldId id="292" r:id="rId11"/>
+    <p:sldId id="266" r:id="rId12"/>
+    <p:sldId id="294" r:id="rId13"/>
+    <p:sldId id="295" r:id="rId14"/>
+    <p:sldId id="271" r:id="rId15"/>
+    <p:sldId id="285" r:id="rId16"/>
   </p:sldIdLst>
   <p:sldSz cx="12192000" cy="6858000"/>
   <p:notesSz cx="6858000" cy="9144000"/>
@@ -769,7 +762,7 @@
         <p:cNvPr id="1" name="">
           <a:extLst>
             <a:ext uri="{FF2B5EF4-FFF2-40B4-BE49-F238E27FC236}">
-              <a16:creationId xmlns:a16="http://schemas.microsoft.com/office/drawing/2014/main" id="{24B0B5F8-425D-2F65-015A-52267D1A6200}"/>
+              <a16:creationId xmlns:a16="http://schemas.microsoft.com/office/drawing/2014/main" id="{1603E1FA-668F-2F10-E82B-C3F107C4F9FC}"/>
             </a:ext>
           </a:extLst>
         </p:cNvPr>
@@ -789,7 +782,7 @@
           <p:cNvPr id="2" name="Slide Image Placeholder 1">
             <a:extLst>
               <a:ext uri="{FF2B5EF4-FFF2-40B4-BE49-F238E27FC236}">
-                <a16:creationId xmlns:a16="http://schemas.microsoft.com/office/drawing/2014/main" id="{5F64CB43-0BDB-28E4-694E-3D3FAB4354AC}"/>
+                <a16:creationId xmlns:a16="http://schemas.microsoft.com/office/drawing/2014/main" id="{B58D6986-5594-EDE8-FC9E-F19B1DAA5052}"/>
               </a:ext>
             </a:extLst>
           </p:cNvPr>
@@ -807,7 +800,7 @@
           <p:cNvPr id="3" name="Notes Placeholder 2">
             <a:extLst>
               <a:ext uri="{FF2B5EF4-FFF2-40B4-BE49-F238E27FC236}">
-                <a16:creationId xmlns:a16="http://schemas.microsoft.com/office/drawing/2014/main" id="{A8978F33-0EAD-B4B8-1F72-48F6CFF0116C}"/>
+                <a16:creationId xmlns:a16="http://schemas.microsoft.com/office/drawing/2014/main" id="{A413238F-437C-072D-6C94-05A1A3F9017A}"/>
               </a:ext>
             </a:extLst>
           </p:cNvPr>
@@ -832,7 +825,7 @@
           <p:cNvPr id="4" name="Slide Number Placeholder 3">
             <a:extLst>
               <a:ext uri="{FF2B5EF4-FFF2-40B4-BE49-F238E27FC236}">
-                <a16:creationId xmlns:a16="http://schemas.microsoft.com/office/drawing/2014/main" id="{9C47E852-8C82-E786-90B7-01338CF2A53E}"/>
+                <a16:creationId xmlns:a16="http://schemas.microsoft.com/office/drawing/2014/main" id="{7327300E-01AC-BD56-33C8-70994188B949}"/>
               </a:ext>
             </a:extLst>
           </p:cNvPr>
@@ -859,7 +852,7 @@
     </p:spTree>
     <p:extLst>
       <p:ext uri="{BB962C8B-B14F-4D97-AF65-F5344CB8AC3E}">
-        <p14:creationId xmlns:p14="http://schemas.microsoft.com/office/powerpoint/2010/main" val="602271596"/>
+        <p14:creationId xmlns:p14="http://schemas.microsoft.com/office/powerpoint/2010/main" val="2539740243"/>
       </p:ext>
     </p:extLst>
   </p:cSld>
@@ -943,7 +936,7 @@
     </p:spTree>
     <p:extLst>
       <p:ext uri="{BB962C8B-B14F-4D97-AF65-F5344CB8AC3E}">
-        <p14:creationId xmlns:p14="http://schemas.microsoft.com/office/powerpoint/2010/main" val="2843954456"/>
+        <p14:creationId xmlns:p14="http://schemas.microsoft.com/office/powerpoint/2010/main" val="702683811"/>
       </p:ext>
     </p:extLst>
   </p:cSld>
@@ -954,114 +947,6 @@
 </file>
 
 <file path=ppt/notesSlides/notesSlide12.xml><?xml version="1.0" encoding="utf-8"?>
-<p:notes xmlns:a="http://schemas.openxmlformats.org/drawingml/2006/main" xmlns:r="http://schemas.openxmlformats.org/officeDocument/2006/relationships" xmlns:p="http://schemas.openxmlformats.org/presentationml/2006/main">
-  <p:cSld>
-    <p:spTree>
-      <p:nvGrpSpPr>
-        <p:cNvPr id="1" name="">
-          <a:extLst>
-            <a:ext uri="{FF2B5EF4-FFF2-40B4-BE49-F238E27FC236}">
-              <a16:creationId xmlns:a16="http://schemas.microsoft.com/office/drawing/2014/main" id="{1C3AB56B-5C2D-6EDC-D500-6B2A4CF296E6}"/>
-            </a:ext>
-          </a:extLst>
-        </p:cNvPr>
-        <p:cNvGrpSpPr/>
-        <p:nvPr/>
-      </p:nvGrpSpPr>
-      <p:grpSpPr>
-        <a:xfrm>
-          <a:off x="0" y="0"/>
-          <a:ext cx="0" cy="0"/>
-          <a:chOff x="0" y="0"/>
-          <a:chExt cx="0" cy="0"/>
-        </a:xfrm>
-      </p:grpSpPr>
-      <p:sp>
-        <p:nvSpPr>
-          <p:cNvPr id="2" name="Slide Image Placeholder 1">
-            <a:extLst>
-              <a:ext uri="{FF2B5EF4-FFF2-40B4-BE49-F238E27FC236}">
-                <a16:creationId xmlns:a16="http://schemas.microsoft.com/office/drawing/2014/main" id="{3EFF58CE-4798-5528-E80A-435437BA5989}"/>
-              </a:ext>
-            </a:extLst>
-          </p:cNvPr>
-          <p:cNvSpPr>
-            <a:spLocks noGrp="1" noRot="1" noChangeAspect="1"/>
-          </p:cNvSpPr>
-          <p:nvPr>
-            <p:ph type="sldImg"/>
-          </p:nvPr>
-        </p:nvSpPr>
-        <p:spPr/>
-      </p:sp>
-      <p:sp>
-        <p:nvSpPr>
-          <p:cNvPr id="3" name="Notes Placeholder 2">
-            <a:extLst>
-              <a:ext uri="{FF2B5EF4-FFF2-40B4-BE49-F238E27FC236}">
-                <a16:creationId xmlns:a16="http://schemas.microsoft.com/office/drawing/2014/main" id="{FFD87E7A-0E12-C173-9260-1ED7E07648EC}"/>
-              </a:ext>
-            </a:extLst>
-          </p:cNvPr>
-          <p:cNvSpPr>
-            <a:spLocks noGrp="1"/>
-          </p:cNvSpPr>
-          <p:nvPr>
-            <p:ph type="body" idx="1"/>
-          </p:nvPr>
-        </p:nvSpPr>
-        <p:spPr/>
-        <p:txBody>
-          <a:bodyPr/>
-          <a:lstStyle/>
-          <a:p>
-            <a:endParaRPr lang="en-US" dirty="0"/>
-          </a:p>
-        </p:txBody>
-      </p:sp>
-      <p:sp>
-        <p:nvSpPr>
-          <p:cNvPr id="4" name="Slide Number Placeholder 3">
-            <a:extLst>
-              <a:ext uri="{FF2B5EF4-FFF2-40B4-BE49-F238E27FC236}">
-                <a16:creationId xmlns:a16="http://schemas.microsoft.com/office/drawing/2014/main" id="{305AF90C-4FCF-F4F2-127E-42E92DB4B7DE}"/>
-              </a:ext>
-            </a:extLst>
-          </p:cNvPr>
-          <p:cNvSpPr>
-            <a:spLocks noGrp="1"/>
-          </p:cNvSpPr>
-          <p:nvPr>
-            <p:ph type="sldNum" sz="quarter" idx="5"/>
-          </p:nvPr>
-        </p:nvSpPr>
-        <p:spPr/>
-        <p:txBody>
-          <a:bodyPr/>
-          <a:lstStyle/>
-          <a:p>
-            <a:fld id="{22289C57-55D7-40A4-A101-E74FAC7A092B}" type="slidenum">
-              <a:rPr lang="en-US" smtClean="0"/>
-              <a:t>12</a:t>
-            </a:fld>
-            <a:endParaRPr lang="en-US" dirty="0"/>
-          </a:p>
-        </p:txBody>
-      </p:sp>
-    </p:spTree>
-    <p:extLst>
-      <p:ext uri="{BB962C8B-B14F-4D97-AF65-F5344CB8AC3E}">
-        <p14:creationId xmlns:p14="http://schemas.microsoft.com/office/powerpoint/2010/main" val="3517143359"/>
-      </p:ext>
-    </p:extLst>
-  </p:cSld>
-  <p:clrMapOvr>
-    <a:masterClrMapping/>
-  </p:clrMapOvr>
-</p:notes>
-</file>
-
-<file path=ppt/notesSlides/notesSlide13.xml><?xml version="1.0" encoding="utf-8"?>
 <p:notes xmlns:a="http://schemas.openxmlformats.org/drawingml/2006/main" xmlns:r="http://schemas.openxmlformats.org/officeDocument/2006/relationships" xmlns:p="http://schemas.openxmlformats.org/presentationml/2006/main">
   <p:cSld>
     <p:spTree>
@@ -1126,427 +1011,7 @@
           <a:p>
             <a:fld id="{22289C57-55D7-40A4-A101-E74FAC7A092B}" type="slidenum">
               <a:rPr lang="en-US" smtClean="0"/>
-              <a:t>13</a:t>
-            </a:fld>
-            <a:endParaRPr lang="en-US" dirty="0"/>
-          </a:p>
-        </p:txBody>
-      </p:sp>
-    </p:spTree>
-    <p:extLst>
-      <p:ext uri="{BB962C8B-B14F-4D97-AF65-F5344CB8AC3E}">
-        <p14:creationId xmlns:p14="http://schemas.microsoft.com/office/powerpoint/2010/main" val="1025326889"/>
-      </p:ext>
-    </p:extLst>
-  </p:cSld>
-  <p:clrMapOvr>
-    <a:masterClrMapping/>
-  </p:clrMapOvr>
-</p:notes>
-</file>
-
-<file path=ppt/notesSlides/notesSlide14.xml><?xml version="1.0" encoding="utf-8"?>
-<p:notes xmlns:a="http://schemas.openxmlformats.org/drawingml/2006/main" xmlns:r="http://schemas.openxmlformats.org/officeDocument/2006/relationships" xmlns:p="http://schemas.openxmlformats.org/presentationml/2006/main">
-  <p:cSld>
-    <p:spTree>
-      <p:nvGrpSpPr>
-        <p:cNvPr id="1" name=""/>
-        <p:cNvGrpSpPr/>
-        <p:nvPr/>
-      </p:nvGrpSpPr>
-      <p:grpSpPr>
-        <a:xfrm>
-          <a:off x="0" y="0"/>
-          <a:ext cx="0" cy="0"/>
-          <a:chOff x="0" y="0"/>
-          <a:chExt cx="0" cy="0"/>
-        </a:xfrm>
-      </p:grpSpPr>
-      <p:sp>
-        <p:nvSpPr>
-          <p:cNvPr id="2" name="Slide Image Placeholder 1"/>
-          <p:cNvSpPr>
-            <a:spLocks noGrp="1" noRot="1" noChangeAspect="1"/>
-          </p:cNvSpPr>
-          <p:nvPr>
-            <p:ph type="sldImg"/>
-          </p:nvPr>
-        </p:nvSpPr>
-        <p:spPr/>
-      </p:sp>
-      <p:sp>
-        <p:nvSpPr>
-          <p:cNvPr id="3" name="Notes Placeholder 2"/>
-          <p:cNvSpPr>
-            <a:spLocks noGrp="1"/>
-          </p:cNvSpPr>
-          <p:nvPr>
-            <p:ph type="body" idx="1"/>
-          </p:nvPr>
-        </p:nvSpPr>
-        <p:spPr/>
-        <p:txBody>
-          <a:bodyPr/>
-          <a:lstStyle/>
-          <a:p>
-            <a:endParaRPr lang="en-US" dirty="0"/>
-          </a:p>
-        </p:txBody>
-      </p:sp>
-      <p:sp>
-        <p:nvSpPr>
-          <p:cNvPr id="4" name="Slide Number Placeholder 3"/>
-          <p:cNvSpPr>
-            <a:spLocks noGrp="1"/>
-          </p:cNvSpPr>
-          <p:nvPr>
-            <p:ph type="sldNum" sz="quarter" idx="5"/>
-          </p:nvPr>
-        </p:nvSpPr>
-        <p:spPr/>
-        <p:txBody>
-          <a:bodyPr/>
-          <a:lstStyle/>
-          <a:p>
-            <a:fld id="{22289C57-55D7-40A4-A101-E74FAC7A092B}" type="slidenum">
-              <a:rPr lang="en-US" smtClean="0"/>
-              <a:t>14</a:t>
-            </a:fld>
-            <a:endParaRPr lang="en-US" dirty="0"/>
-          </a:p>
-        </p:txBody>
-      </p:sp>
-    </p:spTree>
-    <p:extLst>
-      <p:ext uri="{BB962C8B-B14F-4D97-AF65-F5344CB8AC3E}">
-        <p14:creationId xmlns:p14="http://schemas.microsoft.com/office/powerpoint/2010/main" val="236659336"/>
-      </p:ext>
-    </p:extLst>
-  </p:cSld>
-  <p:clrMapOvr>
-    <a:masterClrMapping/>
-  </p:clrMapOvr>
-</p:notes>
-</file>
-
-<file path=ppt/notesSlides/notesSlide15.xml><?xml version="1.0" encoding="utf-8"?>
-<p:notes xmlns:a="http://schemas.openxmlformats.org/drawingml/2006/main" xmlns:r="http://schemas.openxmlformats.org/officeDocument/2006/relationships" xmlns:p="http://schemas.openxmlformats.org/presentationml/2006/main">
-  <p:cSld>
-    <p:spTree>
-      <p:nvGrpSpPr>
-        <p:cNvPr id="1" name=""/>
-        <p:cNvGrpSpPr/>
-        <p:nvPr/>
-      </p:nvGrpSpPr>
-      <p:grpSpPr>
-        <a:xfrm>
-          <a:off x="0" y="0"/>
-          <a:ext cx="0" cy="0"/>
-          <a:chOff x="0" y="0"/>
-          <a:chExt cx="0" cy="0"/>
-        </a:xfrm>
-      </p:grpSpPr>
-      <p:sp>
-        <p:nvSpPr>
-          <p:cNvPr id="2" name="Slide Image Placeholder 1"/>
-          <p:cNvSpPr>
-            <a:spLocks noGrp="1" noRot="1" noChangeAspect="1"/>
-          </p:cNvSpPr>
-          <p:nvPr>
-            <p:ph type="sldImg"/>
-          </p:nvPr>
-        </p:nvSpPr>
-        <p:spPr/>
-      </p:sp>
-      <p:sp>
-        <p:nvSpPr>
-          <p:cNvPr id="3" name="Notes Placeholder 2"/>
-          <p:cNvSpPr>
-            <a:spLocks noGrp="1"/>
-          </p:cNvSpPr>
-          <p:nvPr>
-            <p:ph type="body" idx="1"/>
-          </p:nvPr>
-        </p:nvSpPr>
-        <p:spPr/>
-        <p:txBody>
-          <a:bodyPr/>
-          <a:lstStyle/>
-          <a:p>
-            <a:endParaRPr lang="en-US" dirty="0"/>
-          </a:p>
-        </p:txBody>
-      </p:sp>
-      <p:sp>
-        <p:nvSpPr>
-          <p:cNvPr id="4" name="Slide Number Placeholder 3"/>
-          <p:cNvSpPr>
-            <a:spLocks noGrp="1"/>
-          </p:cNvSpPr>
-          <p:nvPr>
-            <p:ph type="sldNum" sz="quarter" idx="5"/>
-          </p:nvPr>
-        </p:nvSpPr>
-        <p:spPr/>
-        <p:txBody>
-          <a:bodyPr/>
-          <a:lstStyle/>
-          <a:p>
-            <a:fld id="{22289C57-55D7-40A4-A101-E74FAC7A092B}" type="slidenum">
-              <a:rPr lang="en-US" smtClean="0"/>
-              <a:t>15</a:t>
-            </a:fld>
-            <a:endParaRPr lang="en-US" dirty="0"/>
-          </a:p>
-        </p:txBody>
-      </p:sp>
-    </p:spTree>
-    <p:extLst>
-      <p:ext uri="{BB962C8B-B14F-4D97-AF65-F5344CB8AC3E}">
-        <p14:creationId xmlns:p14="http://schemas.microsoft.com/office/powerpoint/2010/main" val="3105683219"/>
-      </p:ext>
-    </p:extLst>
-  </p:cSld>
-  <p:clrMapOvr>
-    <a:masterClrMapping/>
-  </p:clrMapOvr>
-</p:notes>
-</file>
-
-<file path=ppt/notesSlides/notesSlide16.xml><?xml version="1.0" encoding="utf-8"?>
-<p:notes xmlns:a="http://schemas.openxmlformats.org/drawingml/2006/main" xmlns:r="http://schemas.openxmlformats.org/officeDocument/2006/relationships" xmlns:p="http://schemas.openxmlformats.org/presentationml/2006/main">
-  <p:cSld>
-    <p:spTree>
-      <p:nvGrpSpPr>
-        <p:cNvPr id="1" name=""/>
-        <p:cNvGrpSpPr/>
-        <p:nvPr/>
-      </p:nvGrpSpPr>
-      <p:grpSpPr>
-        <a:xfrm>
-          <a:off x="0" y="0"/>
-          <a:ext cx="0" cy="0"/>
-          <a:chOff x="0" y="0"/>
-          <a:chExt cx="0" cy="0"/>
-        </a:xfrm>
-      </p:grpSpPr>
-      <p:sp>
-        <p:nvSpPr>
-          <p:cNvPr id="2" name="Slide Image Placeholder 1"/>
-          <p:cNvSpPr>
-            <a:spLocks noGrp="1" noRot="1" noChangeAspect="1"/>
-          </p:cNvSpPr>
-          <p:nvPr>
-            <p:ph type="sldImg"/>
-          </p:nvPr>
-        </p:nvSpPr>
-        <p:spPr/>
-      </p:sp>
-      <p:sp>
-        <p:nvSpPr>
-          <p:cNvPr id="3" name="Notes Placeholder 2"/>
-          <p:cNvSpPr>
-            <a:spLocks noGrp="1"/>
-          </p:cNvSpPr>
-          <p:nvPr>
-            <p:ph type="body" idx="1"/>
-          </p:nvPr>
-        </p:nvSpPr>
-        <p:spPr/>
-        <p:txBody>
-          <a:bodyPr/>
-          <a:lstStyle/>
-          <a:p>
-            <a:endParaRPr lang="en-US" dirty="0"/>
-          </a:p>
-        </p:txBody>
-      </p:sp>
-      <p:sp>
-        <p:nvSpPr>
-          <p:cNvPr id="4" name="Slide Number Placeholder 3"/>
-          <p:cNvSpPr>
-            <a:spLocks noGrp="1"/>
-          </p:cNvSpPr>
-          <p:nvPr>
-            <p:ph type="sldNum" sz="quarter" idx="5"/>
-          </p:nvPr>
-        </p:nvSpPr>
-        <p:spPr/>
-        <p:txBody>
-          <a:bodyPr/>
-          <a:lstStyle/>
-          <a:p>
-            <a:fld id="{22289C57-55D7-40A4-A101-E74FAC7A092B}" type="slidenum">
-              <a:rPr lang="en-US" smtClean="0"/>
-              <a:t>16</a:t>
-            </a:fld>
-            <a:endParaRPr lang="en-US" dirty="0"/>
-          </a:p>
-        </p:txBody>
-      </p:sp>
-    </p:spTree>
-    <p:extLst>
-      <p:ext uri="{BB962C8B-B14F-4D97-AF65-F5344CB8AC3E}">
-        <p14:creationId xmlns:p14="http://schemas.microsoft.com/office/powerpoint/2010/main" val="840986708"/>
-      </p:ext>
-    </p:extLst>
-  </p:cSld>
-  <p:clrMapOvr>
-    <a:masterClrMapping/>
-  </p:clrMapOvr>
-</p:notes>
-</file>
-
-<file path=ppt/notesSlides/notesSlide17.xml><?xml version="1.0" encoding="utf-8"?>
-<p:notes xmlns:a="http://schemas.openxmlformats.org/drawingml/2006/main" xmlns:r="http://schemas.openxmlformats.org/officeDocument/2006/relationships" xmlns:p="http://schemas.openxmlformats.org/presentationml/2006/main">
-  <p:cSld>
-    <p:spTree>
-      <p:nvGrpSpPr>
-        <p:cNvPr id="1" name=""/>
-        <p:cNvGrpSpPr/>
-        <p:nvPr/>
-      </p:nvGrpSpPr>
-      <p:grpSpPr>
-        <a:xfrm>
-          <a:off x="0" y="0"/>
-          <a:ext cx="0" cy="0"/>
-          <a:chOff x="0" y="0"/>
-          <a:chExt cx="0" cy="0"/>
-        </a:xfrm>
-      </p:grpSpPr>
-      <p:sp>
-        <p:nvSpPr>
-          <p:cNvPr id="2" name="Slide Image Placeholder 1"/>
-          <p:cNvSpPr>
-            <a:spLocks noGrp="1" noRot="1" noChangeAspect="1"/>
-          </p:cNvSpPr>
-          <p:nvPr>
-            <p:ph type="sldImg"/>
-          </p:nvPr>
-        </p:nvSpPr>
-        <p:spPr/>
-      </p:sp>
-      <p:sp>
-        <p:nvSpPr>
-          <p:cNvPr id="3" name="Notes Placeholder 2"/>
-          <p:cNvSpPr>
-            <a:spLocks noGrp="1"/>
-          </p:cNvSpPr>
-          <p:nvPr>
-            <p:ph type="body" idx="1"/>
-          </p:nvPr>
-        </p:nvSpPr>
-        <p:spPr/>
-        <p:txBody>
-          <a:bodyPr/>
-          <a:lstStyle/>
-          <a:p>
-            <a:endParaRPr lang="en-US" dirty="0"/>
-          </a:p>
-        </p:txBody>
-      </p:sp>
-      <p:sp>
-        <p:nvSpPr>
-          <p:cNvPr id="4" name="Slide Number Placeholder 3"/>
-          <p:cNvSpPr>
-            <a:spLocks noGrp="1"/>
-          </p:cNvSpPr>
-          <p:nvPr>
-            <p:ph type="sldNum" sz="quarter" idx="5"/>
-          </p:nvPr>
-        </p:nvSpPr>
-        <p:spPr/>
-        <p:txBody>
-          <a:bodyPr/>
-          <a:lstStyle/>
-          <a:p>
-            <a:fld id="{22289C57-55D7-40A4-A101-E74FAC7A092B}" type="slidenum">
-              <a:rPr lang="en-US" smtClean="0"/>
-              <a:t>17</a:t>
-            </a:fld>
-            <a:endParaRPr lang="en-US" dirty="0"/>
-          </a:p>
-        </p:txBody>
-      </p:sp>
-    </p:spTree>
-    <p:extLst>
-      <p:ext uri="{BB962C8B-B14F-4D97-AF65-F5344CB8AC3E}">
-        <p14:creationId xmlns:p14="http://schemas.microsoft.com/office/powerpoint/2010/main" val="575465472"/>
-      </p:ext>
-    </p:extLst>
-  </p:cSld>
-  <p:clrMapOvr>
-    <a:masterClrMapping/>
-  </p:clrMapOvr>
-</p:notes>
-</file>
-
-<file path=ppt/notesSlides/notesSlide18.xml><?xml version="1.0" encoding="utf-8"?>
-<p:notes xmlns:a="http://schemas.openxmlformats.org/drawingml/2006/main" xmlns:r="http://schemas.openxmlformats.org/officeDocument/2006/relationships" xmlns:p="http://schemas.openxmlformats.org/presentationml/2006/main">
-  <p:cSld>
-    <p:spTree>
-      <p:nvGrpSpPr>
-        <p:cNvPr id="1" name=""/>
-        <p:cNvGrpSpPr/>
-        <p:nvPr/>
-      </p:nvGrpSpPr>
-      <p:grpSpPr>
-        <a:xfrm>
-          <a:off x="0" y="0"/>
-          <a:ext cx="0" cy="0"/>
-          <a:chOff x="0" y="0"/>
-          <a:chExt cx="0" cy="0"/>
-        </a:xfrm>
-      </p:grpSpPr>
-      <p:sp>
-        <p:nvSpPr>
-          <p:cNvPr id="2" name="Slide Image Placeholder 1"/>
-          <p:cNvSpPr>
-            <a:spLocks noGrp="1" noRot="1" noChangeAspect="1"/>
-          </p:cNvSpPr>
-          <p:nvPr>
-            <p:ph type="sldImg"/>
-          </p:nvPr>
-        </p:nvSpPr>
-        <p:spPr/>
-      </p:sp>
-      <p:sp>
-        <p:nvSpPr>
-          <p:cNvPr id="3" name="Notes Placeholder 2"/>
-          <p:cNvSpPr>
-            <a:spLocks noGrp="1"/>
-          </p:cNvSpPr>
-          <p:nvPr>
-            <p:ph type="body" idx="1"/>
-          </p:nvPr>
-        </p:nvSpPr>
-        <p:spPr/>
-        <p:txBody>
-          <a:bodyPr/>
-          <a:lstStyle/>
-          <a:p>
-            <a:endParaRPr lang="en-US" dirty="0"/>
-          </a:p>
-        </p:txBody>
-      </p:sp>
-      <p:sp>
-        <p:nvSpPr>
-          <p:cNvPr id="4" name="Slide Number Placeholder 3"/>
-          <p:cNvSpPr>
-            <a:spLocks noGrp="1"/>
-          </p:cNvSpPr>
-          <p:nvPr>
-            <p:ph type="sldNum" sz="quarter" idx="5"/>
-          </p:nvPr>
-        </p:nvSpPr>
-        <p:spPr/>
-        <p:txBody>
-          <a:bodyPr/>
-          <a:lstStyle/>
-          <a:p>
-            <a:fld id="{22289C57-55D7-40A4-A101-E74FAC7A092B}" type="slidenum">
-              <a:rPr lang="en-US" smtClean="0"/>
-              <a:t>18</a:t>
+              <a:t>12</a:t>
             </a:fld>
             <a:endParaRPr lang="en-US" dirty="0"/>
           </a:p>
@@ -1556,90 +1021,6 @@
     <p:extLst>
       <p:ext uri="{BB962C8B-B14F-4D97-AF65-F5344CB8AC3E}">
         <p14:creationId xmlns:p14="http://schemas.microsoft.com/office/powerpoint/2010/main" val="537756"/>
-      </p:ext>
-    </p:extLst>
-  </p:cSld>
-  <p:clrMapOvr>
-    <a:masterClrMapping/>
-  </p:clrMapOvr>
-</p:notes>
-</file>
-
-<file path=ppt/notesSlides/notesSlide19.xml><?xml version="1.0" encoding="utf-8"?>
-<p:notes xmlns:a="http://schemas.openxmlformats.org/drawingml/2006/main" xmlns:r="http://schemas.openxmlformats.org/officeDocument/2006/relationships" xmlns:p="http://schemas.openxmlformats.org/presentationml/2006/main">
-  <p:cSld>
-    <p:spTree>
-      <p:nvGrpSpPr>
-        <p:cNvPr id="1" name=""/>
-        <p:cNvGrpSpPr/>
-        <p:nvPr/>
-      </p:nvGrpSpPr>
-      <p:grpSpPr>
-        <a:xfrm>
-          <a:off x="0" y="0"/>
-          <a:ext cx="0" cy="0"/>
-          <a:chOff x="0" y="0"/>
-          <a:chExt cx="0" cy="0"/>
-        </a:xfrm>
-      </p:grpSpPr>
-      <p:sp>
-        <p:nvSpPr>
-          <p:cNvPr id="2" name="Slide Image Placeholder 1"/>
-          <p:cNvSpPr>
-            <a:spLocks noGrp="1" noRot="1" noChangeAspect="1"/>
-          </p:cNvSpPr>
-          <p:nvPr>
-            <p:ph type="sldImg"/>
-          </p:nvPr>
-        </p:nvSpPr>
-        <p:spPr/>
-      </p:sp>
-      <p:sp>
-        <p:nvSpPr>
-          <p:cNvPr id="3" name="Notes Placeholder 2"/>
-          <p:cNvSpPr>
-            <a:spLocks noGrp="1"/>
-          </p:cNvSpPr>
-          <p:nvPr>
-            <p:ph type="body" idx="1"/>
-          </p:nvPr>
-        </p:nvSpPr>
-        <p:spPr/>
-        <p:txBody>
-          <a:bodyPr/>
-          <a:lstStyle/>
-          <a:p>
-            <a:endParaRPr lang="en-US" dirty="0"/>
-          </a:p>
-        </p:txBody>
-      </p:sp>
-      <p:sp>
-        <p:nvSpPr>
-          <p:cNvPr id="4" name="Slide Number Placeholder 3"/>
-          <p:cNvSpPr>
-            <a:spLocks noGrp="1"/>
-          </p:cNvSpPr>
-          <p:nvPr>
-            <p:ph type="sldNum" sz="quarter" idx="5"/>
-          </p:nvPr>
-        </p:nvSpPr>
-        <p:spPr/>
-        <p:txBody>
-          <a:bodyPr/>
-          <a:lstStyle/>
-          <a:p>
-            <a:fld id="{22289C57-55D7-40A4-A101-E74FAC7A092B}" type="slidenum">
-              <a:rPr lang="en-US" smtClean="0"/>
-              <a:t>19</a:t>
-            </a:fld>
-            <a:endParaRPr lang="en-US" dirty="0"/>
-          </a:p>
-        </p:txBody>
-      </p:sp>
-    </p:spTree>
-    <p:extLst>
-      <p:ext uri="{BB962C8B-B14F-4D97-AF65-F5344CB8AC3E}">
-        <p14:creationId xmlns:p14="http://schemas.microsoft.com/office/powerpoint/2010/main" val="702683811"/>
       </p:ext>
     </p:extLst>
   </p:cSld>
@@ -2101,7 +1482,7 @@
         <p:cNvPr id="1" name="">
           <a:extLst>
             <a:ext uri="{FF2B5EF4-FFF2-40B4-BE49-F238E27FC236}">
-              <a16:creationId xmlns:a16="http://schemas.microsoft.com/office/drawing/2014/main" id="{7E8A2AFF-9195-6F19-4817-0ACD4B6F6EAE}"/>
+              <a16:creationId xmlns:a16="http://schemas.microsoft.com/office/drawing/2014/main" id="{82974958-5F4C-9DB0-F864-1972E7F15DA1}"/>
             </a:ext>
           </a:extLst>
         </p:cNvPr>
@@ -2121,7 +1502,7 @@
           <p:cNvPr id="2" name="Slide Image Placeholder 1">
             <a:extLst>
               <a:ext uri="{FF2B5EF4-FFF2-40B4-BE49-F238E27FC236}">
-                <a16:creationId xmlns:a16="http://schemas.microsoft.com/office/drawing/2014/main" id="{18E40694-87C2-26F6-BCBB-4F299AAE9AB4}"/>
+                <a16:creationId xmlns:a16="http://schemas.microsoft.com/office/drawing/2014/main" id="{F4506BAD-F65D-74D6-E4CD-6F437F901CDA}"/>
               </a:ext>
             </a:extLst>
           </p:cNvPr>
@@ -2139,7 +1520,7 @@
           <p:cNvPr id="3" name="Notes Placeholder 2">
             <a:extLst>
               <a:ext uri="{FF2B5EF4-FFF2-40B4-BE49-F238E27FC236}">
-                <a16:creationId xmlns:a16="http://schemas.microsoft.com/office/drawing/2014/main" id="{CB2B9319-29F1-C309-E76D-52A66532526E}"/>
+                <a16:creationId xmlns:a16="http://schemas.microsoft.com/office/drawing/2014/main" id="{D42B4DAF-AEFF-A1E2-2E8D-C6E07EC291E2}"/>
               </a:ext>
             </a:extLst>
           </p:cNvPr>
@@ -2164,7 +1545,7 @@
           <p:cNvPr id="4" name="Slide Number Placeholder 3">
             <a:extLst>
               <a:ext uri="{FF2B5EF4-FFF2-40B4-BE49-F238E27FC236}">
-                <a16:creationId xmlns:a16="http://schemas.microsoft.com/office/drawing/2014/main" id="{4A5FFCC5-B465-1204-572B-C5F87386BBEF}"/>
+                <a16:creationId xmlns:a16="http://schemas.microsoft.com/office/drawing/2014/main" id="{994FDE41-1856-CCDB-6DF9-798F2C0A93B6}"/>
               </a:ext>
             </a:extLst>
           </p:cNvPr>
@@ -2191,7 +1572,7 @@
     </p:spTree>
     <p:extLst>
       <p:ext uri="{BB962C8B-B14F-4D97-AF65-F5344CB8AC3E}">
-        <p14:creationId xmlns:p14="http://schemas.microsoft.com/office/powerpoint/2010/main" val="3562538842"/>
+        <p14:creationId xmlns:p14="http://schemas.microsoft.com/office/powerpoint/2010/main" val="3079596093"/>
       </p:ext>
     </p:extLst>
   </p:cSld>
@@ -2206,13 +1587,7 @@
   <p:cSld>
     <p:spTree>
       <p:nvGrpSpPr>
-        <p:cNvPr id="1" name="">
-          <a:extLst>
-            <a:ext uri="{FF2B5EF4-FFF2-40B4-BE49-F238E27FC236}">
-              <a16:creationId xmlns:a16="http://schemas.microsoft.com/office/drawing/2014/main" id="{AC519010-0E26-2264-6CDD-68D701A0C263}"/>
-            </a:ext>
-          </a:extLst>
-        </p:cNvPr>
+        <p:cNvPr id="1" name=""/>
         <p:cNvGrpSpPr/>
         <p:nvPr/>
       </p:nvGrpSpPr>
@@ -2226,13 +1601,7 @@
       </p:grpSpPr>
       <p:sp>
         <p:nvSpPr>
-          <p:cNvPr id="2" name="Slide Image Placeholder 1">
-            <a:extLst>
-              <a:ext uri="{FF2B5EF4-FFF2-40B4-BE49-F238E27FC236}">
-                <a16:creationId xmlns:a16="http://schemas.microsoft.com/office/drawing/2014/main" id="{AFEA6022-8B2F-FEA9-6A83-F29E9D788DB1}"/>
-              </a:ext>
-            </a:extLst>
-          </p:cNvPr>
+          <p:cNvPr id="2" name="Slide Image Placeholder 1"/>
           <p:cNvSpPr>
             <a:spLocks noGrp="1" noRot="1" noChangeAspect="1"/>
           </p:cNvSpPr>
@@ -2244,13 +1613,7 @@
       </p:sp>
       <p:sp>
         <p:nvSpPr>
-          <p:cNvPr id="3" name="Notes Placeholder 2">
-            <a:extLst>
-              <a:ext uri="{FF2B5EF4-FFF2-40B4-BE49-F238E27FC236}">
-                <a16:creationId xmlns:a16="http://schemas.microsoft.com/office/drawing/2014/main" id="{E4E6746A-191B-D1CD-4B0D-B59749FDD38F}"/>
-              </a:ext>
-            </a:extLst>
-          </p:cNvPr>
+          <p:cNvPr id="3" name="Notes Placeholder 2"/>
           <p:cNvSpPr>
             <a:spLocks noGrp="1"/>
           </p:cNvSpPr>
@@ -2269,13 +1632,7 @@
       </p:sp>
       <p:sp>
         <p:nvSpPr>
-          <p:cNvPr id="4" name="Slide Number Placeholder 3">
-            <a:extLst>
-              <a:ext uri="{FF2B5EF4-FFF2-40B4-BE49-F238E27FC236}">
-                <a16:creationId xmlns:a16="http://schemas.microsoft.com/office/drawing/2014/main" id="{84D4C1A4-EC70-5CB0-BAA5-4D45C73F469D}"/>
-              </a:ext>
-            </a:extLst>
-          </p:cNvPr>
+          <p:cNvPr id="4" name="Slide Number Placeholder 3"/>
           <p:cNvSpPr>
             <a:spLocks noGrp="1"/>
           </p:cNvSpPr>
@@ -2299,7 +1656,7 @@
     </p:spTree>
     <p:extLst>
       <p:ext uri="{BB962C8B-B14F-4D97-AF65-F5344CB8AC3E}">
-        <p14:creationId xmlns:p14="http://schemas.microsoft.com/office/powerpoint/2010/main" val="4044474530"/>
+        <p14:creationId xmlns:p14="http://schemas.microsoft.com/office/powerpoint/2010/main" val="3105683219"/>
       </p:ext>
     </p:extLst>
   </p:cSld>
@@ -2317,7 +1674,7 @@
         <p:cNvPr id="1" name="">
           <a:extLst>
             <a:ext uri="{FF2B5EF4-FFF2-40B4-BE49-F238E27FC236}">
-              <a16:creationId xmlns:a16="http://schemas.microsoft.com/office/drawing/2014/main" id="{08631067-FC27-A4DA-353A-9D1B6031D560}"/>
+              <a16:creationId xmlns:a16="http://schemas.microsoft.com/office/drawing/2014/main" id="{8F44FD78-4F0D-697D-262E-5EF9D6C85C74}"/>
             </a:ext>
           </a:extLst>
         </p:cNvPr>
@@ -2337,7 +1694,7 @@
           <p:cNvPr id="2" name="Slide Image Placeholder 1">
             <a:extLst>
               <a:ext uri="{FF2B5EF4-FFF2-40B4-BE49-F238E27FC236}">
-                <a16:creationId xmlns:a16="http://schemas.microsoft.com/office/drawing/2014/main" id="{52151B46-4BFB-8048-80C7-33B4DF4BEA0A}"/>
+                <a16:creationId xmlns:a16="http://schemas.microsoft.com/office/drawing/2014/main" id="{3DE601D6-C311-9D41-0226-EE1480750824}"/>
               </a:ext>
             </a:extLst>
           </p:cNvPr>
@@ -2355,7 +1712,7 @@
           <p:cNvPr id="3" name="Notes Placeholder 2">
             <a:extLst>
               <a:ext uri="{FF2B5EF4-FFF2-40B4-BE49-F238E27FC236}">
-                <a16:creationId xmlns:a16="http://schemas.microsoft.com/office/drawing/2014/main" id="{35793B84-D51E-8F05-5A61-2D9222FFB830}"/>
+                <a16:creationId xmlns:a16="http://schemas.microsoft.com/office/drawing/2014/main" id="{8C16DCAE-E171-8211-D3F7-51A9070E3C43}"/>
               </a:ext>
             </a:extLst>
           </p:cNvPr>
@@ -2380,7 +1737,7 @@
           <p:cNvPr id="4" name="Slide Number Placeholder 3">
             <a:extLst>
               <a:ext uri="{FF2B5EF4-FFF2-40B4-BE49-F238E27FC236}">
-                <a16:creationId xmlns:a16="http://schemas.microsoft.com/office/drawing/2014/main" id="{32BC67CF-733F-D767-1999-A373249F4BE6}"/>
+                <a16:creationId xmlns:a16="http://schemas.microsoft.com/office/drawing/2014/main" id="{1141FF70-9A45-97CF-F708-3A857A82B776}"/>
               </a:ext>
             </a:extLst>
           </p:cNvPr>
@@ -2407,7 +1764,7 @@
     </p:spTree>
     <p:extLst>
       <p:ext uri="{BB962C8B-B14F-4D97-AF65-F5344CB8AC3E}">
-        <p14:creationId xmlns:p14="http://schemas.microsoft.com/office/powerpoint/2010/main" val="1520249984"/>
+        <p14:creationId xmlns:p14="http://schemas.microsoft.com/office/powerpoint/2010/main" val="3853861495"/>
       </p:ext>
     </p:extLst>
   </p:cSld>
@@ -7867,7 +7224,7 @@
         <p:cNvPr id="1" name="">
           <a:extLst>
             <a:ext uri="{FF2B5EF4-FFF2-40B4-BE49-F238E27FC236}">
-              <a16:creationId xmlns:a16="http://schemas.microsoft.com/office/drawing/2014/main" id="{39AC18A7-DAF9-AF5D-6710-49F3288B7500}"/>
+              <a16:creationId xmlns:a16="http://schemas.microsoft.com/office/drawing/2014/main" id="{0FD3B23F-B2C3-5224-C95B-1117FA4ACFCB}"/>
             </a:ext>
           </a:extLst>
         </p:cNvPr>
@@ -7884,10 +7241,10 @@
       </p:grpSpPr>
       <p:sp>
         <p:nvSpPr>
-          <p:cNvPr id="2" name="Title 1">
-            <a:extLst>
-              <a:ext uri="{FF2B5EF4-FFF2-40B4-BE49-F238E27FC236}">
-                <a16:creationId xmlns:a16="http://schemas.microsoft.com/office/drawing/2014/main" id="{629846AF-826C-6B2F-18C5-1B805ACCF7C1}"/>
+          <p:cNvPr id="17" name="Title 1">
+            <a:extLst>
+              <a:ext uri="{FF2B5EF4-FFF2-40B4-BE49-F238E27FC236}">
+                <a16:creationId xmlns:a16="http://schemas.microsoft.com/office/drawing/2014/main" id="{919EE565-F1B8-1D00-1A9E-EA67ACA1E3A8}"/>
               </a:ext>
             </a:extLst>
           </p:cNvPr>
@@ -7895,104 +7252,242 @@
             <a:spLocks noGrp="1"/>
           </p:cNvSpPr>
           <p:nvPr>
-            <p:ph type="ctrTitle"/>
-          </p:nvPr>
-        </p:nvSpPr>
-        <p:spPr>
-          <a:xfrm>
-            <a:off x="6991350" y="487680"/>
-            <a:ext cx="4179570" cy="3376691"/>
+            <p:ph type="title"/>
+          </p:nvPr>
+        </p:nvSpPr>
+        <p:spPr>
+          <a:xfrm>
+            <a:off x="56803" y="38793"/>
+            <a:ext cx="5655197" cy="545052"/>
+          </a:xfrm>
+        </p:spPr>
+        <p:txBody>
+          <a:bodyPr anchor="b"/>
+          <a:lstStyle/>
+          <a:p>
+            <a:r>
+              <a:rPr lang="en-US" dirty="0"/>
+              <a:t>CONSTRUCTION CONT 5</a:t>
+            </a:r>
+          </a:p>
+        </p:txBody>
+      </p:sp>
+      <p:sp>
+        <p:nvSpPr>
+          <p:cNvPr id="20" name="Content Placeholder 3">
+            <a:extLst>
+              <a:ext uri="{FF2B5EF4-FFF2-40B4-BE49-F238E27FC236}">
+                <a16:creationId xmlns:a16="http://schemas.microsoft.com/office/drawing/2014/main" id="{5D614D39-0249-B769-DA0D-BEA070AFCBE0}"/>
+              </a:ext>
+            </a:extLst>
+          </p:cNvPr>
+          <p:cNvSpPr>
+            <a:spLocks noGrp="1"/>
+          </p:cNvSpPr>
+          <p:nvPr>
+            <p:ph sz="half" idx="2"/>
+          </p:nvPr>
+        </p:nvSpPr>
+        <p:spPr>
+          <a:xfrm>
+            <a:off x="112221" y="649264"/>
+            <a:ext cx="5733773" cy="6072211"/>
+          </a:xfrm>
+          <a:solidFill>
+            <a:schemeClr val="bg1">
+              <a:alpha val="75000"/>
+            </a:schemeClr>
+          </a:solidFill>
+        </p:spPr>
+        <p:txBody>
+          <a:bodyPr>
+            <a:noAutofit/>
+          </a:bodyPr>
+          <a:lstStyle/>
+          <a:p>
+            <a:pPr marL="0" indent="0">
+              <a:buNone/>
+            </a:pPr>
+            <a:r>
+              <a:rPr lang="en-US" sz="1400" b="1" dirty="0"/>
+              <a:t>Items:</a:t>
+            </a:r>
+          </a:p>
+          <a:p>
+            <a:pPr marL="0" indent="0">
+              <a:buNone/>
+            </a:pPr>
+            <a:r>
+              <a:rPr lang="en-US" sz="1200" b="1" dirty="0"/>
+              <a:t>NOTE: </a:t>
+            </a:r>
+            <a:r>
+              <a:rPr lang="en-US" sz="1200" dirty="0"/>
+              <a:t>be sure to add you JWT token to the header for all requests.</a:t>
+            </a:r>
+            <a:br>
+              <a:rPr lang="en-US" sz="1200" dirty="0"/>
+            </a:br>
+            <a:r>
+              <a:rPr lang="en-US" sz="1200" dirty="0"/>
+              <a:t>"Authorization": [Your JWT token from sign in]</a:t>
+            </a:r>
+          </a:p>
+          <a:p>
+            <a:pPr marL="0" indent="0">
+              <a:buNone/>
+            </a:pPr>
+            <a:r>
+              <a:rPr lang="en-US" sz="1200" dirty="0"/>
+              <a:t>Send GET (All Items) &amp; POST request to: </a:t>
+            </a:r>
+            <a:br>
+              <a:rPr lang="en-US" sz="1200" dirty="0"/>
+            </a:br>
+            <a:r>
+              <a:rPr lang="en-US" sz="1200" dirty="0"/>
+              <a:t>https://webapi-finalproject-api.onrender.com/items</a:t>
+            </a:r>
+          </a:p>
+          <a:p>
+            <a:pPr marL="0" indent="0">
+              <a:buNone/>
+            </a:pPr>
+            <a:r>
+              <a:rPr lang="en-US" sz="1200" dirty="0"/>
+              <a:t>Example JSON Body for POST request:</a:t>
+            </a:r>
+            <a:br>
+              <a:rPr lang="en-US" sz="1200" dirty="0"/>
+            </a:br>
+            <a:r>
+              <a:rPr lang="en-US" sz="1200" dirty="0"/>
+              <a:t>{</a:t>
+            </a:r>
+            <a:br>
+              <a:rPr lang="en-US" sz="1200" dirty="0"/>
+            </a:br>
+            <a:r>
+              <a:rPr lang="en-US" sz="1200" dirty="0"/>
+              <a:t>    "name": "Item Test",</a:t>
+            </a:r>
+            <a:br>
+              <a:rPr lang="en-US" sz="1200" dirty="0"/>
+            </a:br>
+            <a:r>
+              <a:rPr lang="en-US" sz="1200" dirty="0"/>
+              <a:t>    "price": 50,</a:t>
+            </a:r>
+            <a:br>
+              <a:rPr lang="en-US" sz="1200" dirty="0"/>
+            </a:br>
+            <a:r>
+              <a:rPr lang="en-US" sz="1200" dirty="0"/>
+              <a:t>    "</a:t>
+            </a:r>
+            <a:r>
+              <a:rPr lang="en-US" sz="1200" dirty="0" err="1"/>
+              <a:t>imgurl</a:t>
+            </a:r>
+            <a:r>
+              <a:rPr lang="en-US" sz="1200" dirty="0"/>
+              <a:t>": "/myimg.png“</a:t>
+            </a:r>
+            <a:br>
+              <a:rPr lang="en-US" sz="1200" dirty="0"/>
+            </a:br>
+            <a:r>
+              <a:rPr lang="en-US" sz="1200" dirty="0"/>
+              <a:t>}</a:t>
+            </a:r>
+          </a:p>
+          <a:p>
+            <a:pPr marL="0" indent="0">
+              <a:buNone/>
+            </a:pPr>
+            <a:r>
+              <a:rPr lang="en-US" sz="1200" dirty="0"/>
+              <a:t>GET, Modify, &amp; Delete item: </a:t>
+            </a:r>
+            <a:br>
+              <a:rPr lang="en-US" sz="1200" dirty="0"/>
+            </a:br>
+            <a:r>
+              <a:rPr lang="en-US" sz="1200" dirty="0"/>
+              <a:t>https://webapi-finalproject-api.onrender.com/items/[Item ID]</a:t>
+            </a:r>
+          </a:p>
+        </p:txBody>
+      </p:sp>
+      <p:sp>
+        <p:nvSpPr>
+          <p:cNvPr id="9" name="Slide Number Placeholder 8">
+            <a:extLst>
+              <a:ext uri="{FF2B5EF4-FFF2-40B4-BE49-F238E27FC236}">
+                <a16:creationId xmlns:a16="http://schemas.microsoft.com/office/drawing/2014/main" id="{0C860FFE-CA5E-65CC-4D01-859DC6674CF0}"/>
+              </a:ext>
+            </a:extLst>
+          </p:cNvPr>
+          <p:cNvSpPr>
+            <a:spLocks noGrp="1"/>
+          </p:cNvSpPr>
+          <p:nvPr>
+            <p:ph type="sldNum" sz="quarter" idx="12"/>
+          </p:nvPr>
+        </p:nvSpPr>
+        <p:spPr>
+          <a:xfrm>
+            <a:off x="8610600" y="6356350"/>
+            <a:ext cx="2743200" cy="365125"/>
           </a:xfrm>
         </p:spPr>
         <p:txBody>
           <a:bodyPr/>
           <a:lstStyle/>
           <a:p>
-            <a:r>
-              <a:rPr lang="en-US" dirty="0"/>
-              <a:t>Overcoming nervousness</a:t>
-            </a:r>
+            <a:fld id="{A49DFD55-3C28-40EF-9E31-A92D2E4017FF}" type="slidenum">
+              <a:rPr lang="en-US" smtClean="0"/>
+              <a:pPr/>
+              <a:t>10</a:t>
+            </a:fld>
+            <a:endParaRPr lang="en-US" dirty="0"/>
           </a:p>
         </p:txBody>
       </p:sp>
       <p:pic>
         <p:nvPicPr>
-          <p:cNvPr id="16" name="Picture Placeholder 15" descr="A person stretching in a gym">
-            <a:extLst>
-              <a:ext uri="{FF2B5EF4-FFF2-40B4-BE49-F238E27FC236}">
-                <a16:creationId xmlns:a16="http://schemas.microsoft.com/office/drawing/2014/main" id="{05B3EB54-B0CF-945E-7D5E-CC456C9A132D}"/>
+          <p:cNvPr id="3" name="Picture 2">
+            <a:extLst>
+              <a:ext uri="{FF2B5EF4-FFF2-40B4-BE49-F238E27FC236}">
+                <a16:creationId xmlns:a16="http://schemas.microsoft.com/office/drawing/2014/main" id="{330998CB-7099-9CA4-00EE-299FB59FD06F}"/>
               </a:ext>
             </a:extLst>
           </p:cNvPr>
           <p:cNvPicPr>
-            <a:picLocks noGrp="1" noChangeAspect="1"/>
+            <a:picLocks noChangeAspect="1"/>
           </p:cNvPicPr>
-          <p:nvPr>
-            <p:ph type="pic" sz="quarter" idx="10"/>
-          </p:nvPr>
+          <p:nvPr/>
         </p:nvPicPr>
         <p:blipFill>
           <a:blip r:embed="rId3"/>
-          <a:srcRect l="44" r="44"/>
-          <a:stretch/>
+          <a:stretch>
+            <a:fillRect/>
+          </a:stretch>
         </p:blipFill>
         <p:spPr>
           <a:xfrm>
-            <a:off x="0" y="-5080"/>
-            <a:ext cx="6576291" cy="6872605"/>
-          </a:xfrm>
-        </p:spPr>
-      </p:pic>
-      <p:cxnSp>
-        <p:nvCxnSpPr>
-          <p:cNvPr id="21" name="Straight Connector 20">
-            <a:extLst>
-              <a:ext uri="{FF2B5EF4-FFF2-40B4-BE49-F238E27FC236}">
-                <a16:creationId xmlns:a16="http://schemas.microsoft.com/office/drawing/2014/main" id="{BBE07405-F18A-4E87-DD60-EF49467C8AF8}"/>
-              </a:ext>
-              <a:ext uri="{C183D7F6-B498-43B3-948B-1728B52AA6E4}">
-                <adec:decorative xmlns:adec="http://schemas.microsoft.com/office/drawing/2017/decorative" val="1"/>
-              </a:ext>
-            </a:extLst>
-          </p:cNvPr>
-          <p:cNvCxnSpPr>
-            <a:cxnSpLocks/>
-          </p:cNvCxnSpPr>
-          <p:nvPr/>
-        </p:nvCxnSpPr>
-        <p:spPr>
-          <a:xfrm flipH="1" flipV="1">
-            <a:off x="0" y="254643"/>
-            <a:ext cx="6096000" cy="855762"/>
-          </a:xfrm>
-          <a:prstGeom prst="line">
+            <a:off x="5998358" y="2226366"/>
+            <a:ext cx="7516795" cy="4711148"/>
+          </a:xfrm>
+          <a:prstGeom prst="rect">
             <a:avLst/>
           </a:prstGeom>
-          <a:ln>
-            <a:solidFill>
-              <a:schemeClr val="bg1"/>
-            </a:solidFill>
-          </a:ln>
-        </p:spPr>
-        <p:style>
-          <a:lnRef idx="1">
-            <a:schemeClr val="accent1"/>
-          </a:lnRef>
-          <a:fillRef idx="0">
-            <a:schemeClr val="accent1"/>
-          </a:fillRef>
-          <a:effectRef idx="0">
-            <a:schemeClr val="accent1"/>
-          </a:effectRef>
-          <a:fontRef idx="minor">
-            <a:schemeClr val="tx1"/>
-          </a:fontRef>
-        </p:style>
-      </p:cxnSp>
+        </p:spPr>
+      </p:pic>
     </p:spTree>
     <p:extLst>
       <p:ext uri="{BB962C8B-B14F-4D97-AF65-F5344CB8AC3E}">
-        <p14:creationId xmlns:p14="http://schemas.microsoft.com/office/powerpoint/2010/main" val="2571542412"/>
+        <p14:creationId xmlns:p14="http://schemas.microsoft.com/office/powerpoint/2010/main" val="546886901"/>
       </p:ext>
     </p:extLst>
   </p:cSld>
@@ -8024,7 +7519,7 @@
           <p:cNvPr id="2" name="Title 1">
             <a:extLst>
               <a:ext uri="{FF2B5EF4-FFF2-40B4-BE49-F238E27FC236}">
-                <a16:creationId xmlns:a16="http://schemas.microsoft.com/office/drawing/2014/main" id="{0A32731C-311B-46F7-A865-6C3AF6B09A47}"/>
+                <a16:creationId xmlns:a16="http://schemas.microsoft.com/office/drawing/2014/main" id="{8BDF1EDE-5423-435C-B149-87AB1BC22B83}"/>
               </a:ext>
             </a:extLst>
           </p:cNvPr>
@@ -8032,13 +7527,13 @@
             <a:spLocks noGrp="1"/>
           </p:cNvSpPr>
           <p:nvPr>
-            <p:ph type="title"/>
-          </p:nvPr>
-        </p:nvSpPr>
-        <p:spPr>
-          <a:xfrm>
-            <a:off x="1322318" y="268360"/>
-            <a:ext cx="7288282" cy="2121177"/>
+            <p:ph type="ctrTitle"/>
+          </p:nvPr>
+        </p:nvSpPr>
+        <p:spPr>
+          <a:xfrm>
+            <a:off x="1301750" y="129001"/>
+            <a:ext cx="5518150" cy="534970"/>
           </a:xfrm>
         </p:spPr>
         <p:txBody>
@@ -8047,17 +7542,17 @@
           <a:p>
             <a:r>
               <a:rPr lang="en-US" dirty="0"/>
-              <a:t>Engaging the audience</a:t>
-            </a:r>
-          </a:p>
-        </p:txBody>
-      </p:sp>
-      <p:sp>
-        <p:nvSpPr>
-          <p:cNvPr id="3" name="Text Placeholder 2">
-            <a:extLst>
-              <a:ext uri="{FF2B5EF4-FFF2-40B4-BE49-F238E27FC236}">
-                <a16:creationId xmlns:a16="http://schemas.microsoft.com/office/drawing/2014/main" id="{9D5232F9-FD00-464A-9F17-619C91AEF8F3}"/>
+              <a:t>Future Development</a:t>
+            </a:r>
+          </a:p>
+        </p:txBody>
+      </p:sp>
+      <p:sp>
+        <p:nvSpPr>
+          <p:cNvPr id="6" name="Slide Number Placeholder 5">
+            <a:extLst>
+              <a:ext uri="{FF2B5EF4-FFF2-40B4-BE49-F238E27FC236}">
+                <a16:creationId xmlns:a16="http://schemas.microsoft.com/office/drawing/2014/main" id="{4C127D99-645F-4FCF-9573-FDFE2A344FA9}"/>
               </a:ext>
             </a:extLst>
           </p:cNvPr>
@@ -8065,76 +7560,13 @@
             <a:spLocks noGrp="1"/>
           </p:cNvSpPr>
           <p:nvPr>
-            <p:ph sz="half" idx="2"/>
-          </p:nvPr>
-        </p:nvSpPr>
-        <p:spPr>
-          <a:xfrm>
-            <a:off x="1322388" y="2763078"/>
-            <a:ext cx="7288212" cy="3407051"/>
-          </a:xfrm>
-        </p:spPr>
-        <p:txBody>
-          <a:bodyPr>
-            <a:normAutofit/>
-          </a:bodyPr>
-          <a:lstStyle/>
-          <a:p>
-            <a:r>
-              <a:rPr lang="en-US" dirty="0"/>
-              <a:t>Techniques for connecting </a:t>
-            </a:r>
-          </a:p>
-          <a:p>
-            <a:pPr lvl="1"/>
-            <a:r>
-              <a:rPr lang="en-US" dirty="0"/>
-              <a:t>Make eye contact with your audience to create a sense of intimacy and involvement</a:t>
-            </a:r>
-          </a:p>
-          <a:p>
-            <a:pPr lvl="1"/>
-            <a:r>
-              <a:rPr lang="en-US" dirty="0"/>
-              <a:t>Weave relatable stories into your presentation using narratives that make your message memorable and impactful</a:t>
-            </a:r>
-          </a:p>
-          <a:p>
-            <a:pPr lvl="1"/>
-            <a:r>
-              <a:rPr lang="en-US" dirty="0"/>
-              <a:t>Encourage questions and provide thoughtful responses to enhance audience participation</a:t>
-            </a:r>
-          </a:p>
-          <a:p>
-            <a:pPr lvl="1"/>
-            <a:r>
-              <a:rPr lang="en-US" dirty="0"/>
-              <a:t>Use live polls or surveys to gather audience opinions, promoting engagement and making sure the audience feel involved</a:t>
-            </a:r>
-          </a:p>
-        </p:txBody>
-      </p:sp>
-      <p:sp>
-        <p:nvSpPr>
-          <p:cNvPr id="14" name="Slide Number Placeholder 5">
-            <a:extLst>
-              <a:ext uri="{FF2B5EF4-FFF2-40B4-BE49-F238E27FC236}">
-                <a16:creationId xmlns:a16="http://schemas.microsoft.com/office/drawing/2014/main" id="{ECE635A2-70B8-3EAB-6A18-952B02EBAA1E}"/>
-              </a:ext>
-            </a:extLst>
-          </p:cNvPr>
-          <p:cNvSpPr>
-            <a:spLocks noGrp="1"/>
-          </p:cNvSpPr>
-          <p:nvPr>
             <p:ph type="sldNum" sz="quarter" idx="12"/>
           </p:nvPr>
         </p:nvSpPr>
         <p:spPr>
           <a:xfrm>
-            <a:off x="10373350" y="6356349"/>
-            <a:ext cx="987552" cy="365125"/>
+            <a:off x="9579428" y="6356350"/>
+            <a:ext cx="1774371" cy="365125"/>
           </a:xfrm>
         </p:spPr>
         <p:txBody>
@@ -8150,10 +7582,186 @@
           </a:p>
         </p:txBody>
       </p:sp>
+      <p:pic>
+        <p:nvPicPr>
+          <p:cNvPr id="8" name="Picture 7">
+            <a:extLst>
+              <a:ext uri="{FF2B5EF4-FFF2-40B4-BE49-F238E27FC236}">
+                <a16:creationId xmlns:a16="http://schemas.microsoft.com/office/drawing/2014/main" id="{2A5AD3EC-610A-C88E-DB33-75EE13706706}"/>
+              </a:ext>
+            </a:extLst>
+          </p:cNvPr>
+          <p:cNvPicPr>
+            <a:picLocks noChangeAspect="1"/>
+          </p:cNvPicPr>
+          <p:nvPr/>
+        </p:nvPicPr>
+        <p:blipFill>
+          <a:blip r:embed="rId3"/>
+          <a:stretch>
+            <a:fillRect/>
+          </a:stretch>
+        </p:blipFill>
+        <p:spPr>
+          <a:xfrm>
+            <a:off x="8251393" y="3429000"/>
+            <a:ext cx="4179570" cy="3530129"/>
+          </a:xfrm>
+          <a:prstGeom prst="rect">
+            <a:avLst/>
+          </a:prstGeom>
+        </p:spPr>
+      </p:pic>
+      <p:pic>
+        <p:nvPicPr>
+          <p:cNvPr id="11" name="Picture 10" descr="A light bulb with a gear in the middle&#10;&#10;AI-generated content may be incorrect.">
+            <a:extLst>
+              <a:ext uri="{FF2B5EF4-FFF2-40B4-BE49-F238E27FC236}">
+                <a16:creationId xmlns:a16="http://schemas.microsoft.com/office/drawing/2014/main" id="{42B231C7-52A9-1068-3234-268523C86752}"/>
+              </a:ext>
+            </a:extLst>
+          </p:cNvPr>
+          <p:cNvPicPr>
+            <a:picLocks noChangeAspect="1"/>
+          </p:cNvPicPr>
+          <p:nvPr/>
+        </p:nvPicPr>
+        <p:blipFill>
+          <a:blip r:embed="rId4"/>
+          <a:stretch>
+            <a:fillRect/>
+          </a:stretch>
+        </p:blipFill>
+        <p:spPr>
+          <a:xfrm>
+            <a:off x="482776" y="2605501"/>
+            <a:ext cx="1344240" cy="1646997"/>
+          </a:xfrm>
+          <a:prstGeom prst="rect">
+            <a:avLst/>
+          </a:prstGeom>
+        </p:spPr>
+      </p:pic>
+      <p:sp>
+        <p:nvSpPr>
+          <p:cNvPr id="14" name="TextBox 13">
+            <a:extLst>
+              <a:ext uri="{FF2B5EF4-FFF2-40B4-BE49-F238E27FC236}">
+                <a16:creationId xmlns:a16="http://schemas.microsoft.com/office/drawing/2014/main" id="{26AA17BF-B943-4E84-94A7-5ABFA0093C14}"/>
+              </a:ext>
+            </a:extLst>
+          </p:cNvPr>
+          <p:cNvSpPr txBox="1"/>
+          <p:nvPr/>
+        </p:nvSpPr>
+        <p:spPr>
+          <a:xfrm>
+            <a:off x="2055866" y="853031"/>
+            <a:ext cx="6241240" cy="5355312"/>
+          </a:xfrm>
+          <a:prstGeom prst="rect">
+            <a:avLst/>
+          </a:prstGeom>
+          <a:solidFill>
+            <a:schemeClr val="tx1">
+              <a:alpha val="52000"/>
+            </a:schemeClr>
+          </a:solidFill>
+        </p:spPr>
+        <p:txBody>
+          <a:bodyPr wrap="square" rtlCol="0">
+            <a:spAutoFit/>
+          </a:bodyPr>
+          <a:lstStyle/>
+          <a:p>
+            <a:r>
+              <a:rPr lang="en-US" dirty="0">
+                <a:solidFill>
+                  <a:schemeClr val="bg1"/>
+                </a:solidFill>
+              </a:rPr>
+              <a:t>The most obvious development would be to add a payment system. It is hard to sell things without receiving payment!</a:t>
+            </a:r>
+          </a:p>
+          <a:p>
+            <a:endParaRPr lang="en-US" dirty="0">
+              <a:solidFill>
+                <a:schemeClr val="bg1"/>
+              </a:solidFill>
+            </a:endParaRPr>
+          </a:p>
+          <a:p>
+            <a:r>
+              <a:rPr lang="en-US" dirty="0">
+                <a:solidFill>
+                  <a:schemeClr val="bg1"/>
+                </a:solidFill>
+              </a:rPr>
+              <a:t>For this final project I was thinking of developing a charting system that would display say stock data as a candlestick chart. Then the indicators you buy would be made available in the browser on the chart. However, that would be quite ambitious, and I can not be spending that much time on the project.</a:t>
+            </a:r>
+          </a:p>
+          <a:p>
+            <a:endParaRPr lang="en-US" dirty="0">
+              <a:solidFill>
+                <a:schemeClr val="bg1"/>
+              </a:solidFill>
+            </a:endParaRPr>
+          </a:p>
+          <a:p>
+            <a:r>
+              <a:rPr lang="en-US" dirty="0">
+                <a:solidFill>
+                  <a:schemeClr val="bg1"/>
+                </a:solidFill>
+              </a:rPr>
+              <a:t>Next, would be a product page for each item. That way the user could read the description and see more images of the indicators.</a:t>
+            </a:r>
+          </a:p>
+          <a:p>
+            <a:endParaRPr lang="en-US" dirty="0">
+              <a:solidFill>
+                <a:schemeClr val="bg1"/>
+              </a:solidFill>
+            </a:endParaRPr>
+          </a:p>
+          <a:p>
+            <a:r>
+              <a:rPr lang="en-US" dirty="0">
+                <a:solidFill>
+                  <a:schemeClr val="bg1"/>
+                </a:solidFill>
+              </a:rPr>
+              <a:t>Free trials are commonly used in business. That way the user would have a period of time to try it out.</a:t>
+            </a:r>
+            <a:br>
+              <a:rPr lang="en-US" dirty="0">
+                <a:solidFill>
+                  <a:schemeClr val="bg1"/>
+                </a:solidFill>
+              </a:rPr>
+            </a:br>
+            <a:endParaRPr lang="en-US" dirty="0">
+              <a:solidFill>
+                <a:schemeClr val="bg1"/>
+              </a:solidFill>
+            </a:endParaRPr>
+          </a:p>
+          <a:p>
+            <a:r>
+              <a:rPr lang="en-US" dirty="0">
+                <a:solidFill>
+                  <a:schemeClr val="bg1"/>
+                </a:solidFill>
+              </a:rPr>
+              <a:t>Finally, adding icons to the text buttons and links to help with visual appeal.</a:t>
+            </a:r>
+          </a:p>
+        </p:txBody>
+      </p:sp>
     </p:spTree>
     <p:extLst>
       <p:ext uri="{BB962C8B-B14F-4D97-AF65-F5344CB8AC3E}">
-        <p14:creationId xmlns:p14="http://schemas.microsoft.com/office/powerpoint/2010/main" val="3571516367"/>
+        <p14:creationId xmlns:p14="http://schemas.microsoft.com/office/powerpoint/2010/main" val="1969787568"/>
       </p:ext>
     </p:extLst>
   </p:cSld>
@@ -8164,75 +7772,6 @@
 </file>
 
 <file path=ppt/slides/slide12.xml><?xml version="1.0" encoding="utf-8"?>
-<p:sld xmlns:a="http://schemas.openxmlformats.org/drawingml/2006/main" xmlns:r="http://schemas.openxmlformats.org/officeDocument/2006/relationships" xmlns:p="http://schemas.openxmlformats.org/presentationml/2006/main">
-  <p:cSld>
-    <p:spTree>
-      <p:nvGrpSpPr>
-        <p:cNvPr id="1" name="">
-          <a:extLst>
-            <a:ext uri="{FF2B5EF4-FFF2-40B4-BE49-F238E27FC236}">
-              <a16:creationId xmlns:a16="http://schemas.microsoft.com/office/drawing/2014/main" id="{F1E2B425-E4D0-6E70-D227-3ED82209C63A}"/>
-            </a:ext>
-          </a:extLst>
-        </p:cNvPr>
-        <p:cNvGrpSpPr/>
-        <p:nvPr/>
-      </p:nvGrpSpPr>
-      <p:grpSpPr>
-        <a:xfrm>
-          <a:off x="0" y="0"/>
-          <a:ext cx="0" cy="0"/>
-          <a:chOff x="0" y="0"/>
-          <a:chExt cx="0" cy="0"/>
-        </a:xfrm>
-      </p:grpSpPr>
-      <p:sp>
-        <p:nvSpPr>
-          <p:cNvPr id="2" name="Title 1">
-            <a:extLst>
-              <a:ext uri="{FF2B5EF4-FFF2-40B4-BE49-F238E27FC236}">
-                <a16:creationId xmlns:a16="http://schemas.microsoft.com/office/drawing/2014/main" id="{A4820485-F08E-8D54-DD4D-59C2497125B9}"/>
-              </a:ext>
-            </a:extLst>
-          </p:cNvPr>
-          <p:cNvSpPr>
-            <a:spLocks noGrp="1"/>
-          </p:cNvSpPr>
-          <p:nvPr>
-            <p:ph type="ctrTitle"/>
-          </p:nvPr>
-        </p:nvSpPr>
-        <p:spPr>
-          <a:xfrm>
-            <a:off x="6991350" y="406400"/>
-            <a:ext cx="4179570" cy="3457971"/>
-          </a:xfrm>
-        </p:spPr>
-        <p:txBody>
-          <a:bodyPr/>
-          <a:lstStyle/>
-          <a:p>
-            <a:r>
-              <a:rPr lang="en-US" dirty="0"/>
-              <a:t>Selecting Visual Aids</a:t>
-            </a:r>
-          </a:p>
-        </p:txBody>
-      </p:sp>
-    </p:spTree>
-    <p:extLst>
-      <p:ext uri="{BB962C8B-B14F-4D97-AF65-F5344CB8AC3E}">
-        <p14:creationId xmlns:p14="http://schemas.microsoft.com/office/powerpoint/2010/main" val="4088208317"/>
-      </p:ext>
-    </p:extLst>
-  </p:cSld>
-  <p:clrMapOvr>
-    <a:masterClrMapping/>
-  </p:clrMapOvr>
-</p:sld>
-</file>
-
-<file path=ppt/slides/slide13.xml><?xml version="1.0" encoding="utf-8"?>
 <p:sld xmlns:a="http://schemas.openxmlformats.org/drawingml/2006/main" xmlns:r="http://schemas.openxmlformats.org/officeDocument/2006/relationships" xmlns:p="http://schemas.openxmlformats.org/presentationml/2006/main">
   <p:cSld>
     <p:spTree>
@@ -8251,10 +7790,10 @@
       </p:grpSpPr>
       <p:sp>
         <p:nvSpPr>
-          <p:cNvPr id="2" name="Title 1">
-            <a:extLst>
-              <a:ext uri="{FF2B5EF4-FFF2-40B4-BE49-F238E27FC236}">
-                <a16:creationId xmlns:a16="http://schemas.microsoft.com/office/drawing/2014/main" id="{A95E2E6A-35EC-1B8E-0FD7-8C67870ACA64}"/>
+          <p:cNvPr id="8" name="Title 2">
+            <a:extLst>
+              <a:ext uri="{FF2B5EF4-FFF2-40B4-BE49-F238E27FC236}">
+                <a16:creationId xmlns:a16="http://schemas.microsoft.com/office/drawing/2014/main" id="{3E5FEE2D-79E5-4C1D-8BF7-EE619CA7039A}"/>
               </a:ext>
             </a:extLst>
           </p:cNvPr>
@@ -8267,220 +7806,29 @@
         </p:nvSpPr>
         <p:spPr>
           <a:xfrm>
-            <a:off x="2933700" y="568961"/>
-            <a:ext cx="8420100" cy="1780860"/>
-          </a:xfrm>
-        </p:spPr>
-        <p:txBody>
-          <a:bodyPr/>
-          <a:lstStyle/>
-          <a:p>
-            <a:r>
-              <a:rPr lang="en-US" dirty="0"/>
-              <a:t>Effective delivery techniques</a:t>
-            </a:r>
-          </a:p>
-        </p:txBody>
-      </p:sp>
-      <p:sp>
-        <p:nvSpPr>
-          <p:cNvPr id="12" name="Text Placeholder 11">
-            <a:extLst>
-              <a:ext uri="{FF2B5EF4-FFF2-40B4-BE49-F238E27FC236}">
-                <a16:creationId xmlns:a16="http://schemas.microsoft.com/office/drawing/2014/main" id="{554B61B9-26F6-B304-92CD-03053DAAF2A8}"/>
-              </a:ext>
-            </a:extLst>
-          </p:cNvPr>
-          <p:cNvSpPr>
-            <a:spLocks noGrp="1"/>
-          </p:cNvSpPr>
-          <p:nvPr>
-            <p:ph type="body" idx="1"/>
-          </p:nvPr>
-        </p:nvSpPr>
-        <p:spPr>
-          <a:xfrm>
-            <a:off x="2933700" y="2797255"/>
-            <a:ext cx="3924300" cy="464499"/>
-          </a:xfrm>
-        </p:spPr>
-        <p:txBody>
-          <a:bodyPr/>
-          <a:lstStyle/>
-          <a:p>
-            <a:r>
-              <a:rPr lang="en-US" dirty="0"/>
-              <a:t>Voice modulation</a:t>
-            </a:r>
-          </a:p>
-        </p:txBody>
-      </p:sp>
-      <p:sp>
-        <p:nvSpPr>
-          <p:cNvPr id="35" name="Content Placeholder 34">
-            <a:extLst>
-              <a:ext uri="{FF2B5EF4-FFF2-40B4-BE49-F238E27FC236}">
-                <a16:creationId xmlns:a16="http://schemas.microsoft.com/office/drawing/2014/main" id="{EDBE6233-75E9-40D1-968F-58CA9AD0FF50}"/>
-              </a:ext>
-            </a:extLst>
-          </p:cNvPr>
-          <p:cNvSpPr>
-            <a:spLocks noGrp="1"/>
-          </p:cNvSpPr>
-          <p:nvPr>
-            <p:ph sz="half" idx="13"/>
-          </p:nvPr>
-        </p:nvSpPr>
-        <p:spPr>
-          <a:xfrm>
-            <a:off x="2933700" y="3251596"/>
-            <a:ext cx="3943627" cy="3234264"/>
-          </a:xfrm>
-        </p:spPr>
-        <p:txBody>
-          <a:bodyPr>
-            <a:normAutofit/>
+            <a:off x="838200" y="127457"/>
+            <a:ext cx="10515600" cy="465455"/>
+          </a:xfrm>
+        </p:spPr>
+        <p:txBody>
+          <a:bodyPr anchor="b">
+            <a:normAutofit fontScale="90000"/>
           </a:bodyPr>
           <a:lstStyle/>
           <a:p>
             <a:r>
               <a:rPr lang="en-US" dirty="0"/>
-              <a:t>This is a powerful tool in public speaking. It involves varying pitch, tone, and volume to convey emotion, emphasize points, and maintain interest:</a:t>
-            </a:r>
-          </a:p>
-          <a:p>
-            <a:pPr lvl="1"/>
-            <a:r>
-              <a:rPr lang="en-US" dirty="0"/>
-              <a:t>Pitch variation</a:t>
-            </a:r>
-          </a:p>
-          <a:p>
-            <a:pPr lvl="1"/>
-            <a:r>
-              <a:rPr lang="en-US" dirty="0"/>
-              <a:t>Tone inflection</a:t>
-            </a:r>
-          </a:p>
-          <a:p>
-            <a:pPr lvl="1"/>
-            <a:r>
-              <a:rPr lang="en-US" dirty="0"/>
-              <a:t>Volume control</a:t>
-            </a:r>
-          </a:p>
-          <a:p>
-            <a:endParaRPr lang="en-US" dirty="0"/>
-          </a:p>
-        </p:txBody>
-      </p:sp>
-      <p:sp>
-        <p:nvSpPr>
-          <p:cNvPr id="14" name="Text Placeholder 13">
-            <a:extLst>
-              <a:ext uri="{FF2B5EF4-FFF2-40B4-BE49-F238E27FC236}">
-                <a16:creationId xmlns:a16="http://schemas.microsoft.com/office/drawing/2014/main" id="{CB9F9E8B-42CD-AC26-AFC9-F1F66695693B}"/>
-              </a:ext>
-            </a:extLst>
-          </p:cNvPr>
-          <p:cNvSpPr>
-            <a:spLocks noGrp="1"/>
-          </p:cNvSpPr>
-          <p:nvPr>
-            <p:ph type="body" sz="quarter" idx="3"/>
-          </p:nvPr>
-        </p:nvSpPr>
-        <p:spPr>
-          <a:xfrm>
-            <a:off x="7410173" y="2797255"/>
-            <a:ext cx="3943627" cy="464499"/>
-          </a:xfrm>
-        </p:spPr>
-        <p:txBody>
-          <a:bodyPr/>
-          <a:lstStyle/>
-          <a:p>
-            <a:r>
-              <a:rPr lang="en-US" dirty="0"/>
-              <a:t>Body language</a:t>
-            </a:r>
-          </a:p>
-        </p:txBody>
-      </p:sp>
-      <p:sp>
-        <p:nvSpPr>
-          <p:cNvPr id="50" name="Content Placeholder 49">
-            <a:extLst>
-              <a:ext uri="{FF2B5EF4-FFF2-40B4-BE49-F238E27FC236}">
-                <a16:creationId xmlns:a16="http://schemas.microsoft.com/office/drawing/2014/main" id="{8F6B2AE9-DDE4-FD99-A235-3B39EEE21481}"/>
-              </a:ext>
-            </a:extLst>
-          </p:cNvPr>
-          <p:cNvSpPr>
-            <a:spLocks noGrp="1"/>
-          </p:cNvSpPr>
-          <p:nvPr>
-            <p:ph sz="half" idx="14"/>
-          </p:nvPr>
-        </p:nvSpPr>
-        <p:spPr>
-          <a:xfrm>
-            <a:off x="7410173" y="3251595"/>
-            <a:ext cx="3943627" cy="3234264"/>
-          </a:xfrm>
-        </p:spPr>
-        <p:txBody>
-          <a:bodyPr>
-            <a:normAutofit/>
-          </a:bodyPr>
-          <a:lstStyle/>
-          <a:p>
-            <a:r>
-              <a:rPr lang="en-US" dirty="0"/>
-              <a:t>Effective body language enhances your message, making it more impactful </a:t>
-            </a:r>
-            <a:r>
-              <a:rPr lang="en-US"/>
-              <a:t>and memorable:</a:t>
-            </a:r>
-            <a:endParaRPr lang="en-US" dirty="0"/>
-          </a:p>
-          <a:p>
-            <a:pPr lvl="1"/>
-            <a:r>
-              <a:rPr lang="en-US" dirty="0"/>
-              <a:t>Meaningful eye contact</a:t>
-            </a:r>
-          </a:p>
-          <a:p>
-            <a:pPr lvl="1"/>
-            <a:r>
-              <a:rPr lang="en-US" dirty="0"/>
-              <a:t>Purposeful gestures</a:t>
-            </a:r>
-          </a:p>
-          <a:p>
-            <a:pPr lvl="1"/>
-            <a:r>
-              <a:rPr lang="en-US" dirty="0"/>
-              <a:t>Maintain good posture</a:t>
-            </a:r>
-          </a:p>
-          <a:p>
-            <a:pPr lvl="1"/>
-            <a:r>
-              <a:rPr lang="en-US" dirty="0"/>
-              <a:t>Control your expressions</a:t>
-            </a:r>
-          </a:p>
-        </p:txBody>
-      </p:sp>
-      <p:sp>
-        <p:nvSpPr>
-          <p:cNvPr id="8" name="Slide Number Placeholder 7">
-            <a:extLst>
-              <a:ext uri="{FF2B5EF4-FFF2-40B4-BE49-F238E27FC236}">
-                <a16:creationId xmlns:a16="http://schemas.microsoft.com/office/drawing/2014/main" id="{8F44A959-C2BB-9170-C99C-1A2EDB71B994}"/>
+              <a:t>Links</a:t>
+            </a:r>
+          </a:p>
+        </p:txBody>
+      </p:sp>
+      <p:sp>
+        <p:nvSpPr>
+          <p:cNvPr id="5" name="Slide Number Placeholder 5">
+            <a:extLst>
+              <a:ext uri="{FF2B5EF4-FFF2-40B4-BE49-F238E27FC236}">
+                <a16:creationId xmlns:a16="http://schemas.microsoft.com/office/drawing/2014/main" id="{4832B776-E386-1CF9-CC8F-2D2FF3EA7066}"/>
               </a:ext>
             </a:extLst>
           </p:cNvPr>
@@ -8504,2097 +7852,207 @@
             <a:fld id="{A49DFD55-3C28-40EF-9E31-A92D2E4017FF}" type="slidenum">
               <a:rPr lang="en-US" smtClean="0"/>
               <a:pPr/>
-              <a:t>13</a:t>
+              <a:t>12</a:t>
             </a:fld>
             <a:endParaRPr lang="en-US" dirty="0"/>
           </a:p>
         </p:txBody>
       </p:sp>
-    </p:spTree>
-    <p:extLst>
-      <p:ext uri="{BB962C8B-B14F-4D97-AF65-F5344CB8AC3E}">
-        <p14:creationId xmlns:p14="http://schemas.microsoft.com/office/powerpoint/2010/main" val="103458723"/>
-      </p:ext>
-    </p:extLst>
-  </p:cSld>
-  <p:clrMapOvr>
-    <a:masterClrMapping/>
-  </p:clrMapOvr>
-</p:sld>
-</file>
-
-<file path=ppt/slides/slide14.xml><?xml version="1.0" encoding="utf-8"?>
-<p:sld xmlns:a="http://schemas.openxmlformats.org/drawingml/2006/main" xmlns:r="http://schemas.openxmlformats.org/officeDocument/2006/relationships" xmlns:p="http://schemas.openxmlformats.org/presentationml/2006/main">
-  <p:cSld>
-    <p:spTree>
-      <p:nvGrpSpPr>
-        <p:cNvPr id="1" name=""/>
-        <p:cNvGrpSpPr/>
-        <p:nvPr/>
-      </p:nvGrpSpPr>
-      <p:grpSpPr>
-        <a:xfrm>
-          <a:off x="0" y="0"/>
-          <a:ext cx="0" cy="0"/>
-          <a:chOff x="0" y="0"/>
-          <a:chExt cx="0" cy="0"/>
-        </a:xfrm>
-      </p:grpSpPr>
-      <p:sp>
-        <p:nvSpPr>
-          <p:cNvPr id="2" name="Title 1">
-            <a:extLst>
-              <a:ext uri="{FF2B5EF4-FFF2-40B4-BE49-F238E27FC236}">
-                <a16:creationId xmlns:a16="http://schemas.microsoft.com/office/drawing/2014/main" id="{8B27D9B3-B64F-656A-0D99-161A6C0F518F}"/>
-              </a:ext>
-            </a:extLst>
-          </p:cNvPr>
-          <p:cNvSpPr>
-            <a:spLocks noGrp="1"/>
-          </p:cNvSpPr>
-          <p:nvPr>
-            <p:ph type="title"/>
-          </p:nvPr>
-        </p:nvSpPr>
-        <p:spPr>
-          <a:xfrm>
-            <a:off x="1341120" y="558801"/>
-            <a:ext cx="9953308" cy="1780860"/>
-          </a:xfrm>
-        </p:spPr>
-        <p:txBody>
-          <a:bodyPr/>
+      <p:sp>
+        <p:nvSpPr>
+          <p:cNvPr id="4" name="TextBox 3">
+            <a:extLst>
+              <a:ext uri="{FF2B5EF4-FFF2-40B4-BE49-F238E27FC236}">
+                <a16:creationId xmlns:a16="http://schemas.microsoft.com/office/drawing/2014/main" id="{14C5FF6F-9829-1B53-3A8F-92429DAC3971}"/>
+              </a:ext>
+            </a:extLst>
+          </p:cNvPr>
+          <p:cNvSpPr txBox="1"/>
+          <p:nvPr/>
+        </p:nvSpPr>
+        <p:spPr>
+          <a:xfrm>
+            <a:off x="831273" y="1058487"/>
+            <a:ext cx="10590414" cy="1754326"/>
+          </a:xfrm>
+          <a:prstGeom prst="rect">
+            <a:avLst/>
+          </a:prstGeom>
+          <a:noFill/>
+        </p:spPr>
+        <p:txBody>
+          <a:bodyPr wrap="square" rtlCol="0">
+            <a:spAutoFit/>
+          </a:bodyPr>
           <a:lstStyle/>
           <a:p>
             <a:r>
               <a:rPr lang="en-US" dirty="0"/>
-              <a:t>Navigating Q&amp;A Sessions</a:t>
-            </a:r>
-          </a:p>
-        </p:txBody>
-      </p:sp>
-      <p:sp>
-        <p:nvSpPr>
-          <p:cNvPr id="13" name="Text Placeholder 12">
-            <a:extLst>
-              <a:ext uri="{FF2B5EF4-FFF2-40B4-BE49-F238E27FC236}">
-                <a16:creationId xmlns:a16="http://schemas.microsoft.com/office/drawing/2014/main" id="{7E5B6E40-3A7D-ACF7-AA38-25977D322D81}"/>
-              </a:ext>
-            </a:extLst>
-          </p:cNvPr>
-          <p:cNvSpPr>
-            <a:spLocks noGrp="1"/>
-          </p:cNvSpPr>
-          <p:nvPr>
-            <p:ph type="body" idx="1"/>
-          </p:nvPr>
-        </p:nvSpPr>
-        <p:spPr>
-          <a:xfrm>
-            <a:off x="1341120" y="2960877"/>
-            <a:ext cx="2722880" cy="351284"/>
-          </a:xfrm>
-        </p:spPr>
-        <p:txBody>
-          <a:bodyPr/>
-          <a:lstStyle/>
-          <a:p>
-            <a:r>
-              <a:rPr lang="en-US" dirty="0"/>
-              <a:t>Preparing for questions</a:t>
-            </a:r>
-          </a:p>
-        </p:txBody>
-      </p:sp>
-      <p:sp>
-        <p:nvSpPr>
-          <p:cNvPr id="36" name="Content Placeholder 35">
-            <a:extLst>
-              <a:ext uri="{FF2B5EF4-FFF2-40B4-BE49-F238E27FC236}">
-                <a16:creationId xmlns:a16="http://schemas.microsoft.com/office/drawing/2014/main" id="{E71298F0-74F1-FECA-0F02-495F9A2EBA7B}"/>
-              </a:ext>
-            </a:extLst>
-          </p:cNvPr>
-          <p:cNvSpPr>
-            <a:spLocks noGrp="1"/>
-          </p:cNvSpPr>
-          <p:nvPr>
-            <p:ph sz="half" idx="15"/>
-          </p:nvPr>
-        </p:nvSpPr>
-        <p:spPr>
-          <a:xfrm>
-            <a:off x="1341120" y="3392035"/>
-            <a:ext cx="2722880" cy="2907164"/>
-          </a:xfrm>
-        </p:spPr>
-        <p:txBody>
-          <a:bodyPr>
+              <a:t>VISIT THE SITE: </a:t>
+            </a:r>
+            <a:r>
+              <a:rPr lang="en-US" dirty="0">
+                <a:hlinkClick r:id="rId3"/>
+              </a:rPr>
+              <a:t>https://webapi-finalproject-react.onrender.com</a:t>
+            </a:r>
+            <a:endParaRPr lang="en-US" dirty="0"/>
+          </a:p>
+          <a:p>
+            <a:endParaRPr lang="en-US" dirty="0"/>
+          </a:p>
+          <a:p>
+            <a:r>
+              <a:rPr lang="en-US" dirty="0"/>
+              <a:t>API Repository: </a:t>
+            </a:r>
+            <a:r>
+              <a:rPr lang="en-US" dirty="0">
+                <a:hlinkClick r:id="rId4"/>
+              </a:rPr>
+              <a:t>https://github.com/supracharger/WebAPI_FinalProject_API</a:t>
+            </a:r>
+            <a:endParaRPr lang="en-US" dirty="0"/>
+          </a:p>
+          <a:p>
+            <a:endParaRPr lang="en-US" dirty="0"/>
+          </a:p>
+          <a:p>
+            <a:r>
+              <a:rPr lang="en-US" dirty="0"/>
+              <a:t>Site Repository: </a:t>
+            </a:r>
+            <a:r>
+              <a:rPr lang="en-US" dirty="0">
+                <a:hlinkClick r:id="rId5"/>
+              </a:rPr>
+              <a:t>https://github.com/supracharger/WebAPI_FinalProject_REACT</a:t>
+            </a:r>
+            <a:endParaRPr lang="en-US" dirty="0"/>
+          </a:p>
+          <a:p>
+            <a:endParaRPr lang="en-US" dirty="0"/>
+          </a:p>
+        </p:txBody>
+      </p:sp>
+      <p:sp>
+        <p:nvSpPr>
+          <p:cNvPr id="6" name="Title 1">
+            <a:extLst>
+              <a:ext uri="{FF2B5EF4-FFF2-40B4-BE49-F238E27FC236}">
+                <a16:creationId xmlns:a16="http://schemas.microsoft.com/office/drawing/2014/main" id="{CBD85748-A0E7-BC71-D7AF-0FF5DE2A166C}"/>
+              </a:ext>
+            </a:extLst>
+          </p:cNvPr>
+          <p:cNvSpPr txBox="1">
+            <a:spLocks/>
+          </p:cNvSpPr>
+          <p:nvPr/>
+        </p:nvSpPr>
+        <p:spPr>
+          <a:xfrm>
+            <a:off x="4006215" y="2297478"/>
+            <a:ext cx="4179570" cy="1524735"/>
+          </a:xfrm>
+          <a:prstGeom prst="rect">
+            <a:avLst/>
+          </a:prstGeom>
+        </p:spPr>
+        <p:txBody>
+          <a:bodyPr vert="horz" lIns="91440" tIns="45720" rIns="91440" bIns="45720" rtlCol="0" anchor="b">
             <a:normAutofit/>
           </a:bodyPr>
-          <a:lstStyle/>
-          <a:p>
-            <a:r>
-              <a:rPr lang="en-US" dirty="0"/>
-              <a:t>Know your material in advance</a:t>
-            </a:r>
-          </a:p>
-          <a:p>
-            <a:r>
-              <a:rPr lang="en-US" dirty="0"/>
-              <a:t>Anticipate common questions</a:t>
-            </a:r>
-          </a:p>
-          <a:p>
-            <a:r>
-              <a:rPr lang="en-US" dirty="0"/>
-              <a:t>Rehearse your responses</a:t>
-            </a:r>
-          </a:p>
-        </p:txBody>
-      </p:sp>
-      <p:sp>
-        <p:nvSpPr>
-          <p:cNvPr id="15" name="Text Placeholder 14">
-            <a:extLst>
-              <a:ext uri="{FF2B5EF4-FFF2-40B4-BE49-F238E27FC236}">
-                <a16:creationId xmlns:a16="http://schemas.microsoft.com/office/drawing/2014/main" id="{A536BD54-EFA1-25A2-9F04-4F22C36E2A5D}"/>
-              </a:ext>
-            </a:extLst>
-          </p:cNvPr>
-          <p:cNvSpPr>
-            <a:spLocks noGrp="1"/>
-          </p:cNvSpPr>
-          <p:nvPr>
-            <p:ph type="body" idx="10"/>
-          </p:nvPr>
-        </p:nvSpPr>
-        <p:spPr>
-          <a:xfrm>
-            <a:off x="4754881" y="2960877"/>
-            <a:ext cx="5516880" cy="351284"/>
-          </a:xfrm>
-        </p:spPr>
-        <p:txBody>
-          <a:bodyPr/>
-          <a:lstStyle/>
-          <a:p>
-            <a:r>
-              <a:rPr lang="en-US" dirty="0"/>
-              <a:t>Maintaining composure</a:t>
-            </a:r>
-          </a:p>
-          <a:p>
-            <a:endParaRPr lang="en-US" dirty="0"/>
-          </a:p>
-        </p:txBody>
-      </p:sp>
-      <p:sp>
-        <p:nvSpPr>
-          <p:cNvPr id="14" name="Content Placeholder 13">
-            <a:extLst>
-              <a:ext uri="{FF2B5EF4-FFF2-40B4-BE49-F238E27FC236}">
-                <a16:creationId xmlns:a16="http://schemas.microsoft.com/office/drawing/2014/main" id="{5112969F-EB84-49D5-7100-1FB28870FB30}"/>
-              </a:ext>
-            </a:extLst>
-          </p:cNvPr>
-          <p:cNvSpPr>
-            <a:spLocks noGrp="1"/>
-          </p:cNvSpPr>
-          <p:nvPr>
-            <p:ph sz="half" idx="14"/>
-          </p:nvPr>
-        </p:nvSpPr>
-        <p:spPr>
-          <a:xfrm>
-            <a:off x="4754881" y="3324859"/>
-            <a:ext cx="5506720" cy="3031489"/>
-          </a:xfrm>
-        </p:spPr>
-        <p:txBody>
-          <a:bodyPr>
-            <a:normAutofit/>
-          </a:bodyPr>
-          <a:lstStyle/>
-          <a:p>
-            <a:r>
-              <a:rPr lang="en-US" dirty="0"/>
-              <a:t>Maintaining composure during the Q&amp;A session is essential for projecting confidence and authority. Consider the following tips for staying composed:</a:t>
-            </a:r>
-          </a:p>
-          <a:p>
-            <a:pPr lvl="1"/>
-            <a:r>
-              <a:rPr lang="en-US" dirty="0"/>
-              <a:t>Stay calm</a:t>
-            </a:r>
-          </a:p>
-          <a:p>
-            <a:pPr lvl="1"/>
-            <a:r>
-              <a:rPr lang="en-US" dirty="0"/>
-              <a:t>Actively listen</a:t>
-            </a:r>
-          </a:p>
-          <a:p>
-            <a:pPr lvl="1"/>
-            <a:r>
-              <a:rPr lang="en-US" dirty="0"/>
-              <a:t>Pause and reflect</a:t>
-            </a:r>
-          </a:p>
-          <a:p>
-            <a:pPr lvl="1"/>
-            <a:r>
-              <a:rPr lang="en-US" dirty="0"/>
-              <a:t>Maintain eye contact</a:t>
-            </a:r>
-          </a:p>
-        </p:txBody>
-      </p:sp>
-      <p:sp>
-        <p:nvSpPr>
-          <p:cNvPr id="68" name="Slide Number Placeholder 67">
-            <a:extLst>
-              <a:ext uri="{FF2B5EF4-FFF2-40B4-BE49-F238E27FC236}">
-                <a16:creationId xmlns:a16="http://schemas.microsoft.com/office/drawing/2014/main" id="{AA0ACADD-CC4E-851C-DA07-C22DB97FA23E}"/>
-              </a:ext>
-            </a:extLst>
-          </p:cNvPr>
-          <p:cNvSpPr>
-            <a:spLocks noGrp="1"/>
-          </p:cNvSpPr>
-          <p:nvPr>
-            <p:ph type="sldNum" sz="quarter" idx="13"/>
-          </p:nvPr>
-        </p:nvSpPr>
-        <p:spPr>
-          <a:xfrm>
-            <a:off x="10373350" y="6356349"/>
-            <a:ext cx="987552" cy="365125"/>
-          </a:xfrm>
-        </p:spPr>
-        <p:txBody>
-          <a:bodyPr/>
-          <a:lstStyle/>
-          <a:p>
-            <a:fld id="{A49DFD55-3C28-40EF-9E31-A92D2E4017FF}" type="slidenum">
-              <a:rPr lang="en-US" smtClean="0"/>
-              <a:pPr/>
-              <a:t>14</a:t>
-            </a:fld>
-            <a:endParaRPr lang="en-US" dirty="0"/>
-          </a:p>
-        </p:txBody>
-      </p:sp>
-    </p:spTree>
-    <p:extLst>
-      <p:ext uri="{BB962C8B-B14F-4D97-AF65-F5344CB8AC3E}">
-        <p14:creationId xmlns:p14="http://schemas.microsoft.com/office/powerpoint/2010/main" val="636929804"/>
-      </p:ext>
-    </p:extLst>
-  </p:cSld>
-  <p:clrMapOvr>
-    <a:masterClrMapping/>
-  </p:clrMapOvr>
-</p:sld>
-</file>
-
-<file path=ppt/slides/slide15.xml><?xml version="1.0" encoding="utf-8"?>
-<p:sld xmlns:a="http://schemas.openxmlformats.org/drawingml/2006/main" xmlns:r="http://schemas.openxmlformats.org/officeDocument/2006/relationships" xmlns:p="http://schemas.openxmlformats.org/presentationml/2006/main">
-  <p:cSld>
-    <p:spTree>
-      <p:nvGrpSpPr>
-        <p:cNvPr id="1" name=""/>
-        <p:cNvGrpSpPr/>
-        <p:nvPr/>
-      </p:nvGrpSpPr>
-      <p:grpSpPr>
-        <a:xfrm>
-          <a:off x="0" y="0"/>
-          <a:ext cx="0" cy="0"/>
-          <a:chOff x="0" y="0"/>
-          <a:chExt cx="0" cy="0"/>
-        </a:xfrm>
-      </p:grpSpPr>
-      <p:sp>
-        <p:nvSpPr>
-          <p:cNvPr id="2" name="Title 1">
-            <a:extLst>
-              <a:ext uri="{FF2B5EF4-FFF2-40B4-BE49-F238E27FC236}">
-                <a16:creationId xmlns:a16="http://schemas.microsoft.com/office/drawing/2014/main" id="{4518FC28-E0BD-4387-B8BE-9965D1A57FF1}"/>
-              </a:ext>
-            </a:extLst>
-          </p:cNvPr>
-          <p:cNvSpPr>
-            <a:spLocks noGrp="1"/>
-          </p:cNvSpPr>
-          <p:nvPr>
-            <p:ph type="title"/>
-          </p:nvPr>
-        </p:nvSpPr>
-        <p:spPr>
-          <a:xfrm>
-            <a:off x="5476874" y="1671639"/>
-            <a:ext cx="5884027" cy="1204912"/>
-          </a:xfrm>
-        </p:spPr>
-        <p:txBody>
-          <a:bodyPr/>
-          <a:lstStyle/>
-          <a:p>
-            <a:r>
-              <a:rPr lang="en-US" dirty="0"/>
-              <a:t>Speaking Impact</a:t>
+          <a:lstStyle>
+            <a:lvl1pPr algn="ctr" defTabSz="914400" rtl="0" eaLnBrk="1" latinLnBrk="0" hangingPunct="1">
+              <a:lnSpc>
+                <a:spcPct val="90000"/>
+              </a:lnSpc>
+              <a:spcBef>
+                <a:spcPct val="0"/>
+              </a:spcBef>
+              <a:buNone/>
+              <a:defRPr lang="en-US" sz="2800" kern="1200" cap="all" spc="150" baseline="0" dirty="0">
+                <a:solidFill>
+                  <a:schemeClr val="tx1"/>
+                </a:solidFill>
+                <a:latin typeface="+mj-lt"/>
+                <a:ea typeface="+mj-ea"/>
+                <a:cs typeface="+mj-cs"/>
+              </a:defRPr>
+            </a:lvl1pPr>
+          </a:lstStyle>
+          <a:p>
+            <a:r>
+              <a:rPr lang="en-US"/>
+              <a:t>THANK YOU</a:t>
             </a:r>
           </a:p>
         </p:txBody>
       </p:sp>
       <p:pic>
         <p:nvPicPr>
-          <p:cNvPr id="47" name="Picture Placeholder 46" descr="A person smiling with a shadow on the wall">
-            <a:extLst>
-              <a:ext uri="{FF2B5EF4-FFF2-40B4-BE49-F238E27FC236}">
-                <a16:creationId xmlns:a16="http://schemas.microsoft.com/office/drawing/2014/main" id="{F55BC7A4-EE4B-7EFC-C325-408D66C3CBA7}"/>
+          <p:cNvPr id="9" name="Picture 8">
+            <a:extLst>
+              <a:ext uri="{FF2B5EF4-FFF2-40B4-BE49-F238E27FC236}">
+                <a16:creationId xmlns:a16="http://schemas.microsoft.com/office/drawing/2014/main" id="{007793C3-CC5A-896F-C57E-CEF07110348B}"/>
               </a:ext>
             </a:extLst>
           </p:cNvPr>
           <p:cNvPicPr>
-            <a:picLocks noGrp="1" noChangeAspect="1"/>
+            <a:picLocks noChangeAspect="1"/>
           </p:cNvPicPr>
-          <p:nvPr>
-            <p:ph type="pic" sz="quarter" idx="13"/>
-          </p:nvPr>
+          <p:nvPr/>
         </p:nvPicPr>
         <p:blipFill>
-          <a:blip r:embed="rId3"/>
-          <a:srcRect l="112" r="112"/>
-          <a:stretch/>
+          <a:blip r:embed="rId6"/>
+          <a:stretch>
+            <a:fillRect/>
+          </a:stretch>
         </p:blipFill>
         <p:spPr>
           <a:xfrm>
-            <a:off x="-28230" y="-9144"/>
-            <a:ext cx="5481955" cy="6876288"/>
-          </a:xfrm>
-        </p:spPr>
-      </p:pic>
-      <p:sp>
-        <p:nvSpPr>
-          <p:cNvPr id="6" name="Slide Number Placeholder 5">
-            <a:extLst>
-              <a:ext uri="{FF2B5EF4-FFF2-40B4-BE49-F238E27FC236}">
-                <a16:creationId xmlns:a16="http://schemas.microsoft.com/office/drawing/2014/main" id="{7C4B8313-9270-4128-8674-3A3E42B806BC}"/>
-              </a:ext>
-            </a:extLst>
-          </p:cNvPr>
-          <p:cNvSpPr>
-            <a:spLocks noGrp="1"/>
-          </p:cNvSpPr>
-          <p:nvPr>
-            <p:ph type="sldNum" sz="quarter" idx="12"/>
-          </p:nvPr>
-        </p:nvSpPr>
-        <p:spPr>
-          <a:xfrm>
-            <a:off x="10373350" y="6356349"/>
-            <a:ext cx="987552" cy="365125"/>
-          </a:xfrm>
-        </p:spPr>
-        <p:txBody>
-          <a:bodyPr/>
-          <a:lstStyle/>
-          <a:p>
-            <a:fld id="{A49DFD55-3C28-40EF-9E31-A92D2E4017FF}" type="slidenum">
-              <a:rPr lang="en-US" smtClean="0"/>
-              <a:pPr/>
-              <a:t>15</a:t>
-            </a:fld>
-            <a:endParaRPr lang="en-US" dirty="0"/>
-          </a:p>
-        </p:txBody>
-      </p:sp>
-      <p:sp>
-        <p:nvSpPr>
-          <p:cNvPr id="3" name="Text Placeholder 2">
-            <a:extLst>
-              <a:ext uri="{FF2B5EF4-FFF2-40B4-BE49-F238E27FC236}">
-                <a16:creationId xmlns:a16="http://schemas.microsoft.com/office/drawing/2014/main" id="{FED19BCA-B61F-4EA6-A1FB-CCA3BD8506FB}"/>
-              </a:ext>
-            </a:extLst>
-          </p:cNvPr>
-          <p:cNvSpPr>
-            <a:spLocks noGrp="1"/>
-          </p:cNvSpPr>
-          <p:nvPr>
-            <p:ph sz="half" idx="14"/>
-          </p:nvPr>
-        </p:nvSpPr>
-        <p:spPr>
-          <a:xfrm>
-            <a:off x="5453725" y="3660774"/>
-            <a:ext cx="5907176" cy="2536826"/>
-          </a:xfrm>
-        </p:spPr>
-        <p:txBody>
-          <a:bodyPr>
-            <a:noAutofit/>
-          </a:bodyPr>
-          <a:lstStyle/>
-          <a:p>
-            <a:r>
-              <a:rPr lang="en-US" dirty="0"/>
-              <a:t>Your ability to communicate effectively will leave a lasting impact on your audience</a:t>
-            </a:r>
-          </a:p>
-          <a:p>
-            <a:r>
-              <a:rPr lang="en-US" dirty="0"/>
-              <a:t>Effectively communicating involves not only delivering a message but also resonating with the experiences, values, and emotions of those listening </a:t>
-            </a:r>
-          </a:p>
-        </p:txBody>
-      </p:sp>
-      <p:cxnSp>
-        <p:nvCxnSpPr>
-          <p:cNvPr id="23" name="Straight Connector 22">
-            <a:extLst>
-              <a:ext uri="{FF2B5EF4-FFF2-40B4-BE49-F238E27FC236}">
-                <a16:creationId xmlns:a16="http://schemas.microsoft.com/office/drawing/2014/main" id="{D87F08D6-2CA7-4A5A-BE34-07113DCA535D}"/>
-              </a:ext>
-              <a:ext uri="{C183D7F6-B498-43B3-948B-1728B52AA6E4}">
-                <adec:decorative xmlns:adec="http://schemas.microsoft.com/office/drawing/2017/decorative" val="1"/>
-              </a:ext>
-            </a:extLst>
-          </p:cNvPr>
-          <p:cNvCxnSpPr>
-            <a:cxnSpLocks/>
-          </p:cNvCxnSpPr>
-          <p:nvPr userDrawn="1"/>
-        </p:nvCxnSpPr>
-        <p:spPr>
-          <a:xfrm flipH="1" flipV="1">
-            <a:off x="0" y="876300"/>
-            <a:ext cx="5246255" cy="1709882"/>
-          </a:xfrm>
-          <a:prstGeom prst="line">
+            <a:off x="-271330" y="4261758"/>
+            <a:ext cx="4570745" cy="2388086"/>
+          </a:xfrm>
+          <a:prstGeom prst="rect">
             <a:avLst/>
           </a:prstGeom>
-          <a:ln>
-            <a:solidFill>
-              <a:schemeClr val="tx1"/>
-            </a:solidFill>
-          </a:ln>
-        </p:spPr>
-        <p:style>
-          <a:lnRef idx="1">
-            <a:schemeClr val="accent1"/>
-          </a:lnRef>
-          <a:fillRef idx="0">
-            <a:schemeClr val="accent1"/>
-          </a:fillRef>
-          <a:effectRef idx="0">
-            <a:schemeClr val="accent1"/>
-          </a:effectRef>
-          <a:fontRef idx="minor">
-            <a:schemeClr val="tx1"/>
-          </a:fontRef>
-        </p:style>
-      </p:cxnSp>
-    </p:spTree>
-    <p:extLst>
-      <p:ext uri="{BB962C8B-B14F-4D97-AF65-F5344CB8AC3E}">
-        <p14:creationId xmlns:p14="http://schemas.microsoft.com/office/powerpoint/2010/main" val="1742861620"/>
-      </p:ext>
-    </p:extLst>
-  </p:cSld>
-  <p:clrMapOvr>
-    <a:masterClrMapping/>
-  </p:clrMapOvr>
-</p:sld>
-</file>
-
-<file path=ppt/slides/slide16.xml><?xml version="1.0" encoding="utf-8"?>
-<p:sld xmlns:a="http://schemas.openxmlformats.org/drawingml/2006/main" xmlns:r="http://schemas.openxmlformats.org/officeDocument/2006/relationships" xmlns:p="http://schemas.openxmlformats.org/presentationml/2006/main">
-  <p:cSld>
-    <p:spTree>
-      <p:nvGrpSpPr>
-        <p:cNvPr id="1" name=""/>
-        <p:cNvGrpSpPr/>
-        <p:nvPr/>
-      </p:nvGrpSpPr>
-      <p:grpSpPr>
-        <a:xfrm>
-          <a:off x="0" y="0"/>
-          <a:ext cx="0" cy="0"/>
-          <a:chOff x="0" y="0"/>
-          <a:chExt cx="0" cy="0"/>
-        </a:xfrm>
-      </p:grpSpPr>
-      <p:sp>
-        <p:nvSpPr>
-          <p:cNvPr id="3" name="Title 2">
-            <a:extLst>
-              <a:ext uri="{FF2B5EF4-FFF2-40B4-BE49-F238E27FC236}">
-                <a16:creationId xmlns:a16="http://schemas.microsoft.com/office/drawing/2014/main" id="{4321055C-5E33-5D21-2A6E-21827FA88ED3}"/>
-              </a:ext>
-            </a:extLst>
-          </p:cNvPr>
-          <p:cNvSpPr>
-            <a:spLocks noGrp="1"/>
-          </p:cNvSpPr>
-          <p:nvPr>
-            <p:ph type="title"/>
-          </p:nvPr>
-        </p:nvSpPr>
-        <p:spPr>
-          <a:xfrm>
-            <a:off x="838201" y="895350"/>
-            <a:ext cx="3247662" cy="1917700"/>
-          </a:xfrm>
-        </p:spPr>
-        <p:txBody>
-          <a:bodyPr>
-            <a:normAutofit/>
-          </a:bodyPr>
-          <a:lstStyle/>
-          <a:p>
-            <a:r>
-              <a:rPr lang="en-US" dirty="0"/>
-              <a:t>Dynamic </a:t>
-            </a:r>
-            <a:br>
-              <a:rPr lang="en-US" dirty="0"/>
-            </a:br>
-            <a:r>
-              <a:rPr lang="en-US" dirty="0"/>
-              <a:t>delivery</a:t>
-            </a:r>
-          </a:p>
-        </p:txBody>
-      </p:sp>
-      <p:sp>
-        <p:nvSpPr>
-          <p:cNvPr id="6" name="Text Placeholder 5">
-            <a:extLst>
-              <a:ext uri="{FF2B5EF4-FFF2-40B4-BE49-F238E27FC236}">
-                <a16:creationId xmlns:a16="http://schemas.microsoft.com/office/drawing/2014/main" id="{B587B122-1579-FDB8-443B-F05E622163C3}"/>
-              </a:ext>
-            </a:extLst>
-          </p:cNvPr>
-          <p:cNvSpPr>
-            <a:spLocks noGrp="1"/>
-          </p:cNvSpPr>
-          <p:nvPr>
-            <p:ph sz="half" idx="16"/>
-          </p:nvPr>
-        </p:nvSpPr>
-        <p:spPr>
-          <a:xfrm>
-            <a:off x="838200" y="2813049"/>
-            <a:ext cx="3247662" cy="3238499"/>
-          </a:xfrm>
-        </p:spPr>
-        <p:txBody>
-          <a:bodyPr>
-            <a:normAutofit/>
-          </a:bodyPr>
-          <a:lstStyle/>
-          <a:p>
-            <a:r>
-              <a:rPr lang="en-US"/>
-              <a:t>Learn to infuse energy into your delivery to leave a lasting impression</a:t>
-            </a:r>
-          </a:p>
-          <a:p>
-            <a:r>
-              <a:rPr lang="en-US"/>
-              <a:t>One of the goals of effective communication is to motivate your audience</a:t>
-            </a:r>
-            <a:endParaRPr lang="en-US" dirty="0"/>
-          </a:p>
-        </p:txBody>
-      </p:sp>
-      <p:graphicFrame>
-        <p:nvGraphicFramePr>
-          <p:cNvPr id="10" name="Table Placeholder 2">
-            <a:extLst>
-              <a:ext uri="{FF2B5EF4-FFF2-40B4-BE49-F238E27FC236}">
-                <a16:creationId xmlns:a16="http://schemas.microsoft.com/office/drawing/2014/main" id="{98ED67AF-B48B-F5F8-E2FD-1C98C42C4D54}"/>
-              </a:ext>
-            </a:extLst>
-          </p:cNvPr>
-          <p:cNvGraphicFramePr>
-            <a:graphicFrameLocks noGrp="1"/>
-          </p:cNvGraphicFramePr>
-          <p:nvPr>
-            <p:ph type="tbl" sz="quarter" idx="14"/>
-            <p:extLst>
-              <p:ext uri="{D42A27DB-BD31-4B8C-83A1-F6EECF244321}">
-                <p14:modId xmlns:p14="http://schemas.microsoft.com/office/powerpoint/2010/main" val="774504910"/>
-              </p:ext>
-            </p:extLst>
-          </p:nvPr>
-        </p:nvGraphicFramePr>
-        <p:xfrm>
-          <a:off x="4216400" y="895350"/>
-          <a:ext cx="7137404" cy="5115889"/>
-        </p:xfrm>
-        <a:graphic>
-          <a:graphicData uri="http://schemas.openxmlformats.org/drawingml/2006/table">
-            <a:tbl>
-              <a:tblPr firstRow="1" bandRow="1">
-                <a:tableStyleId>{7E9639D4-E3E2-4D34-9284-5A2195B3D0D7}</a:tableStyleId>
-              </a:tblPr>
-              <a:tblGrid>
-                <a:gridCol w="1784351">
-                  <a:extLst>
-                    <a:ext uri="{9D8B030D-6E8A-4147-A177-3AD203B41FA5}">
-                      <a16:colId xmlns:a16="http://schemas.microsoft.com/office/drawing/2014/main" val="127040821"/>
-                    </a:ext>
-                  </a:extLst>
-                </a:gridCol>
-                <a:gridCol w="1784351">
-                  <a:extLst>
-                    <a:ext uri="{9D8B030D-6E8A-4147-A177-3AD203B41FA5}">
-                      <a16:colId xmlns:a16="http://schemas.microsoft.com/office/drawing/2014/main" val="149845700"/>
-                    </a:ext>
-                  </a:extLst>
-                </a:gridCol>
-                <a:gridCol w="1784351">
-                  <a:extLst>
-                    <a:ext uri="{9D8B030D-6E8A-4147-A177-3AD203B41FA5}">
-                      <a16:colId xmlns:a16="http://schemas.microsoft.com/office/drawing/2014/main" val="3119692462"/>
-                    </a:ext>
-                  </a:extLst>
-                </a:gridCol>
-                <a:gridCol w="1784351">
-                  <a:extLst>
-                    <a:ext uri="{9D8B030D-6E8A-4147-A177-3AD203B41FA5}">
-                      <a16:colId xmlns:a16="http://schemas.microsoft.com/office/drawing/2014/main" val="3472639139"/>
-                    </a:ext>
-                  </a:extLst>
-                </a:gridCol>
-              </a:tblGrid>
-              <a:tr h="810285">
-                <a:tc>
-                  <a:txBody>
-                    <a:bodyPr/>
-                    <a:lstStyle/>
-                    <a:p>
-                      <a:pPr algn="ctr"/>
-                      <a:r>
-                        <a:rPr lang="en-US" b="0" dirty="0"/>
-                        <a:t>METRIC</a:t>
-                      </a:r>
-                    </a:p>
-                  </a:txBody>
-                  <a:tcPr anchor="ctr"/>
-                </a:tc>
-                <a:tc>
-                  <a:txBody>
-                    <a:bodyPr/>
-                    <a:lstStyle/>
-                    <a:p>
-                      <a:pPr algn="ctr"/>
-                      <a:r>
-                        <a:rPr lang="en-US" b="0" dirty="0"/>
-                        <a:t>MEASUREMENT</a:t>
-                      </a:r>
-                    </a:p>
-                  </a:txBody>
-                  <a:tcPr anchor="ctr"/>
-                </a:tc>
-                <a:tc>
-                  <a:txBody>
-                    <a:bodyPr/>
-                    <a:lstStyle/>
-                    <a:p>
-                      <a:pPr algn="ctr"/>
-                      <a:r>
-                        <a:rPr lang="en-US" b="0" dirty="0"/>
-                        <a:t>TARGET</a:t>
-                      </a:r>
-                    </a:p>
-                  </a:txBody>
-                  <a:tcPr anchor="ctr"/>
-                </a:tc>
-                <a:tc>
-                  <a:txBody>
-                    <a:bodyPr/>
-                    <a:lstStyle/>
-                    <a:p>
-                      <a:pPr algn="ctr"/>
-                      <a:r>
-                        <a:rPr lang="en-US" b="0" dirty="0"/>
-                        <a:t>ACTUAL</a:t>
-                      </a:r>
-                    </a:p>
-                  </a:txBody>
-                  <a:tcPr anchor="ctr"/>
-                </a:tc>
-                <a:extLst>
-                  <a:ext uri="{0D108BD9-81ED-4DB2-BD59-A6C34878D82A}">
-                    <a16:rowId xmlns:a16="http://schemas.microsoft.com/office/drawing/2014/main" val="3298013591"/>
-                  </a:ext>
-                </a:extLst>
-              </a:tr>
-              <a:tr h="839540">
-                <a:tc>
-                  <a:txBody>
-                    <a:bodyPr/>
-                    <a:lstStyle/>
-                    <a:p>
-                      <a:pPr algn="ctr"/>
-                      <a:r>
-                        <a:rPr lang="en-US" dirty="0"/>
-                        <a:t>Audience attendance</a:t>
-                      </a:r>
-                    </a:p>
-                  </a:txBody>
-                  <a:tcPr anchor="ctr"/>
-                </a:tc>
-                <a:tc>
-                  <a:txBody>
-                    <a:bodyPr/>
-                    <a:lstStyle/>
-                    <a:p>
-                      <a:pPr algn="ctr"/>
-                      <a:r>
-                        <a:rPr lang="en-US" dirty="0"/>
-                        <a:t># of attendees</a:t>
-                      </a:r>
-                    </a:p>
-                  </a:txBody>
-                  <a:tcPr anchor="ctr"/>
-                </a:tc>
-                <a:tc>
-                  <a:txBody>
-                    <a:bodyPr/>
-                    <a:lstStyle/>
-                    <a:p>
-                      <a:pPr algn="ctr"/>
-                      <a:r>
-                        <a:rPr lang="en-US" dirty="0"/>
-                        <a:t>150</a:t>
-                      </a:r>
-                    </a:p>
-                  </a:txBody>
-                  <a:tcPr anchor="ctr"/>
-                </a:tc>
-                <a:tc>
-                  <a:txBody>
-                    <a:bodyPr/>
-                    <a:lstStyle/>
-                    <a:p>
-                      <a:pPr algn="ctr"/>
-                      <a:r>
-                        <a:rPr lang="en-US" dirty="0"/>
-                        <a:t>120</a:t>
-                      </a:r>
-                    </a:p>
-                  </a:txBody>
-                  <a:tcPr anchor="ctr"/>
-                </a:tc>
-                <a:extLst>
-                  <a:ext uri="{0D108BD9-81ED-4DB2-BD59-A6C34878D82A}">
-                    <a16:rowId xmlns:a16="http://schemas.microsoft.com/office/drawing/2014/main" val="3873867931"/>
-                  </a:ext>
-                </a:extLst>
-              </a:tr>
-              <a:tr h="839540">
-                <a:tc>
-                  <a:txBody>
-                    <a:bodyPr/>
-                    <a:lstStyle/>
-                    <a:p>
-                      <a:pPr algn="ctr"/>
-                      <a:r>
-                        <a:rPr lang="en-US" dirty="0"/>
-                        <a:t>Engagement duration</a:t>
-                      </a:r>
-                    </a:p>
-                  </a:txBody>
-                  <a:tcPr anchor="ctr"/>
-                </a:tc>
-                <a:tc>
-                  <a:txBody>
-                    <a:bodyPr/>
-                    <a:lstStyle/>
-                    <a:p>
-                      <a:pPr algn="ctr"/>
-                      <a:r>
-                        <a:rPr lang="en-US" dirty="0"/>
-                        <a:t>Minutes</a:t>
-                      </a:r>
-                    </a:p>
-                  </a:txBody>
-                  <a:tcPr anchor="ctr"/>
-                </a:tc>
-                <a:tc>
-                  <a:txBody>
-                    <a:bodyPr/>
-                    <a:lstStyle/>
-                    <a:p>
-                      <a:pPr algn="ctr"/>
-                      <a:r>
-                        <a:rPr lang="en-US" dirty="0"/>
-                        <a:t>60</a:t>
-                      </a:r>
-                    </a:p>
-                  </a:txBody>
-                  <a:tcPr anchor="ctr"/>
-                </a:tc>
-                <a:tc>
-                  <a:txBody>
-                    <a:bodyPr/>
-                    <a:lstStyle/>
-                    <a:p>
-                      <a:pPr algn="ctr"/>
-                      <a:r>
-                        <a:rPr lang="en-US" dirty="0"/>
-                        <a:t>75</a:t>
-                      </a:r>
-                    </a:p>
-                  </a:txBody>
-                  <a:tcPr anchor="ctr"/>
-                </a:tc>
-                <a:extLst>
-                  <a:ext uri="{0D108BD9-81ED-4DB2-BD59-A6C34878D82A}">
-                    <a16:rowId xmlns:a16="http://schemas.microsoft.com/office/drawing/2014/main" val="85209771"/>
-                  </a:ext>
-                </a:extLst>
-              </a:tr>
-              <a:tr h="587640">
-                <a:tc>
-                  <a:txBody>
-                    <a:bodyPr/>
-                    <a:lstStyle/>
-                    <a:p>
-                      <a:pPr algn="ctr"/>
-                      <a:r>
-                        <a:rPr lang="en-US" dirty="0"/>
-                        <a:t>Q&amp;A interaction</a:t>
-                      </a:r>
-                    </a:p>
-                  </a:txBody>
-                  <a:tcPr anchor="ctr"/>
-                </a:tc>
-                <a:tc>
-                  <a:txBody>
-                    <a:bodyPr/>
-                    <a:lstStyle/>
-                    <a:p>
-                      <a:pPr algn="ctr"/>
-                      <a:r>
-                        <a:rPr lang="en-US" dirty="0"/>
-                        <a:t># of questions</a:t>
-                      </a:r>
-                    </a:p>
-                  </a:txBody>
-                  <a:tcPr anchor="ctr"/>
-                </a:tc>
-                <a:tc>
-                  <a:txBody>
-                    <a:bodyPr/>
-                    <a:lstStyle/>
-                    <a:p>
-                      <a:pPr algn="ctr"/>
-                      <a:r>
-                        <a:rPr lang="en-US" dirty="0"/>
-                        <a:t>10</a:t>
-                      </a:r>
-                    </a:p>
-                  </a:txBody>
-                  <a:tcPr anchor="ctr"/>
-                </a:tc>
-                <a:tc>
-                  <a:txBody>
-                    <a:bodyPr/>
-                    <a:lstStyle/>
-                    <a:p>
-                      <a:pPr algn="ctr"/>
-                      <a:r>
-                        <a:rPr lang="en-US" dirty="0"/>
-                        <a:t>15</a:t>
-                      </a:r>
-                    </a:p>
-                  </a:txBody>
-                  <a:tcPr anchor="ctr"/>
-                </a:tc>
-                <a:extLst>
-                  <a:ext uri="{0D108BD9-81ED-4DB2-BD59-A6C34878D82A}">
-                    <a16:rowId xmlns:a16="http://schemas.microsoft.com/office/drawing/2014/main" val="4061031278"/>
-                  </a:ext>
-                </a:extLst>
-              </a:tr>
-              <a:tr h="839540">
-                <a:tc>
-                  <a:txBody>
-                    <a:bodyPr/>
-                    <a:lstStyle/>
-                    <a:p>
-                      <a:pPr algn="ctr"/>
-                      <a:r>
-                        <a:rPr lang="en-US" dirty="0"/>
-                        <a:t>Positive feedback</a:t>
-                      </a:r>
-                    </a:p>
-                  </a:txBody>
-                  <a:tcPr anchor="ctr"/>
-                </a:tc>
-                <a:tc>
-                  <a:txBody>
-                    <a:bodyPr/>
-                    <a:lstStyle/>
-                    <a:p>
-                      <a:pPr algn="ctr"/>
-                      <a:r>
-                        <a:rPr lang="en-US" dirty="0"/>
-                        <a:t>Percentage (%)</a:t>
-                      </a:r>
-                    </a:p>
-                  </a:txBody>
-                  <a:tcPr anchor="ctr"/>
-                </a:tc>
-                <a:tc>
-                  <a:txBody>
-                    <a:bodyPr/>
-                    <a:lstStyle/>
-                    <a:p>
-                      <a:pPr algn="ctr"/>
-                      <a:r>
-                        <a:rPr lang="en-US" dirty="0"/>
-                        <a:t>90</a:t>
-                      </a:r>
-                    </a:p>
-                  </a:txBody>
-                  <a:tcPr anchor="ctr"/>
-                </a:tc>
-                <a:tc>
-                  <a:txBody>
-                    <a:bodyPr/>
-                    <a:lstStyle/>
-                    <a:p>
-                      <a:pPr algn="ctr"/>
-                      <a:r>
-                        <a:rPr lang="en-US" dirty="0"/>
-                        <a:t>95</a:t>
-                      </a:r>
-                    </a:p>
-                  </a:txBody>
-                  <a:tcPr anchor="ctr"/>
-                </a:tc>
-                <a:extLst>
-                  <a:ext uri="{0D108BD9-81ED-4DB2-BD59-A6C34878D82A}">
-                    <a16:rowId xmlns:a16="http://schemas.microsoft.com/office/drawing/2014/main" val="3591840781"/>
-                  </a:ext>
-                </a:extLst>
-              </a:tr>
-              <a:tr h="1199344">
-                <a:tc>
-                  <a:txBody>
-                    <a:bodyPr/>
-                    <a:lstStyle/>
-                    <a:p>
-                      <a:pPr algn="ctr"/>
-                      <a:r>
-                        <a:rPr lang="en-US" dirty="0"/>
-                        <a:t>Rate of information retention</a:t>
-                      </a:r>
-                    </a:p>
-                  </a:txBody>
-                  <a:tcPr anchor="ctr"/>
-                </a:tc>
-                <a:tc>
-                  <a:txBody>
-                    <a:bodyPr/>
-                    <a:lstStyle/>
-                    <a:p>
-                      <a:pPr algn="ctr"/>
-                      <a:r>
-                        <a:rPr lang="en-US" dirty="0"/>
-                        <a:t>Percentage (%)</a:t>
-                      </a:r>
-                    </a:p>
-                  </a:txBody>
-                  <a:tcPr anchor="ctr"/>
-                </a:tc>
-                <a:tc>
-                  <a:txBody>
-                    <a:bodyPr/>
-                    <a:lstStyle/>
-                    <a:p>
-                      <a:pPr algn="ctr"/>
-                      <a:r>
-                        <a:rPr lang="en-US" dirty="0"/>
-                        <a:t>80</a:t>
-                      </a:r>
-                    </a:p>
-                  </a:txBody>
-                  <a:tcPr anchor="ctr"/>
-                </a:tc>
-                <a:tc>
-                  <a:txBody>
-                    <a:bodyPr/>
-                    <a:lstStyle/>
-                    <a:p>
-                      <a:pPr algn="ctr"/>
-                      <a:r>
-                        <a:rPr lang="en-US" dirty="0"/>
-                        <a:t>85</a:t>
-                      </a:r>
-                    </a:p>
-                  </a:txBody>
-                  <a:tcPr anchor="ctr"/>
-                </a:tc>
-                <a:extLst>
-                  <a:ext uri="{0D108BD9-81ED-4DB2-BD59-A6C34878D82A}">
-                    <a16:rowId xmlns:a16="http://schemas.microsoft.com/office/drawing/2014/main" val="335389741"/>
-                  </a:ext>
-                </a:extLst>
-              </a:tr>
-            </a:tbl>
-          </a:graphicData>
-        </a:graphic>
-      </p:graphicFrame>
-      <p:sp>
-        <p:nvSpPr>
-          <p:cNvPr id="5" name="Slide Number Placeholder 4">
-            <a:extLst>
-              <a:ext uri="{FF2B5EF4-FFF2-40B4-BE49-F238E27FC236}">
-                <a16:creationId xmlns:a16="http://schemas.microsoft.com/office/drawing/2014/main" id="{E74B0ADB-527F-A58C-9372-D8502ED6F918}"/>
-              </a:ext>
-            </a:extLst>
-          </p:cNvPr>
-          <p:cNvSpPr>
-            <a:spLocks noGrp="1"/>
-          </p:cNvSpPr>
-          <p:nvPr>
-            <p:ph type="sldNum" sz="quarter" idx="12"/>
-          </p:nvPr>
-        </p:nvSpPr>
-        <p:spPr>
-          <a:xfrm>
-            <a:off x="10373350" y="6356349"/>
-            <a:ext cx="987552" cy="365125"/>
-          </a:xfrm>
-        </p:spPr>
-        <p:txBody>
-          <a:bodyPr/>
-          <a:lstStyle/>
-          <a:p>
-            <a:fld id="{A49DFD55-3C28-40EF-9E31-A92D2E4017FF}" type="slidenum">
-              <a:rPr lang="en-US" smtClean="0"/>
-              <a:pPr/>
-              <a:t>16</a:t>
-            </a:fld>
-            <a:endParaRPr lang="en-US" dirty="0"/>
-          </a:p>
-        </p:txBody>
-      </p:sp>
-    </p:spTree>
-    <p:extLst>
-      <p:ext uri="{BB962C8B-B14F-4D97-AF65-F5344CB8AC3E}">
-        <p14:creationId xmlns:p14="http://schemas.microsoft.com/office/powerpoint/2010/main" val="1658164610"/>
-      </p:ext>
-    </p:extLst>
-  </p:cSld>
-  <p:clrMapOvr>
-    <a:masterClrMapping/>
-  </p:clrMapOvr>
-</p:sld>
-</file>
-
-<file path=ppt/slides/slide17.xml><?xml version="1.0" encoding="utf-8"?>
-<p:sld xmlns:a="http://schemas.openxmlformats.org/drawingml/2006/main" xmlns:r="http://schemas.openxmlformats.org/officeDocument/2006/relationships" xmlns:p="http://schemas.openxmlformats.org/presentationml/2006/main">
-  <p:cSld>
-    <p:spTree>
-      <p:nvGrpSpPr>
-        <p:cNvPr id="1" name=""/>
-        <p:cNvGrpSpPr/>
-        <p:nvPr/>
-      </p:nvGrpSpPr>
-      <p:grpSpPr>
-        <a:xfrm>
-          <a:off x="0" y="0"/>
-          <a:ext cx="0" cy="0"/>
-          <a:chOff x="0" y="0"/>
-          <a:chExt cx="0" cy="0"/>
-        </a:xfrm>
-      </p:grpSpPr>
-      <p:sp>
-        <p:nvSpPr>
-          <p:cNvPr id="17" name="Title 1">
-            <a:extLst>
-              <a:ext uri="{FF2B5EF4-FFF2-40B4-BE49-F238E27FC236}">
-                <a16:creationId xmlns:a16="http://schemas.microsoft.com/office/drawing/2014/main" id="{09140014-73D5-419B-8867-972BB18D52D4}"/>
-              </a:ext>
-            </a:extLst>
-          </p:cNvPr>
-          <p:cNvSpPr>
-            <a:spLocks noGrp="1"/>
-          </p:cNvSpPr>
-          <p:nvPr>
-            <p:ph type="title"/>
-          </p:nvPr>
-        </p:nvSpPr>
-        <p:spPr>
-          <a:xfrm>
-            <a:off x="838200" y="337192"/>
-            <a:ext cx="5655197" cy="1997867"/>
-          </a:xfrm>
-        </p:spPr>
-        <p:txBody>
-          <a:bodyPr anchor="b"/>
-          <a:lstStyle/>
-          <a:p>
-            <a:r>
-              <a:rPr lang="en-US" dirty="0"/>
-              <a:t>Final tips &amp; takeaways</a:t>
-            </a:r>
-          </a:p>
-        </p:txBody>
-      </p:sp>
-      <p:sp>
-        <p:nvSpPr>
-          <p:cNvPr id="6" name="Text Placeholder 5">
-            <a:extLst>
-              <a:ext uri="{FF2B5EF4-FFF2-40B4-BE49-F238E27FC236}">
-                <a16:creationId xmlns:a16="http://schemas.microsoft.com/office/drawing/2014/main" id="{D2E1CF79-4FDC-8CAF-CC16-E309A2C49758}"/>
-              </a:ext>
-            </a:extLst>
-          </p:cNvPr>
-          <p:cNvSpPr>
-            <a:spLocks noGrp="1"/>
-          </p:cNvSpPr>
-          <p:nvPr>
-            <p:ph type="body" idx="1"/>
-          </p:nvPr>
-        </p:nvSpPr>
-        <p:spPr>
-          <a:xfrm>
-            <a:off x="838200" y="2705177"/>
-            <a:ext cx="5733772" cy="448990"/>
-          </a:xfrm>
-        </p:spPr>
-        <p:txBody>
-          <a:bodyPr/>
-          <a:lstStyle/>
-          <a:p>
-            <a:r>
-              <a:rPr lang="en-US" dirty="0"/>
-              <a:t>Practice makes perfect</a:t>
-            </a:r>
-          </a:p>
-        </p:txBody>
-      </p:sp>
-      <p:sp>
-        <p:nvSpPr>
-          <p:cNvPr id="20" name="Content Placeholder 3">
-            <a:extLst>
-              <a:ext uri="{FF2B5EF4-FFF2-40B4-BE49-F238E27FC236}">
-                <a16:creationId xmlns:a16="http://schemas.microsoft.com/office/drawing/2014/main" id="{33D8731E-4977-402E-8BFD-895B4D0544CC}"/>
-              </a:ext>
-            </a:extLst>
-          </p:cNvPr>
-          <p:cNvSpPr>
-            <a:spLocks noGrp="1"/>
-          </p:cNvSpPr>
-          <p:nvPr>
-            <p:ph sz="half" idx="2"/>
-          </p:nvPr>
-        </p:nvSpPr>
-        <p:spPr>
-          <a:xfrm>
-            <a:off x="838199" y="3154166"/>
-            <a:ext cx="5733773" cy="3032733"/>
-          </a:xfrm>
-        </p:spPr>
-        <p:txBody>
-          <a:bodyPr>
-            <a:noAutofit/>
-          </a:bodyPr>
-          <a:lstStyle/>
-          <a:p>
-            <a:r>
-              <a:rPr lang="en-US" dirty="0"/>
-              <a:t>Consistent rehearsal</a:t>
-            </a:r>
-          </a:p>
-          <a:p>
-            <a:pPr lvl="1"/>
-            <a:r>
-              <a:rPr lang="en-US" dirty="0"/>
-              <a:t>Strengthen your familiarity</a:t>
-            </a:r>
-          </a:p>
-          <a:p>
-            <a:r>
-              <a:rPr lang="en-US" dirty="0"/>
-              <a:t>Refine delivery style</a:t>
-            </a:r>
-          </a:p>
-          <a:p>
-            <a:pPr lvl="1"/>
-            <a:r>
-              <a:rPr lang="en-US" dirty="0"/>
-              <a:t>Pacing, tone, and emphasis</a:t>
-            </a:r>
-          </a:p>
-          <a:p>
-            <a:r>
-              <a:rPr lang="en-US" dirty="0"/>
-              <a:t>Timing and transitions</a:t>
-            </a:r>
-          </a:p>
-          <a:p>
-            <a:pPr lvl="1"/>
-            <a:r>
-              <a:rPr lang="en-US" dirty="0"/>
-              <a:t>Aim for seamless, professional delivery</a:t>
-            </a:r>
-          </a:p>
-          <a:p>
-            <a:r>
-              <a:rPr lang="en-US" dirty="0"/>
-              <a:t>Practice audience</a:t>
-            </a:r>
-          </a:p>
-          <a:p>
-            <a:pPr lvl="1"/>
-            <a:r>
-              <a:rPr lang="en-US" dirty="0"/>
-              <a:t>Enlist colleagues to listen &amp; provide feedback</a:t>
-            </a:r>
-          </a:p>
-          <a:p>
-            <a:endParaRPr lang="en-US" dirty="0"/>
-          </a:p>
-        </p:txBody>
-      </p:sp>
-      <p:sp>
-        <p:nvSpPr>
-          <p:cNvPr id="34" name="Text Placeholder 33">
-            <a:extLst>
-              <a:ext uri="{FF2B5EF4-FFF2-40B4-BE49-F238E27FC236}">
-                <a16:creationId xmlns:a16="http://schemas.microsoft.com/office/drawing/2014/main" id="{AE07A905-8B37-D13F-25D3-1D3BCDB86B0B}"/>
-              </a:ext>
-            </a:extLst>
-          </p:cNvPr>
-          <p:cNvSpPr>
-            <a:spLocks noGrp="1"/>
-          </p:cNvSpPr>
-          <p:nvPr>
-            <p:ph type="body" sz="quarter" idx="3"/>
-          </p:nvPr>
-        </p:nvSpPr>
-        <p:spPr>
-          <a:xfrm>
-            <a:off x="7887108" y="2705177"/>
-            <a:ext cx="3943627" cy="448989"/>
-          </a:xfrm>
-        </p:spPr>
-        <p:txBody>
-          <a:bodyPr/>
-          <a:lstStyle/>
-          <a:p>
-            <a:r>
-              <a:rPr lang="en-US" dirty="0"/>
-              <a:t>Continue improving</a:t>
-            </a:r>
-          </a:p>
-        </p:txBody>
-      </p:sp>
-      <p:sp>
-        <p:nvSpPr>
-          <p:cNvPr id="35" name="Content Placeholder 34">
-            <a:extLst>
-              <a:ext uri="{FF2B5EF4-FFF2-40B4-BE49-F238E27FC236}">
-                <a16:creationId xmlns:a16="http://schemas.microsoft.com/office/drawing/2014/main" id="{4E9A764F-6B65-050E-E561-82F77339D164}"/>
-              </a:ext>
-            </a:extLst>
-          </p:cNvPr>
-          <p:cNvSpPr>
-            <a:spLocks noGrp="1"/>
-          </p:cNvSpPr>
-          <p:nvPr>
-            <p:ph sz="half" idx="14"/>
-          </p:nvPr>
-        </p:nvSpPr>
-        <p:spPr>
-          <a:xfrm>
-            <a:off x="7887107" y="3164867"/>
-            <a:ext cx="3943627" cy="3032733"/>
-          </a:xfrm>
-        </p:spPr>
-        <p:txBody>
-          <a:bodyPr>
-            <a:normAutofit/>
-          </a:bodyPr>
-          <a:lstStyle/>
-          <a:p>
-            <a:r>
-              <a:rPr lang="en-US" dirty="0"/>
-              <a:t>Seek feedback</a:t>
-            </a:r>
-          </a:p>
-          <a:p>
-            <a:r>
-              <a:rPr lang="en-US" dirty="0"/>
-              <a:t>Reflect on performance</a:t>
-            </a:r>
-          </a:p>
-          <a:p>
-            <a:r>
-              <a:rPr lang="en-US" dirty="0"/>
-              <a:t>Explore new techniques</a:t>
-            </a:r>
-          </a:p>
-          <a:p>
-            <a:r>
-              <a:rPr lang="en-US" dirty="0"/>
-              <a:t>Set personal goals</a:t>
-            </a:r>
-          </a:p>
-          <a:p>
-            <a:r>
-              <a:rPr lang="en-US" dirty="0"/>
-              <a:t>Iterate and adapt</a:t>
-            </a:r>
-          </a:p>
-        </p:txBody>
-      </p:sp>
-      <p:sp>
-        <p:nvSpPr>
-          <p:cNvPr id="9" name="Slide Number Placeholder 8">
-            <a:extLst>
-              <a:ext uri="{FF2B5EF4-FFF2-40B4-BE49-F238E27FC236}">
-                <a16:creationId xmlns:a16="http://schemas.microsoft.com/office/drawing/2014/main" id="{C396FFDC-ADE8-4009-A466-A81787258E88}"/>
-              </a:ext>
-            </a:extLst>
-          </p:cNvPr>
-          <p:cNvSpPr>
-            <a:spLocks noGrp="1"/>
-          </p:cNvSpPr>
-          <p:nvPr>
-            <p:ph type="sldNum" sz="quarter" idx="12"/>
-          </p:nvPr>
-        </p:nvSpPr>
-        <p:spPr>
-          <a:xfrm>
-            <a:off x="8610600" y="6356350"/>
-            <a:ext cx="2743200" cy="365125"/>
-          </a:xfrm>
-        </p:spPr>
-        <p:txBody>
-          <a:bodyPr/>
-          <a:lstStyle/>
-          <a:p>
-            <a:fld id="{A49DFD55-3C28-40EF-9E31-A92D2E4017FF}" type="slidenum">
-              <a:rPr lang="en-US" smtClean="0"/>
-              <a:pPr/>
-              <a:t>17</a:t>
-            </a:fld>
-            <a:endParaRPr lang="en-US" dirty="0"/>
-          </a:p>
-        </p:txBody>
-      </p:sp>
-    </p:spTree>
-    <p:extLst>
-      <p:ext uri="{BB962C8B-B14F-4D97-AF65-F5344CB8AC3E}">
-        <p14:creationId xmlns:p14="http://schemas.microsoft.com/office/powerpoint/2010/main" val="2403577982"/>
-      </p:ext>
-    </p:extLst>
-  </p:cSld>
-  <p:clrMapOvr>
-    <a:masterClrMapping/>
-  </p:clrMapOvr>
-</p:sld>
-</file>
-
-<file path=ppt/slides/slide18.xml><?xml version="1.0" encoding="utf-8"?>
-<p:sld xmlns:a="http://schemas.openxmlformats.org/drawingml/2006/main" xmlns:r="http://schemas.openxmlformats.org/officeDocument/2006/relationships" xmlns:p="http://schemas.openxmlformats.org/presentationml/2006/main">
-  <p:cSld>
-    <p:spTree>
-      <p:nvGrpSpPr>
-        <p:cNvPr id="1" name=""/>
-        <p:cNvGrpSpPr/>
-        <p:nvPr/>
-      </p:nvGrpSpPr>
-      <p:grpSpPr>
-        <a:xfrm>
-          <a:off x="0" y="0"/>
-          <a:ext cx="0" cy="0"/>
-          <a:chOff x="0" y="0"/>
-          <a:chExt cx="0" cy="0"/>
-        </a:xfrm>
-      </p:grpSpPr>
-      <p:sp>
-        <p:nvSpPr>
-          <p:cNvPr id="8" name="Title 2">
-            <a:extLst>
-              <a:ext uri="{FF2B5EF4-FFF2-40B4-BE49-F238E27FC236}">
-                <a16:creationId xmlns:a16="http://schemas.microsoft.com/office/drawing/2014/main" id="{3E5FEE2D-79E5-4C1D-8BF7-EE619CA7039A}"/>
-              </a:ext>
-            </a:extLst>
-          </p:cNvPr>
-          <p:cNvSpPr>
-            <a:spLocks noGrp="1"/>
-          </p:cNvSpPr>
-          <p:nvPr>
-            <p:ph type="title"/>
-          </p:nvPr>
-        </p:nvSpPr>
-        <p:spPr>
-          <a:xfrm>
-            <a:off x="838200" y="353550"/>
-            <a:ext cx="10515600" cy="1325563"/>
-          </a:xfrm>
-        </p:spPr>
-        <p:txBody>
-          <a:bodyPr anchor="b"/>
-          <a:lstStyle/>
-          <a:p>
-            <a:r>
-              <a:rPr lang="en-US" dirty="0"/>
-              <a:t>Speaking engagement metrics</a:t>
-            </a:r>
-          </a:p>
-        </p:txBody>
-      </p:sp>
-      <p:graphicFrame>
-        <p:nvGraphicFramePr>
-          <p:cNvPr id="13" name="Table Placeholder 2">
-            <a:extLst>
-              <a:ext uri="{FF2B5EF4-FFF2-40B4-BE49-F238E27FC236}">
-                <a16:creationId xmlns:a16="http://schemas.microsoft.com/office/drawing/2014/main" id="{4A94C7BE-6E60-66F0-EFD4-2F452B0D743A}"/>
-              </a:ext>
-            </a:extLst>
-          </p:cNvPr>
-          <p:cNvGraphicFramePr>
-            <a:graphicFrameLocks noGrp="1"/>
-          </p:cNvGraphicFramePr>
-          <p:nvPr>
-            <p:ph type="tbl" sz="quarter" idx="14"/>
-            <p:extLst>
-              <p:ext uri="{D42A27DB-BD31-4B8C-83A1-F6EECF244321}">
-                <p14:modId xmlns:p14="http://schemas.microsoft.com/office/powerpoint/2010/main" val="1224246859"/>
-              </p:ext>
-            </p:extLst>
-          </p:nvPr>
-        </p:nvGraphicFramePr>
-        <p:xfrm>
-          <a:off x="838200" y="2111375"/>
-          <a:ext cx="10515601" cy="3570968"/>
-        </p:xfrm>
-        <a:graphic>
-          <a:graphicData uri="http://schemas.openxmlformats.org/drawingml/2006/table">
-            <a:tbl>
-              <a:tblPr firstRow="1" bandRow="1">
-                <a:tableStyleId>{7E9639D4-E3E2-4D34-9284-5A2195B3D0D7}</a:tableStyleId>
-              </a:tblPr>
-              <a:tblGrid>
-                <a:gridCol w="3433998">
-                  <a:extLst>
-                    <a:ext uri="{9D8B030D-6E8A-4147-A177-3AD203B41FA5}">
-                      <a16:colId xmlns:a16="http://schemas.microsoft.com/office/drawing/2014/main" val="127040821"/>
-                    </a:ext>
-                  </a:extLst>
-                </a:gridCol>
-                <a:gridCol w="2450892">
-                  <a:extLst>
-                    <a:ext uri="{9D8B030D-6E8A-4147-A177-3AD203B41FA5}">
-                      <a16:colId xmlns:a16="http://schemas.microsoft.com/office/drawing/2014/main" val="149845700"/>
-                    </a:ext>
-                  </a:extLst>
-                </a:gridCol>
-                <a:gridCol w="2375942">
-                  <a:extLst>
-                    <a:ext uri="{9D8B030D-6E8A-4147-A177-3AD203B41FA5}">
-                      <a16:colId xmlns:a16="http://schemas.microsoft.com/office/drawing/2014/main" val="3119692462"/>
-                    </a:ext>
-                  </a:extLst>
-                </a:gridCol>
-                <a:gridCol w="2254769">
-                  <a:extLst>
-                    <a:ext uri="{9D8B030D-6E8A-4147-A177-3AD203B41FA5}">
-                      <a16:colId xmlns:a16="http://schemas.microsoft.com/office/drawing/2014/main" val="3472639139"/>
-                    </a:ext>
-                  </a:extLst>
-                </a:gridCol>
-              </a:tblGrid>
-              <a:tr h="733347">
-                <a:tc>
-                  <a:txBody>
-                    <a:bodyPr/>
-                    <a:lstStyle/>
-                    <a:p>
-                      <a:pPr algn="ctr"/>
-                      <a:r>
-                        <a:rPr lang="en-US" b="0" dirty="0"/>
-                        <a:t>IMPACT FACTOR</a:t>
-                      </a:r>
-                    </a:p>
-                  </a:txBody>
-                  <a:tcPr anchor="ctr"/>
-                </a:tc>
-                <a:tc>
-                  <a:txBody>
-                    <a:bodyPr/>
-                    <a:lstStyle/>
-                    <a:p>
-                      <a:pPr algn="ctr"/>
-                      <a:r>
-                        <a:rPr lang="en-US" b="0" dirty="0"/>
-                        <a:t>MEASUREMENT</a:t>
-                      </a:r>
-                    </a:p>
-                  </a:txBody>
-                  <a:tcPr anchor="ctr"/>
-                </a:tc>
-                <a:tc>
-                  <a:txBody>
-                    <a:bodyPr/>
-                    <a:lstStyle/>
-                    <a:p>
-                      <a:pPr algn="ctr"/>
-                      <a:r>
-                        <a:rPr lang="en-US" b="0" dirty="0"/>
-                        <a:t>TARGET</a:t>
-                      </a:r>
-                    </a:p>
-                  </a:txBody>
-                  <a:tcPr anchor="ctr"/>
-                </a:tc>
-                <a:tc>
-                  <a:txBody>
-                    <a:bodyPr/>
-                    <a:lstStyle/>
-                    <a:p>
-                      <a:pPr algn="ctr"/>
-                      <a:r>
-                        <a:rPr lang="en-US" b="0" dirty="0"/>
-                        <a:t>ACHIEVED</a:t>
-                      </a:r>
-                    </a:p>
-                  </a:txBody>
-                  <a:tcPr anchor="ctr"/>
-                </a:tc>
-                <a:extLst>
-                  <a:ext uri="{0D108BD9-81ED-4DB2-BD59-A6C34878D82A}">
-                    <a16:rowId xmlns:a16="http://schemas.microsoft.com/office/drawing/2014/main" val="3298013591"/>
-                  </a:ext>
-                </a:extLst>
-              </a:tr>
-              <a:tr h="531843">
-                <a:tc>
-                  <a:txBody>
-                    <a:bodyPr/>
-                    <a:lstStyle/>
-                    <a:p>
-                      <a:pPr algn="ctr"/>
-                      <a:r>
-                        <a:rPr lang="en-US" dirty="0"/>
-                        <a:t>Audience interaction</a:t>
-                      </a:r>
-                    </a:p>
-                  </a:txBody>
-                  <a:tcPr anchor="ctr"/>
-                </a:tc>
-                <a:tc>
-                  <a:txBody>
-                    <a:bodyPr/>
-                    <a:lstStyle/>
-                    <a:p>
-                      <a:pPr algn="ctr"/>
-                      <a:r>
-                        <a:rPr lang="en-US" dirty="0"/>
-                        <a:t>Percentage (%)</a:t>
-                      </a:r>
-                    </a:p>
-                  </a:txBody>
-                  <a:tcPr anchor="ctr"/>
-                </a:tc>
-                <a:tc>
-                  <a:txBody>
-                    <a:bodyPr/>
-                    <a:lstStyle/>
-                    <a:p>
-                      <a:pPr algn="ctr"/>
-                      <a:r>
-                        <a:rPr lang="en-US" dirty="0"/>
-                        <a:t>85</a:t>
-                      </a:r>
-                    </a:p>
-                  </a:txBody>
-                  <a:tcPr anchor="ctr"/>
-                </a:tc>
-                <a:tc>
-                  <a:txBody>
-                    <a:bodyPr/>
-                    <a:lstStyle/>
-                    <a:p>
-                      <a:pPr algn="ctr"/>
-                      <a:r>
-                        <a:rPr lang="en-US" dirty="0"/>
-                        <a:t>88</a:t>
-                      </a:r>
-                    </a:p>
-                  </a:txBody>
-                  <a:tcPr anchor="ctr"/>
-                </a:tc>
-                <a:extLst>
-                  <a:ext uri="{0D108BD9-81ED-4DB2-BD59-A6C34878D82A}">
-                    <a16:rowId xmlns:a16="http://schemas.microsoft.com/office/drawing/2014/main" val="3873867931"/>
-                  </a:ext>
-                </a:extLst>
-              </a:tr>
-              <a:tr h="531843">
-                <a:tc>
-                  <a:txBody>
-                    <a:bodyPr/>
-                    <a:lstStyle/>
-                    <a:p>
-                      <a:pPr algn="ctr"/>
-                      <a:r>
-                        <a:rPr lang="en-US" dirty="0"/>
-                        <a:t>Knowledge retention</a:t>
-                      </a:r>
-                    </a:p>
-                  </a:txBody>
-                  <a:tcPr anchor="ctr"/>
-                </a:tc>
-                <a:tc>
-                  <a:txBody>
-                    <a:bodyPr/>
-                    <a:lstStyle/>
-                    <a:p>
-                      <a:pPr algn="ctr"/>
-                      <a:r>
-                        <a:rPr lang="en-US" dirty="0"/>
-                        <a:t>Percentage (%)</a:t>
-                      </a:r>
-                    </a:p>
-                  </a:txBody>
-                  <a:tcPr anchor="ctr"/>
-                </a:tc>
-                <a:tc>
-                  <a:txBody>
-                    <a:bodyPr/>
-                    <a:lstStyle/>
-                    <a:p>
-                      <a:pPr algn="ctr"/>
-                      <a:r>
-                        <a:rPr lang="en-US" dirty="0"/>
-                        <a:t>75</a:t>
-                      </a:r>
-                    </a:p>
-                  </a:txBody>
-                  <a:tcPr anchor="ctr"/>
-                </a:tc>
-                <a:tc>
-                  <a:txBody>
-                    <a:bodyPr/>
-                    <a:lstStyle/>
-                    <a:p>
-                      <a:pPr algn="ctr"/>
-                      <a:r>
-                        <a:rPr lang="en-US" dirty="0"/>
-                        <a:t>80</a:t>
-                      </a:r>
-                    </a:p>
-                  </a:txBody>
-                  <a:tcPr anchor="ctr"/>
-                </a:tc>
-                <a:extLst>
-                  <a:ext uri="{0D108BD9-81ED-4DB2-BD59-A6C34878D82A}">
-                    <a16:rowId xmlns:a16="http://schemas.microsoft.com/office/drawing/2014/main" val="85209771"/>
-                  </a:ext>
-                </a:extLst>
-              </a:tr>
-              <a:tr h="531843">
-                <a:tc>
-                  <a:txBody>
-                    <a:bodyPr/>
-                    <a:lstStyle/>
-                    <a:p>
-                      <a:pPr algn="ctr"/>
-                      <a:r>
-                        <a:rPr lang="en-US" dirty="0"/>
-                        <a:t>Post-presentation surveys</a:t>
-                      </a:r>
-                    </a:p>
-                  </a:txBody>
-                  <a:tcPr anchor="ctr"/>
-                </a:tc>
-                <a:tc>
-                  <a:txBody>
-                    <a:bodyPr/>
-                    <a:lstStyle/>
-                    <a:p>
-                      <a:pPr algn="ctr"/>
-                      <a:r>
-                        <a:rPr lang="en-US" dirty="0"/>
-                        <a:t>Average rating</a:t>
-                      </a:r>
-                    </a:p>
-                  </a:txBody>
-                  <a:tcPr anchor="ctr"/>
-                </a:tc>
-                <a:tc>
-                  <a:txBody>
-                    <a:bodyPr/>
-                    <a:lstStyle/>
-                    <a:p>
-                      <a:pPr algn="ctr"/>
-                      <a:r>
-                        <a:rPr lang="en-US" dirty="0"/>
-                        <a:t>4.2</a:t>
-                      </a:r>
-                    </a:p>
-                  </a:txBody>
-                  <a:tcPr anchor="ctr"/>
-                </a:tc>
-                <a:tc>
-                  <a:txBody>
-                    <a:bodyPr/>
-                    <a:lstStyle/>
-                    <a:p>
-                      <a:pPr algn="ctr"/>
-                      <a:r>
-                        <a:rPr lang="en-US" dirty="0"/>
-                        <a:t>4.5</a:t>
-                      </a:r>
-                    </a:p>
-                  </a:txBody>
-                  <a:tcPr anchor="ctr"/>
-                </a:tc>
-                <a:extLst>
-                  <a:ext uri="{0D108BD9-81ED-4DB2-BD59-A6C34878D82A}">
-                    <a16:rowId xmlns:a16="http://schemas.microsoft.com/office/drawing/2014/main" val="4061031278"/>
-                  </a:ext>
-                </a:extLst>
-              </a:tr>
-              <a:tr h="531843">
-                <a:tc>
-                  <a:txBody>
-                    <a:bodyPr/>
-                    <a:lstStyle/>
-                    <a:p>
-                      <a:pPr algn="ctr"/>
-                      <a:r>
-                        <a:rPr lang="en-US" dirty="0"/>
-                        <a:t>Referral rate</a:t>
-                      </a:r>
-                    </a:p>
-                  </a:txBody>
-                  <a:tcPr anchor="ctr"/>
-                </a:tc>
-                <a:tc>
-                  <a:txBody>
-                    <a:bodyPr/>
-                    <a:lstStyle/>
-                    <a:p>
-                      <a:pPr algn="ctr"/>
-                      <a:r>
-                        <a:rPr lang="en-US" dirty="0"/>
-                        <a:t>Percentage (%)</a:t>
-                      </a:r>
-                    </a:p>
-                  </a:txBody>
-                  <a:tcPr anchor="ctr"/>
-                </a:tc>
-                <a:tc>
-                  <a:txBody>
-                    <a:bodyPr/>
-                    <a:lstStyle/>
-                    <a:p>
-                      <a:pPr algn="ctr"/>
-                      <a:r>
-                        <a:rPr lang="en-US" dirty="0"/>
-                        <a:t>10</a:t>
-                      </a:r>
-                    </a:p>
-                  </a:txBody>
-                  <a:tcPr anchor="ctr"/>
-                </a:tc>
-                <a:tc>
-                  <a:txBody>
-                    <a:bodyPr/>
-                    <a:lstStyle/>
-                    <a:p>
-                      <a:pPr algn="ctr"/>
-                      <a:r>
-                        <a:rPr lang="en-US" dirty="0"/>
-                        <a:t>12</a:t>
-                      </a:r>
-                    </a:p>
-                  </a:txBody>
-                  <a:tcPr anchor="ctr"/>
-                </a:tc>
-                <a:extLst>
-                  <a:ext uri="{0D108BD9-81ED-4DB2-BD59-A6C34878D82A}">
-                    <a16:rowId xmlns:a16="http://schemas.microsoft.com/office/drawing/2014/main" val="3591840781"/>
-                  </a:ext>
-                </a:extLst>
-              </a:tr>
-              <a:tr h="710249">
-                <a:tc>
-                  <a:txBody>
-                    <a:bodyPr/>
-                    <a:lstStyle/>
-                    <a:p>
-                      <a:pPr algn="ctr"/>
-                      <a:r>
-                        <a:rPr lang="en-US" dirty="0"/>
-                        <a:t>Collaboration opportunities</a:t>
-                      </a:r>
-                    </a:p>
-                  </a:txBody>
-                  <a:tcPr anchor="ctr"/>
-                </a:tc>
-                <a:tc>
-                  <a:txBody>
-                    <a:bodyPr/>
-                    <a:lstStyle/>
-                    <a:p>
-                      <a:pPr algn="ctr"/>
-                      <a:r>
-                        <a:rPr lang="en-US" dirty="0"/>
-                        <a:t># of opportunities</a:t>
-                      </a:r>
-                    </a:p>
-                  </a:txBody>
-                  <a:tcPr anchor="ctr"/>
-                </a:tc>
-                <a:tc>
-                  <a:txBody>
-                    <a:bodyPr/>
-                    <a:lstStyle/>
-                    <a:p>
-                      <a:pPr algn="ctr"/>
-                      <a:r>
-                        <a:rPr lang="en-US" dirty="0"/>
-                        <a:t>8</a:t>
-                      </a:r>
-                    </a:p>
-                  </a:txBody>
-                  <a:tcPr anchor="ctr"/>
-                </a:tc>
-                <a:tc>
-                  <a:txBody>
-                    <a:bodyPr/>
-                    <a:lstStyle/>
-                    <a:p>
-                      <a:pPr algn="ctr"/>
-                      <a:r>
-                        <a:rPr lang="en-US" dirty="0"/>
-                        <a:t>10</a:t>
-                      </a:r>
-                    </a:p>
-                  </a:txBody>
-                  <a:tcPr anchor="ctr"/>
-                </a:tc>
-                <a:extLst>
-                  <a:ext uri="{0D108BD9-81ED-4DB2-BD59-A6C34878D82A}">
-                    <a16:rowId xmlns:a16="http://schemas.microsoft.com/office/drawing/2014/main" val="335389741"/>
-                  </a:ext>
-                </a:extLst>
-              </a:tr>
-            </a:tbl>
-          </a:graphicData>
-        </a:graphic>
-      </p:graphicFrame>
-      <p:sp>
-        <p:nvSpPr>
-          <p:cNvPr id="5" name="Slide Number Placeholder 5">
-            <a:extLst>
-              <a:ext uri="{FF2B5EF4-FFF2-40B4-BE49-F238E27FC236}">
-                <a16:creationId xmlns:a16="http://schemas.microsoft.com/office/drawing/2014/main" id="{4832B776-E386-1CF9-CC8F-2D2FF3EA7066}"/>
-              </a:ext>
-            </a:extLst>
-          </p:cNvPr>
-          <p:cNvSpPr>
-            <a:spLocks noGrp="1"/>
-          </p:cNvSpPr>
-          <p:nvPr>
-            <p:ph type="sldNum" sz="quarter" idx="12"/>
-          </p:nvPr>
-        </p:nvSpPr>
-        <p:spPr>
-          <a:xfrm>
-            <a:off x="10373350" y="6356349"/>
-            <a:ext cx="987552" cy="365125"/>
-          </a:xfrm>
-        </p:spPr>
-        <p:txBody>
-          <a:bodyPr/>
-          <a:lstStyle/>
-          <a:p>
-            <a:fld id="{A49DFD55-3C28-40EF-9E31-A92D2E4017FF}" type="slidenum">
-              <a:rPr lang="en-US" smtClean="0"/>
-              <a:pPr/>
-              <a:t>18</a:t>
-            </a:fld>
-            <a:endParaRPr lang="en-US" dirty="0"/>
-          </a:p>
-        </p:txBody>
-      </p:sp>
+        </p:spPr>
+      </p:pic>
+      <p:pic>
+        <p:nvPicPr>
+          <p:cNvPr id="11" name="Picture 10">
+            <a:extLst>
+              <a:ext uri="{FF2B5EF4-FFF2-40B4-BE49-F238E27FC236}">
+                <a16:creationId xmlns:a16="http://schemas.microsoft.com/office/drawing/2014/main" id="{D6D22FD5-6BB6-8920-63E8-44C66D8BEE19}"/>
+              </a:ext>
+            </a:extLst>
+          </p:cNvPr>
+          <p:cNvPicPr>
+            <a:picLocks noChangeAspect="1"/>
+          </p:cNvPicPr>
+          <p:nvPr/>
+        </p:nvPicPr>
+        <p:blipFill>
+          <a:blip r:embed="rId7"/>
+          <a:stretch>
+            <a:fillRect/>
+          </a:stretch>
+        </p:blipFill>
+        <p:spPr>
+          <a:xfrm>
+            <a:off x="8433803" y="-1409852"/>
+            <a:ext cx="4114260" cy="4114260"/>
+          </a:xfrm>
+          <a:prstGeom prst="rect">
+            <a:avLst/>
+          </a:prstGeom>
+        </p:spPr>
+      </p:pic>
     </p:spTree>
     <p:extLst>
       <p:ext uri="{BB962C8B-B14F-4D97-AF65-F5344CB8AC3E}">
         <p14:creationId xmlns:p14="http://schemas.microsoft.com/office/powerpoint/2010/main" val="2791821786"/>
-      </p:ext>
-    </p:extLst>
-  </p:cSld>
-  <p:clrMapOvr>
-    <a:masterClrMapping/>
-  </p:clrMapOvr>
-</p:sld>
-</file>
-
-<file path=ppt/slides/slide19.xml><?xml version="1.0" encoding="utf-8"?>
-<p:sld xmlns:a="http://schemas.openxmlformats.org/drawingml/2006/main" xmlns:r="http://schemas.openxmlformats.org/officeDocument/2006/relationships" xmlns:p="http://schemas.openxmlformats.org/presentationml/2006/main">
-  <p:cSld>
-    <p:spTree>
-      <p:nvGrpSpPr>
-        <p:cNvPr id="1" name=""/>
-        <p:cNvGrpSpPr/>
-        <p:nvPr/>
-      </p:nvGrpSpPr>
-      <p:grpSpPr>
-        <a:xfrm>
-          <a:off x="0" y="0"/>
-          <a:ext cx="0" cy="0"/>
-          <a:chOff x="0" y="0"/>
-          <a:chExt cx="0" cy="0"/>
-        </a:xfrm>
-      </p:grpSpPr>
-      <p:sp>
-        <p:nvSpPr>
-          <p:cNvPr id="2" name="Title 1">
-            <a:extLst>
-              <a:ext uri="{FF2B5EF4-FFF2-40B4-BE49-F238E27FC236}">
-                <a16:creationId xmlns:a16="http://schemas.microsoft.com/office/drawing/2014/main" id="{8BDF1EDE-5423-435C-B149-87AB1BC22B83}"/>
-              </a:ext>
-            </a:extLst>
-          </p:cNvPr>
-          <p:cNvSpPr>
-            <a:spLocks noGrp="1"/>
-          </p:cNvSpPr>
-          <p:nvPr>
-            <p:ph type="ctrTitle"/>
-          </p:nvPr>
-        </p:nvSpPr>
-        <p:spPr>
-          <a:xfrm>
-            <a:off x="4267200" y="1615736"/>
-            <a:ext cx="4179570" cy="1524735"/>
-          </a:xfrm>
-        </p:spPr>
-        <p:txBody>
-          <a:bodyPr/>
-          <a:lstStyle/>
-          <a:p>
-            <a:r>
-              <a:rPr lang="en-US" dirty="0"/>
-              <a:t>THANK YOU</a:t>
-            </a:r>
-          </a:p>
-        </p:txBody>
-      </p:sp>
-      <p:sp>
-        <p:nvSpPr>
-          <p:cNvPr id="3" name="Subtitle 2">
-            <a:extLst>
-              <a:ext uri="{FF2B5EF4-FFF2-40B4-BE49-F238E27FC236}">
-                <a16:creationId xmlns:a16="http://schemas.microsoft.com/office/drawing/2014/main" id="{AF64C29E-DF30-4DC6-AB95-2016F9A703B6}"/>
-              </a:ext>
-            </a:extLst>
-          </p:cNvPr>
-          <p:cNvSpPr>
-            <a:spLocks noGrp="1"/>
-          </p:cNvSpPr>
-          <p:nvPr>
-            <p:ph type="subTitle" idx="1"/>
-          </p:nvPr>
-        </p:nvSpPr>
-        <p:spPr>
-          <a:xfrm>
-            <a:off x="4267200" y="3238103"/>
-            <a:ext cx="4179570" cy="2850181"/>
-          </a:xfrm>
-        </p:spPr>
-        <p:txBody>
-          <a:bodyPr>
-            <a:noAutofit/>
-          </a:bodyPr>
-          <a:lstStyle/>
-          <a:p>
-            <a:r>
-              <a:rPr lang="en-US" dirty="0"/>
-              <a:t>Brita Tamm</a:t>
-            </a:r>
-          </a:p>
-          <a:p>
-            <a:r>
-              <a:rPr lang="en-US" dirty="0"/>
-              <a:t>502-555-0152</a:t>
-            </a:r>
-          </a:p>
-          <a:p>
-            <a:r>
-              <a:rPr lang="en-US" dirty="0"/>
-              <a:t>brita@firstupconsultants.com</a:t>
-            </a:r>
-          </a:p>
-          <a:p>
-            <a:r>
-              <a:rPr lang="en-US" dirty="0"/>
-              <a:t>www.firstupconsultants.com</a:t>
-            </a:r>
-          </a:p>
-        </p:txBody>
-      </p:sp>
-      <p:sp>
-        <p:nvSpPr>
-          <p:cNvPr id="6" name="Slide Number Placeholder 5">
-            <a:extLst>
-              <a:ext uri="{FF2B5EF4-FFF2-40B4-BE49-F238E27FC236}">
-                <a16:creationId xmlns:a16="http://schemas.microsoft.com/office/drawing/2014/main" id="{4C127D99-645F-4FCF-9573-FDFE2A344FA9}"/>
-              </a:ext>
-            </a:extLst>
-          </p:cNvPr>
-          <p:cNvSpPr>
-            <a:spLocks noGrp="1"/>
-          </p:cNvSpPr>
-          <p:nvPr>
-            <p:ph type="sldNum" sz="quarter" idx="12"/>
-          </p:nvPr>
-        </p:nvSpPr>
-        <p:spPr>
-          <a:xfrm>
-            <a:off x="9579428" y="6356350"/>
-            <a:ext cx="1774371" cy="365125"/>
-          </a:xfrm>
-        </p:spPr>
-        <p:txBody>
-          <a:bodyPr/>
-          <a:lstStyle/>
-          <a:p>
-            <a:fld id="{A49DFD55-3C28-40EF-9E31-A92D2E4017FF}" type="slidenum">
-              <a:rPr lang="en-US" smtClean="0"/>
-              <a:pPr/>
-              <a:t>19</a:t>
-            </a:fld>
-            <a:endParaRPr lang="en-US" dirty="0"/>
-          </a:p>
-        </p:txBody>
-      </p:sp>
-    </p:spTree>
-    <p:extLst>
-      <p:ext uri="{BB962C8B-B14F-4D97-AF65-F5344CB8AC3E}">
-        <p14:creationId xmlns:p14="http://schemas.microsoft.com/office/powerpoint/2010/main" val="1969787568"/>
       </p:ext>
     </p:extLst>
   </p:cSld>
@@ -11723,7 +9181,7 @@
         <p:cNvPr id="1" name="">
           <a:extLst>
             <a:ext uri="{FF2B5EF4-FFF2-40B4-BE49-F238E27FC236}">
-              <a16:creationId xmlns:a16="http://schemas.microsoft.com/office/drawing/2014/main" id="{BA8EDC5E-B5AF-5A14-5AFA-F70369D71C42}"/>
+              <a16:creationId xmlns:a16="http://schemas.microsoft.com/office/drawing/2014/main" id="{9662BD65-0071-0EFB-8C21-DEE42AD58EAA}"/>
             </a:ext>
           </a:extLst>
         </p:cNvPr>
@@ -11740,10 +9198,10 @@
       </p:grpSpPr>
       <p:sp>
         <p:nvSpPr>
-          <p:cNvPr id="2" name="Title 1">
-            <a:extLst>
-              <a:ext uri="{FF2B5EF4-FFF2-40B4-BE49-F238E27FC236}">
-                <a16:creationId xmlns:a16="http://schemas.microsoft.com/office/drawing/2014/main" id="{EEC746B0-10BA-FB15-F680-CAFB3372F11F}"/>
+          <p:cNvPr id="68" name="Slide Number Placeholder 67">
+            <a:extLst>
+              <a:ext uri="{FF2B5EF4-FFF2-40B4-BE49-F238E27FC236}">
+                <a16:creationId xmlns:a16="http://schemas.microsoft.com/office/drawing/2014/main" id="{BFC3C9ED-C04E-43E1-DD5A-D419DD198289}"/>
               </a:ext>
             </a:extLst>
           </p:cNvPr>
@@ -11751,30 +9209,126 @@
             <a:spLocks noGrp="1"/>
           </p:cNvSpPr>
           <p:nvPr>
-            <p:ph type="ctrTitle"/>
-          </p:nvPr>
-        </p:nvSpPr>
-        <p:spPr>
-          <a:xfrm>
-            <a:off x="6441918" y="3329790"/>
-            <a:ext cx="4941771" cy="3200400"/>
-          </a:xfrm>
-        </p:spPr>
-        <p:txBody>
-          <a:bodyPr anchor="ctr"/>
+            <p:ph type="sldNum" sz="quarter" idx="13"/>
+          </p:nvPr>
+        </p:nvSpPr>
+        <p:spPr>
+          <a:xfrm>
+            <a:off x="10373350" y="6356349"/>
+            <a:ext cx="987552" cy="365125"/>
+          </a:xfrm>
+        </p:spPr>
+        <p:txBody>
+          <a:bodyPr/>
           <a:lstStyle/>
           <a:p>
-            <a:r>
-              <a:rPr lang="en-US" dirty="0"/>
-              <a:t>Basic Presentation</a:t>
-            </a:r>
-          </a:p>
-        </p:txBody>
-      </p:sp>
+            <a:fld id="{A49DFD55-3C28-40EF-9E31-A92D2E4017FF}" type="slidenum">
+              <a:rPr lang="en-US" smtClean="0"/>
+              <a:pPr/>
+              <a:t>7</a:t>
+            </a:fld>
+            <a:endParaRPr lang="en-US" dirty="0"/>
+          </a:p>
+        </p:txBody>
+      </p:sp>
+      <p:sp>
+        <p:nvSpPr>
+          <p:cNvPr id="3" name="Title 1">
+            <a:extLst>
+              <a:ext uri="{FF2B5EF4-FFF2-40B4-BE49-F238E27FC236}">
+                <a16:creationId xmlns:a16="http://schemas.microsoft.com/office/drawing/2014/main" id="{AC1C7632-7E73-9FC1-89BD-19A2310907C5}"/>
+              </a:ext>
+            </a:extLst>
+          </p:cNvPr>
+          <p:cNvSpPr txBox="1">
+            <a:spLocks/>
+          </p:cNvSpPr>
+          <p:nvPr/>
+        </p:nvSpPr>
+        <p:spPr>
+          <a:xfrm>
+            <a:off x="43497" y="79577"/>
+            <a:ext cx="7288282" cy="466526"/>
+          </a:xfrm>
+          <a:prstGeom prst="rect">
+            <a:avLst/>
+          </a:prstGeom>
+        </p:spPr>
+        <p:txBody>
+          <a:bodyPr vert="horz" lIns="91440" tIns="45720" rIns="91440" bIns="45720" rtlCol="0" anchor="b">
+            <a:normAutofit fontScale="97500"/>
+          </a:bodyPr>
+          <a:lstStyle>
+            <a:lvl1pPr algn="l" defTabSz="914400" rtl="0" eaLnBrk="1" latinLnBrk="0" hangingPunct="1">
+              <a:lnSpc>
+                <a:spcPct val="90000"/>
+              </a:lnSpc>
+              <a:spcBef>
+                <a:spcPct val="0"/>
+              </a:spcBef>
+              <a:buNone/>
+              <a:defRPr lang="en-US" sz="2800" kern="1200" cap="all" spc="150" baseline="0" dirty="0">
+                <a:solidFill>
+                  <a:schemeClr val="tx1"/>
+                </a:solidFill>
+                <a:latin typeface="+mj-lt"/>
+                <a:ea typeface="+mj-ea"/>
+                <a:cs typeface="+mj-cs"/>
+              </a:defRPr>
+            </a:lvl1pPr>
+          </a:lstStyle>
+          <a:p>
+            <a:r>
+              <a:rPr lang="en-US" dirty="0"/>
+              <a:t>Construction </a:t>
+            </a:r>
+            <a:r>
+              <a:rPr lang="en-US" dirty="0" err="1"/>
+              <a:t>cont</a:t>
+            </a:r>
+            <a:r>
+              <a:rPr lang="en-US" dirty="0"/>
+              <a:t> 2</a:t>
+            </a:r>
+          </a:p>
+        </p:txBody>
+      </p:sp>
+      <p:pic>
+        <p:nvPicPr>
+          <p:cNvPr id="18" name="Picture 17">
+            <a:extLst>
+              <a:ext uri="{FF2B5EF4-FFF2-40B4-BE49-F238E27FC236}">
+                <a16:creationId xmlns:a16="http://schemas.microsoft.com/office/drawing/2014/main" id="{D3A3A8AA-D9ED-D019-28C7-C96F4D3DC618}"/>
+              </a:ext>
+            </a:extLst>
+          </p:cNvPr>
+          <p:cNvPicPr>
+            <a:picLocks noChangeAspect="1"/>
+          </p:cNvPicPr>
+          <p:nvPr/>
+        </p:nvPicPr>
+        <p:blipFill>
+          <a:blip r:embed="rId3">
+            <a:alphaModFix amt="77000"/>
+          </a:blip>
+          <a:stretch>
+            <a:fillRect/>
+          </a:stretch>
+        </p:blipFill>
+        <p:spPr>
+          <a:xfrm>
+            <a:off x="1751521" y="648608"/>
+            <a:ext cx="9208027" cy="6072866"/>
+          </a:xfrm>
+          <a:prstGeom prst="rect">
+            <a:avLst/>
+          </a:prstGeom>
+        </p:spPr>
+      </p:pic>
     </p:spTree>
     <p:extLst>
       <p:ext uri="{BB962C8B-B14F-4D97-AF65-F5344CB8AC3E}">
-        <p14:creationId xmlns:p14="http://schemas.microsoft.com/office/powerpoint/2010/main" val="2242081857"/>
+        <p14:creationId xmlns:p14="http://schemas.microsoft.com/office/powerpoint/2010/main" val="1916545427"/>
       </p:ext>
     </p:extLst>
   </p:cSld>
@@ -11789,13 +9343,7 @@
   <p:cSld>
     <p:spTree>
       <p:nvGrpSpPr>
-        <p:cNvPr id="1" name="">
-          <a:extLst>
-            <a:ext uri="{FF2B5EF4-FFF2-40B4-BE49-F238E27FC236}">
-              <a16:creationId xmlns:a16="http://schemas.microsoft.com/office/drawing/2014/main" id="{72820E19-762A-BB48-7630-A6A1FC11375B}"/>
-            </a:ext>
-          </a:extLst>
-        </p:cNvPr>
+        <p:cNvPr id="1" name=""/>
         <p:cNvGrpSpPr/>
         <p:nvPr/>
       </p:nvGrpSpPr>
@@ -11812,7 +9360,7 @@
           <p:cNvPr id="2" name="Title 1">
             <a:extLst>
               <a:ext uri="{FF2B5EF4-FFF2-40B4-BE49-F238E27FC236}">
-                <a16:creationId xmlns:a16="http://schemas.microsoft.com/office/drawing/2014/main" id="{0DF12C29-ED16-C8C2-6CC1-C929C66ACDE2}"/>
+                <a16:creationId xmlns:a16="http://schemas.microsoft.com/office/drawing/2014/main" id="{4518FC28-E0BD-4387-B8BE-9965D1A57FF1}"/>
               </a:ext>
             </a:extLst>
           </p:cNvPr>
@@ -11825,8 +9373,8 @@
         </p:nvSpPr>
         <p:spPr>
           <a:xfrm>
-            <a:off x="1333500" y="1020445"/>
-            <a:ext cx="2895600" cy="1325563"/>
+            <a:off x="7821064" y="0"/>
+            <a:ext cx="5884027" cy="493569"/>
           </a:xfrm>
         </p:spPr>
         <p:txBody>
@@ -11835,76 +9383,53 @@
           <a:p>
             <a:r>
               <a:rPr lang="en-US" dirty="0"/>
-              <a:t>AGENDA</a:t>
-            </a:r>
-          </a:p>
-        </p:txBody>
-      </p:sp>
-      <p:sp>
-        <p:nvSpPr>
-          <p:cNvPr id="3" name="Content Placeholder 2">
-            <a:extLst>
-              <a:ext uri="{FF2B5EF4-FFF2-40B4-BE49-F238E27FC236}">
-                <a16:creationId xmlns:a16="http://schemas.microsoft.com/office/drawing/2014/main" id="{9DB168F3-17E8-AEC2-D442-B280A6EDBCD6}"/>
-              </a:ext>
-            </a:extLst>
-          </p:cNvPr>
-          <p:cNvSpPr>
-            <a:spLocks noGrp="1"/>
-          </p:cNvSpPr>
-          <p:nvPr>
-            <p:ph idx="1"/>
-          </p:nvPr>
-        </p:nvSpPr>
-        <p:spPr>
-          <a:xfrm>
-            <a:off x="1333500" y="2674013"/>
-            <a:ext cx="2895600" cy="3269589"/>
-          </a:xfrm>
-        </p:spPr>
-        <p:txBody>
-          <a:bodyPr>
-            <a:normAutofit/>
-          </a:bodyPr>
-          <a:lstStyle/>
-          <a:p>
-            <a:r>
-              <a:rPr lang="en-US" dirty="0"/>
-              <a:t>Topic one</a:t>
-            </a:r>
-          </a:p>
-          <a:p>
-            <a:r>
-              <a:rPr lang="en-US" dirty="0"/>
-              <a:t>Topic two</a:t>
-            </a:r>
-          </a:p>
-          <a:p>
-            <a:r>
-              <a:rPr lang="en-US" dirty="0"/>
-              <a:t>Topic three</a:t>
-            </a:r>
-          </a:p>
-          <a:p>
-            <a:r>
-              <a:rPr lang="en-US" dirty="0"/>
-              <a:t>Topic four</a:t>
-            </a:r>
-          </a:p>
-          <a:p>
-            <a:r>
-              <a:rPr lang="en-US" dirty="0"/>
-              <a:t>Topic five</a:t>
-            </a:r>
-          </a:p>
-        </p:txBody>
-      </p:sp>
-      <p:sp>
-        <p:nvSpPr>
-          <p:cNvPr id="5" name="Slide Number Placeholder 5">
-            <a:extLst>
-              <a:ext uri="{FF2B5EF4-FFF2-40B4-BE49-F238E27FC236}">
-                <a16:creationId xmlns:a16="http://schemas.microsoft.com/office/drawing/2014/main" id="{3AD98CB3-86FE-FA2A-34AC-179E263528C1}"/>
+              <a:t>Construction </a:t>
+            </a:r>
+            <a:r>
+              <a:rPr lang="en-US" dirty="0" err="1"/>
+              <a:t>cont</a:t>
+            </a:r>
+            <a:r>
+              <a:rPr lang="en-US" dirty="0"/>
+              <a:t> 3</a:t>
+            </a:r>
+          </a:p>
+        </p:txBody>
+      </p:sp>
+      <p:pic>
+        <p:nvPicPr>
+          <p:cNvPr id="47" name="Picture Placeholder 46" descr="A person smiling with a shadow on the wall">
+            <a:extLst>
+              <a:ext uri="{FF2B5EF4-FFF2-40B4-BE49-F238E27FC236}">
+                <a16:creationId xmlns:a16="http://schemas.microsoft.com/office/drawing/2014/main" id="{F55BC7A4-EE4B-7EFC-C325-408D66C3CBA7}"/>
+              </a:ext>
+            </a:extLst>
+          </p:cNvPr>
+          <p:cNvPicPr>
+            <a:picLocks noGrp="1" noChangeAspect="1"/>
+          </p:cNvPicPr>
+          <p:nvPr>
+            <p:ph type="pic" sz="quarter" idx="13"/>
+          </p:nvPr>
+        </p:nvPicPr>
+        <p:blipFill>
+          <a:blip r:embed="rId3"/>
+          <a:srcRect l="112" r="112"/>
+          <a:stretch/>
+        </p:blipFill>
+        <p:spPr>
+          <a:xfrm>
+            <a:off x="-28230" y="-9144"/>
+            <a:ext cx="5481955" cy="6876288"/>
+          </a:xfrm>
+        </p:spPr>
+      </p:pic>
+      <p:sp>
+        <p:nvSpPr>
+          <p:cNvPr id="6" name="Slide Number Placeholder 5">
+            <a:extLst>
+              <a:ext uri="{FF2B5EF4-FFF2-40B4-BE49-F238E27FC236}">
+                <a16:creationId xmlns:a16="http://schemas.microsoft.com/office/drawing/2014/main" id="{7C4B8313-9270-4128-8674-3A3E42B806BC}"/>
               </a:ext>
             </a:extLst>
           </p:cNvPr>
@@ -11934,10 +9459,212 @@
           </a:p>
         </p:txBody>
       </p:sp>
+      <p:sp>
+        <p:nvSpPr>
+          <p:cNvPr id="3" name="Text Placeholder 2">
+            <a:extLst>
+              <a:ext uri="{FF2B5EF4-FFF2-40B4-BE49-F238E27FC236}">
+                <a16:creationId xmlns:a16="http://schemas.microsoft.com/office/drawing/2014/main" id="{FED19BCA-B61F-4EA6-A1FB-CCA3BD8506FB}"/>
+              </a:ext>
+            </a:extLst>
+          </p:cNvPr>
+          <p:cNvSpPr>
+            <a:spLocks noGrp="1"/>
+          </p:cNvSpPr>
+          <p:nvPr>
+            <p:ph sz="half" idx="14"/>
+          </p:nvPr>
+        </p:nvSpPr>
+        <p:spPr>
+          <a:xfrm>
+            <a:off x="5680939" y="1150330"/>
+            <a:ext cx="5907176" cy="5810195"/>
+          </a:xfrm>
+        </p:spPr>
+        <p:txBody>
+          <a:bodyPr>
+            <a:noAutofit/>
+          </a:bodyPr>
+          <a:lstStyle/>
+          <a:p>
+            <a:pPr marL="569214" lvl="1"/>
+            <a:r>
+              <a:rPr lang="en-US" b="1" dirty="0"/>
+              <a:t>REACT SITE</a:t>
+            </a:r>
+            <a:endParaRPr lang="en-US" dirty="0"/>
+          </a:p>
+          <a:p>
+            <a:pPr marL="852678" lvl="2"/>
+            <a:r>
+              <a:rPr lang="en-US" b="1" dirty="0"/>
+              <a:t>PACKAGES: </a:t>
+            </a:r>
+            <a:r>
+              <a:rPr lang="en-US" dirty="0"/>
+              <a:t>REACT, Yarn, React-Dom, React-bootstrap, Redux, Redux-</a:t>
+            </a:r>
+            <a:r>
+              <a:rPr lang="en-US" dirty="0" err="1"/>
+              <a:t>Thunk</a:t>
+            </a:r>
+            <a:r>
+              <a:rPr lang="en-US" dirty="0"/>
+              <a:t> …</a:t>
+            </a:r>
+          </a:p>
+          <a:p>
+            <a:pPr marL="852678" lvl="2"/>
+            <a:r>
+              <a:rPr lang="en-US" b="1" dirty="0"/>
+              <a:t>Deployment: </a:t>
+            </a:r>
+            <a:r>
+              <a:rPr lang="en-US" dirty="0"/>
+              <a:t>yarn build</a:t>
+            </a:r>
+            <a:br>
+              <a:rPr lang="en-US" dirty="0"/>
+            </a:br>
+            <a:r>
+              <a:rPr lang="en-US" dirty="0"/>
+              <a:t>yarn start</a:t>
+            </a:r>
+            <a:br>
+              <a:rPr lang="en-US" dirty="0"/>
+            </a:br>
+            <a:br>
+              <a:rPr lang="en-US" dirty="0"/>
+            </a:br>
+            <a:endParaRPr lang="en-US" dirty="0"/>
+          </a:p>
+          <a:p>
+            <a:pPr marL="569214" lvl="1"/>
+            <a:r>
+              <a:rPr lang="en-US" b="1" dirty="0"/>
+              <a:t>API</a:t>
+            </a:r>
+          </a:p>
+          <a:p>
+            <a:pPr marL="852678" lvl="2"/>
+            <a:r>
+              <a:rPr lang="en-US" b="1" dirty="0"/>
+              <a:t>PACKAGES: </a:t>
+            </a:r>
+            <a:r>
+              <a:rPr lang="en-US" dirty="0" err="1"/>
+              <a:t>Bcrypt</a:t>
+            </a:r>
+            <a:r>
+              <a:rPr lang="en-US" dirty="0"/>
+              <a:t>, </a:t>
+            </a:r>
+            <a:r>
+              <a:rPr lang="en-US" dirty="0" err="1"/>
+              <a:t>Cors</a:t>
+            </a:r>
+            <a:r>
+              <a:rPr lang="en-US" dirty="0"/>
+              <a:t>, Express, Mongoose, Passport, </a:t>
+            </a:r>
+            <a:r>
+              <a:rPr lang="en-US" dirty="0" err="1"/>
+              <a:t>Dotenv</a:t>
+            </a:r>
+            <a:r>
+              <a:rPr lang="en-US" dirty="0"/>
+              <a:t> …</a:t>
+            </a:r>
+          </a:p>
+          <a:p>
+            <a:pPr marL="1145286" lvl="3"/>
+            <a:r>
+              <a:rPr lang="en-US" b="1" dirty="0" err="1"/>
+              <a:t>Geoip</a:t>
+            </a:r>
+            <a:r>
+              <a:rPr lang="en-US" b="1" dirty="0"/>
+              <a:t>-Country: </a:t>
+            </a:r>
+            <a:r>
+              <a:rPr lang="en-US" dirty="0"/>
+              <a:t>Used to get country code from given IP address.</a:t>
+            </a:r>
+          </a:p>
+          <a:p>
+            <a:pPr marL="852678" lvl="2"/>
+            <a:r>
+              <a:rPr lang="en-US" b="1" dirty="0"/>
+              <a:t>Deployment: </a:t>
+            </a:r>
+            <a:r>
+              <a:rPr lang="en-US" dirty="0" err="1"/>
+              <a:t>npm</a:t>
+            </a:r>
+            <a:r>
+              <a:rPr lang="en-US" dirty="0"/>
+              <a:t> install</a:t>
+            </a:r>
+            <a:br>
+              <a:rPr lang="en-US" dirty="0"/>
+            </a:br>
+            <a:r>
+              <a:rPr lang="en-US" dirty="0"/>
+              <a:t>node server.js</a:t>
+            </a:r>
+          </a:p>
+        </p:txBody>
+      </p:sp>
+      <p:cxnSp>
+        <p:nvCxnSpPr>
+          <p:cNvPr id="23" name="Straight Connector 22">
+            <a:extLst>
+              <a:ext uri="{FF2B5EF4-FFF2-40B4-BE49-F238E27FC236}">
+                <a16:creationId xmlns:a16="http://schemas.microsoft.com/office/drawing/2014/main" id="{D87F08D6-2CA7-4A5A-BE34-07113DCA535D}"/>
+              </a:ext>
+              <a:ext uri="{C183D7F6-B498-43B3-948B-1728B52AA6E4}">
+                <adec:decorative xmlns:adec="http://schemas.microsoft.com/office/drawing/2017/decorative" val="1"/>
+              </a:ext>
+            </a:extLst>
+          </p:cNvPr>
+          <p:cNvCxnSpPr>
+            <a:cxnSpLocks/>
+          </p:cNvCxnSpPr>
+          <p:nvPr userDrawn="1"/>
+        </p:nvCxnSpPr>
+        <p:spPr>
+          <a:xfrm flipH="1" flipV="1">
+            <a:off x="0" y="876300"/>
+            <a:ext cx="5246255" cy="1709882"/>
+          </a:xfrm>
+          <a:prstGeom prst="line">
+            <a:avLst/>
+          </a:prstGeom>
+          <a:ln>
+            <a:solidFill>
+              <a:schemeClr val="tx1"/>
+            </a:solidFill>
+          </a:ln>
+        </p:spPr>
+        <p:style>
+          <a:lnRef idx="1">
+            <a:schemeClr val="accent1"/>
+          </a:lnRef>
+          <a:fillRef idx="0">
+            <a:schemeClr val="accent1"/>
+          </a:fillRef>
+          <a:effectRef idx="0">
+            <a:schemeClr val="accent1"/>
+          </a:effectRef>
+          <a:fontRef idx="minor">
+            <a:schemeClr val="tx1"/>
+          </a:fontRef>
+        </p:style>
+      </p:cxnSp>
     </p:spTree>
     <p:extLst>
       <p:ext uri="{BB962C8B-B14F-4D97-AF65-F5344CB8AC3E}">
-        <p14:creationId xmlns:p14="http://schemas.microsoft.com/office/powerpoint/2010/main" val="3716771516"/>
+        <p14:creationId xmlns:p14="http://schemas.microsoft.com/office/powerpoint/2010/main" val="1742861620"/>
       </p:ext>
     </p:extLst>
   </p:cSld>
@@ -11955,7 +9682,7 @@
         <p:cNvPr id="1" name="">
           <a:extLst>
             <a:ext uri="{FF2B5EF4-FFF2-40B4-BE49-F238E27FC236}">
-              <a16:creationId xmlns:a16="http://schemas.microsoft.com/office/drawing/2014/main" id="{B6E04390-DC84-7C4E-1540-2A0F1687B26C}"/>
+              <a16:creationId xmlns:a16="http://schemas.microsoft.com/office/drawing/2014/main" id="{ADA79537-7378-7BBC-F07E-4EB15CE626E0}"/>
             </a:ext>
           </a:extLst>
         </p:cNvPr>
@@ -11972,10 +9699,10 @@
       </p:grpSpPr>
       <p:sp>
         <p:nvSpPr>
-          <p:cNvPr id="2" name="Title 1">
-            <a:extLst>
-              <a:ext uri="{FF2B5EF4-FFF2-40B4-BE49-F238E27FC236}">
-                <a16:creationId xmlns:a16="http://schemas.microsoft.com/office/drawing/2014/main" id="{254445AA-262F-5417-4C4A-BFF417FB4A57}"/>
+          <p:cNvPr id="17" name="Title 1">
+            <a:extLst>
+              <a:ext uri="{FF2B5EF4-FFF2-40B4-BE49-F238E27FC236}">
+                <a16:creationId xmlns:a16="http://schemas.microsoft.com/office/drawing/2014/main" id="{A446F0CC-3D60-C062-D030-47EF6E5E306B}"/>
               </a:ext>
             </a:extLst>
           </p:cNvPr>
@@ -11983,22 +9710,693 @@
             <a:spLocks noGrp="1"/>
           </p:cNvSpPr>
           <p:nvPr>
-            <p:ph type="ctrTitle"/>
-          </p:nvPr>
-        </p:nvSpPr>
-        <p:spPr>
-          <a:xfrm>
-            <a:off x="6991350" y="487018"/>
-            <a:ext cx="4179570" cy="3377354"/>
+            <p:ph type="title"/>
+          </p:nvPr>
+        </p:nvSpPr>
+        <p:spPr>
+          <a:xfrm>
+            <a:off x="56803" y="38793"/>
+            <a:ext cx="5655197" cy="545052"/>
+          </a:xfrm>
+        </p:spPr>
+        <p:txBody>
+          <a:bodyPr anchor="b"/>
+          <a:lstStyle/>
+          <a:p>
+            <a:r>
+              <a:rPr lang="en-US" dirty="0"/>
+              <a:t>CONSTRUCTION CONT 4</a:t>
+            </a:r>
+          </a:p>
+        </p:txBody>
+      </p:sp>
+      <p:sp>
+        <p:nvSpPr>
+          <p:cNvPr id="20" name="Content Placeholder 3">
+            <a:extLst>
+              <a:ext uri="{FF2B5EF4-FFF2-40B4-BE49-F238E27FC236}">
+                <a16:creationId xmlns:a16="http://schemas.microsoft.com/office/drawing/2014/main" id="{A4DF8A69-1674-C1E9-16B9-832155F6CAD2}"/>
+              </a:ext>
+            </a:extLst>
+          </p:cNvPr>
+          <p:cNvSpPr>
+            <a:spLocks noGrp="1"/>
+          </p:cNvSpPr>
+          <p:nvPr>
+            <p:ph sz="half" idx="2"/>
+          </p:nvPr>
+        </p:nvSpPr>
+        <p:spPr>
+          <a:xfrm>
+            <a:off x="112221" y="649264"/>
+            <a:ext cx="5733773" cy="6072211"/>
+          </a:xfrm>
+          <a:solidFill>
+            <a:schemeClr val="bg1">
+              <a:alpha val="75000"/>
+            </a:schemeClr>
+          </a:solidFill>
+        </p:spPr>
+        <p:txBody>
+          <a:bodyPr>
+            <a:noAutofit/>
+          </a:bodyPr>
+          <a:lstStyle/>
+          <a:p>
+            <a:pPr marL="0" indent="0">
+              <a:buNone/>
+            </a:pPr>
+            <a:r>
+              <a:rPr lang="en-US" b="1" dirty="0"/>
+              <a:t>API INSTRUCTIONS</a:t>
+            </a:r>
+            <a:endParaRPr lang="en-US" dirty="0"/>
+          </a:p>
+          <a:p>
+            <a:pPr marL="0" indent="0">
+              <a:buNone/>
+            </a:pPr>
+            <a:r>
+              <a:rPr lang="en-US" sz="1400" b="1" dirty="0"/>
+              <a:t>Create Account Sign-In: </a:t>
+            </a:r>
+            <a:r>
+              <a:rPr lang="en-US" sz="1200" dirty="0"/>
+              <a:t>send the request and </a:t>
+            </a:r>
+            <a:r>
+              <a:rPr lang="en-US" sz="1200" dirty="0" err="1"/>
+              <a:t>json</a:t>
+            </a:r>
+            <a:r>
+              <a:rPr lang="en-US" sz="1200" dirty="0"/>
+              <a:t> body to: https://webapi-finalproject-api.onrender.com/signup</a:t>
+            </a:r>
+          </a:p>
+          <a:p>
+            <a:pPr marL="0" indent="0">
+              <a:buNone/>
+            </a:pPr>
+            <a:r>
+              <a:rPr lang="en-US" sz="1200" dirty="0"/>
+              <a:t>Json Body Example:</a:t>
+            </a:r>
+            <a:br>
+              <a:rPr lang="en-US" sz="1200" b="1" dirty="0"/>
+            </a:br>
+            <a:r>
+              <a:rPr lang="en-US" sz="1200" dirty="0"/>
+              <a:t>{</a:t>
+            </a:r>
+            <a:br>
+              <a:rPr lang="en-US" sz="1200" dirty="0"/>
+            </a:br>
+            <a:r>
+              <a:rPr lang="en-US" sz="1200" dirty="0"/>
+              <a:t>    "name": "batman",</a:t>
+            </a:r>
+            <a:br>
+              <a:rPr lang="en-US" sz="1200" dirty="0"/>
+            </a:br>
+            <a:r>
+              <a:rPr lang="en-US" sz="1200" dirty="0"/>
+              <a:t>    "username": "batman2",</a:t>
+            </a:r>
+            <a:br>
+              <a:rPr lang="en-US" sz="1200" dirty="0"/>
+            </a:br>
+            <a:r>
+              <a:rPr lang="en-US" sz="1200" dirty="0"/>
+              <a:t>    "password": "penguin“</a:t>
+            </a:r>
+            <a:br>
+              <a:rPr lang="en-US" sz="1200" dirty="0"/>
+            </a:br>
+            <a:r>
+              <a:rPr lang="en-US" sz="1200" dirty="0"/>
+              <a:t>}</a:t>
+            </a:r>
+          </a:p>
+          <a:p>
+            <a:pPr marL="0" indent="0">
+              <a:buNone/>
+            </a:pPr>
+            <a:r>
+              <a:rPr lang="en-US" sz="1200" dirty="0"/>
+              <a:t>Sign-in request (be sure to save the JWT token): https://webapi-finalproject-api.onrender.com/signin</a:t>
+            </a:r>
+          </a:p>
+          <a:p>
+            <a:pPr marL="0" indent="0">
+              <a:buNone/>
+            </a:pPr>
+            <a:r>
+              <a:rPr lang="en-US" sz="1200" dirty="0"/>
+              <a:t>Json Body Example:</a:t>
+            </a:r>
+            <a:br>
+              <a:rPr lang="en-US" sz="1200" b="1" dirty="0"/>
+            </a:br>
+            <a:r>
+              <a:rPr lang="en-US" sz="1200" dirty="0"/>
+              <a:t>{</a:t>
+            </a:r>
+            <a:br>
+              <a:rPr lang="en-US" sz="1200" dirty="0"/>
+            </a:br>
+            <a:r>
+              <a:rPr lang="en-US" sz="1200" dirty="0"/>
+              <a:t>    "username": "batman2",</a:t>
+            </a:r>
+            <a:br>
+              <a:rPr lang="en-US" sz="1200" dirty="0"/>
+            </a:br>
+            <a:r>
+              <a:rPr lang="en-US" sz="1200" dirty="0"/>
+              <a:t>    "password": "penguin“</a:t>
+            </a:r>
+            <a:br>
+              <a:rPr lang="en-US" sz="1200" dirty="0"/>
+            </a:br>
+            <a:r>
+              <a:rPr lang="en-US" sz="1200" dirty="0"/>
+              <a:t>}</a:t>
+            </a:r>
+          </a:p>
+          <a:p>
+            <a:pPr marL="0" indent="0">
+              <a:buNone/>
+            </a:pPr>
+            <a:r>
+              <a:rPr lang="en-US" sz="1400" b="1" dirty="0"/>
+              <a:t>Grant/ Deny IP Address:</a:t>
+            </a:r>
+            <a:br>
+              <a:rPr lang="en-US" sz="1200" b="1" dirty="0"/>
+            </a:br>
+            <a:r>
+              <a:rPr lang="en-US" sz="1200" b="1" dirty="0"/>
+              <a:t>NOTE:</a:t>
+            </a:r>
+            <a:r>
+              <a:rPr lang="en-US" sz="1200" dirty="0"/>
+              <a:t> be sure to add you JWT token to the header for all requests.</a:t>
+            </a:r>
+            <a:br>
+              <a:rPr lang="en-US" sz="1200" dirty="0"/>
+            </a:br>
+            <a:r>
+              <a:rPr lang="en-US" sz="1200" dirty="0"/>
+              <a:t>"Authorization": [Your JWT token from sign in]</a:t>
+            </a:r>
+          </a:p>
+          <a:p>
+            <a:pPr marL="0" indent="0">
+              <a:buNone/>
+            </a:pPr>
+            <a:r>
+              <a:rPr lang="en-US" sz="1200" dirty="0"/>
+              <a:t>Send GET request to: https://webapi-finalproject-api.onrender.com/geo/[Your IP Address]</a:t>
+            </a:r>
+          </a:p>
+          <a:p>
+            <a:pPr marL="0" indent="0">
+              <a:buNone/>
+            </a:pPr>
+            <a:r>
+              <a:rPr lang="en-US" sz="1200" dirty="0"/>
+              <a:t>Here is a list of allowed countries: https://webapi-finalproject-api.onrender.com/geo</a:t>
+            </a:r>
+          </a:p>
+          <a:p>
+            <a:pPr marL="0" indent="0">
+              <a:buNone/>
+            </a:pPr>
+            <a:r>
+              <a:rPr lang="en-US" sz="1200" dirty="0"/>
+              <a:t>You can add &amp; delete the list of granted countries:</a:t>
+            </a:r>
+            <a:br>
+              <a:rPr lang="en-US" sz="1200" dirty="0"/>
+            </a:br>
+            <a:r>
+              <a:rPr lang="en-US" sz="1200" dirty="0"/>
+              <a:t>https://webapi-finalproject-api.onrender.com/geoedit/[Country Code]</a:t>
+            </a:r>
+          </a:p>
+        </p:txBody>
+      </p:sp>
+      <p:sp>
+        <p:nvSpPr>
+          <p:cNvPr id="9" name="Slide Number Placeholder 8">
+            <a:extLst>
+              <a:ext uri="{FF2B5EF4-FFF2-40B4-BE49-F238E27FC236}">
+                <a16:creationId xmlns:a16="http://schemas.microsoft.com/office/drawing/2014/main" id="{02FCAB5B-DE42-84B8-6707-4B85A17191EC}"/>
+              </a:ext>
+            </a:extLst>
+          </p:cNvPr>
+          <p:cNvSpPr>
+            <a:spLocks noGrp="1"/>
+          </p:cNvSpPr>
+          <p:nvPr>
+            <p:ph type="sldNum" sz="quarter" idx="12"/>
+          </p:nvPr>
+        </p:nvSpPr>
+        <p:spPr>
+          <a:xfrm>
+            <a:off x="8610600" y="6356350"/>
+            <a:ext cx="2743200" cy="365125"/>
           </a:xfrm>
         </p:spPr>
         <p:txBody>
           <a:bodyPr/>
           <a:lstStyle/>
           <a:p>
-            <a:r>
-              <a:rPr lang="en-US" dirty="0"/>
-              <a:t>The Power of Communication</a:t>
+            <a:fld id="{A49DFD55-3C28-40EF-9E31-A92D2E4017FF}" type="slidenum">
+              <a:rPr lang="en-US" smtClean="0"/>
+              <a:pPr/>
+              <a:t>9</a:t>
+            </a:fld>
+            <a:endParaRPr lang="en-US" dirty="0"/>
+          </a:p>
+        </p:txBody>
+      </p:sp>
+      <p:sp>
+        <p:nvSpPr>
+          <p:cNvPr id="10" name="Content Placeholder 3">
+            <a:extLst>
+              <a:ext uri="{FF2B5EF4-FFF2-40B4-BE49-F238E27FC236}">
+                <a16:creationId xmlns:a16="http://schemas.microsoft.com/office/drawing/2014/main" id="{4EA626C4-7FF8-05F3-7041-68C0099F76A0}"/>
+              </a:ext>
+            </a:extLst>
+          </p:cNvPr>
+          <p:cNvSpPr txBox="1">
+            <a:spLocks/>
+          </p:cNvSpPr>
+          <p:nvPr/>
+        </p:nvSpPr>
+        <p:spPr>
+          <a:xfrm>
+            <a:off x="6096000" y="583845"/>
+            <a:ext cx="5733773" cy="6072211"/>
+          </a:xfrm>
+          <a:prstGeom prst="rect">
+            <a:avLst/>
+          </a:prstGeom>
+          <a:solidFill>
+            <a:schemeClr val="bg1">
+              <a:alpha val="75000"/>
+            </a:schemeClr>
+          </a:solidFill>
+        </p:spPr>
+        <p:txBody>
+          <a:bodyPr vert="horz" lIns="91440" tIns="45720" rIns="91440" bIns="45720" rtlCol="0">
+            <a:noAutofit/>
+          </a:bodyPr>
+          <a:lstStyle>
+            <a:lvl1pPr marL="285750" indent="-285750" algn="l" defTabSz="914400" rtl="0" eaLnBrk="1" latinLnBrk="0" hangingPunct="1">
+              <a:lnSpc>
+                <a:spcPct val="100000"/>
+              </a:lnSpc>
+              <a:spcBef>
+                <a:spcPts val="1000"/>
+              </a:spcBef>
+              <a:buFont typeface="Arial" panose="020B0604020202020204" pitchFamily="34" charset="0"/>
+              <a:buChar char="•"/>
+              <a:defRPr sz="1800" kern="1200" spc="50" baseline="0">
+                <a:solidFill>
+                  <a:schemeClr val="tx1"/>
+                </a:solidFill>
+                <a:latin typeface="+mn-lt"/>
+                <a:ea typeface="+mn-ea"/>
+                <a:cs typeface="+mn-cs"/>
+              </a:defRPr>
+            </a:lvl1pPr>
+            <a:lvl2pPr marL="742950" indent="-285750" algn="l" defTabSz="914400" rtl="0" eaLnBrk="1" latinLnBrk="0" hangingPunct="1">
+              <a:lnSpc>
+                <a:spcPct val="100000"/>
+              </a:lnSpc>
+              <a:spcBef>
+                <a:spcPts val="500"/>
+              </a:spcBef>
+              <a:buFont typeface="Arial" panose="020B0604020202020204" pitchFamily="34" charset="0"/>
+              <a:buChar char="•"/>
+              <a:defRPr sz="1800" kern="1200" spc="50" baseline="0">
+                <a:solidFill>
+                  <a:schemeClr val="tx1"/>
+                </a:solidFill>
+                <a:latin typeface="+mn-lt"/>
+                <a:ea typeface="+mn-ea"/>
+                <a:cs typeface="+mn-cs"/>
+              </a:defRPr>
+            </a:lvl2pPr>
+            <a:lvl3pPr marL="1200150" indent="-285750" algn="l" defTabSz="914400" rtl="0" eaLnBrk="1" latinLnBrk="0" hangingPunct="1">
+              <a:lnSpc>
+                <a:spcPct val="100000"/>
+              </a:lnSpc>
+              <a:spcBef>
+                <a:spcPts val="500"/>
+              </a:spcBef>
+              <a:buFont typeface="Arial" panose="020B0604020202020204" pitchFamily="34" charset="0"/>
+              <a:buChar char="•"/>
+              <a:defRPr sz="1800" kern="1200" spc="50" baseline="0">
+                <a:solidFill>
+                  <a:schemeClr val="tx1"/>
+                </a:solidFill>
+                <a:latin typeface="+mn-lt"/>
+                <a:ea typeface="+mn-ea"/>
+                <a:cs typeface="+mn-cs"/>
+              </a:defRPr>
+            </a:lvl3pPr>
+            <a:lvl4pPr marL="1657350" indent="-285750" algn="l" defTabSz="914400" rtl="0" eaLnBrk="1" latinLnBrk="0" hangingPunct="1">
+              <a:lnSpc>
+                <a:spcPct val="100000"/>
+              </a:lnSpc>
+              <a:spcBef>
+                <a:spcPts val="500"/>
+              </a:spcBef>
+              <a:buFont typeface="Arial" panose="020B0604020202020204" pitchFamily="34" charset="0"/>
+              <a:buChar char="•"/>
+              <a:defRPr sz="1800" kern="1200" spc="50" baseline="0">
+                <a:solidFill>
+                  <a:schemeClr val="tx1"/>
+                </a:solidFill>
+                <a:latin typeface="+mn-lt"/>
+                <a:ea typeface="+mn-ea"/>
+                <a:cs typeface="+mn-cs"/>
+              </a:defRPr>
+            </a:lvl4pPr>
+            <a:lvl5pPr marL="2114550" indent="-285750" algn="l" defTabSz="914400" rtl="0" eaLnBrk="1" latinLnBrk="0" hangingPunct="1">
+              <a:lnSpc>
+                <a:spcPct val="100000"/>
+              </a:lnSpc>
+              <a:spcBef>
+                <a:spcPts val="500"/>
+              </a:spcBef>
+              <a:buFont typeface="Arial" panose="020B0604020202020204" pitchFamily="34" charset="0"/>
+              <a:buChar char="•"/>
+              <a:defRPr sz="1800" kern="1200" spc="50" baseline="0">
+                <a:solidFill>
+                  <a:schemeClr val="tx1"/>
+                </a:solidFill>
+                <a:latin typeface="+mn-lt"/>
+                <a:ea typeface="+mn-ea"/>
+                <a:cs typeface="+mn-cs"/>
+              </a:defRPr>
+            </a:lvl5pPr>
+            <a:lvl6pPr marL="2514600" indent="-228600" algn="l" defTabSz="914400" rtl="0" eaLnBrk="1" latinLnBrk="0" hangingPunct="1">
+              <a:lnSpc>
+                <a:spcPct val="90000"/>
+              </a:lnSpc>
+              <a:spcBef>
+                <a:spcPts val="500"/>
+              </a:spcBef>
+              <a:buFont typeface="Arial" panose="020B0604020202020204" pitchFamily="34" charset="0"/>
+              <a:buChar char="•"/>
+              <a:defRPr sz="1800" kern="1200">
+                <a:solidFill>
+                  <a:schemeClr val="tx1"/>
+                </a:solidFill>
+                <a:latin typeface="+mn-lt"/>
+                <a:ea typeface="+mn-ea"/>
+                <a:cs typeface="+mn-cs"/>
+              </a:defRPr>
+            </a:lvl6pPr>
+            <a:lvl7pPr marL="2971800" indent="-228600" algn="l" defTabSz="914400" rtl="0" eaLnBrk="1" latinLnBrk="0" hangingPunct="1">
+              <a:lnSpc>
+                <a:spcPct val="90000"/>
+              </a:lnSpc>
+              <a:spcBef>
+                <a:spcPts val="500"/>
+              </a:spcBef>
+              <a:buFont typeface="Arial" panose="020B0604020202020204" pitchFamily="34" charset="0"/>
+              <a:buChar char="•"/>
+              <a:defRPr sz="1800" kern="1200">
+                <a:solidFill>
+                  <a:schemeClr val="tx1"/>
+                </a:solidFill>
+                <a:latin typeface="+mn-lt"/>
+                <a:ea typeface="+mn-ea"/>
+                <a:cs typeface="+mn-cs"/>
+              </a:defRPr>
+            </a:lvl7pPr>
+            <a:lvl8pPr marL="3429000" indent="-228600" algn="l" defTabSz="914400" rtl="0" eaLnBrk="1" latinLnBrk="0" hangingPunct="1">
+              <a:lnSpc>
+                <a:spcPct val="90000"/>
+              </a:lnSpc>
+              <a:spcBef>
+                <a:spcPts val="500"/>
+              </a:spcBef>
+              <a:buFont typeface="Arial" panose="020B0604020202020204" pitchFamily="34" charset="0"/>
+              <a:buChar char="•"/>
+              <a:defRPr sz="1800" kern="1200">
+                <a:solidFill>
+                  <a:schemeClr val="tx1"/>
+                </a:solidFill>
+                <a:latin typeface="+mn-lt"/>
+                <a:ea typeface="+mn-ea"/>
+                <a:cs typeface="+mn-cs"/>
+              </a:defRPr>
+            </a:lvl8pPr>
+            <a:lvl9pPr marL="3886200" indent="-228600" algn="l" defTabSz="914400" rtl="0" eaLnBrk="1" latinLnBrk="0" hangingPunct="1">
+              <a:lnSpc>
+                <a:spcPct val="90000"/>
+              </a:lnSpc>
+              <a:spcBef>
+                <a:spcPts val="500"/>
+              </a:spcBef>
+              <a:buFont typeface="Arial" panose="020B0604020202020204" pitchFamily="34" charset="0"/>
+              <a:buChar char="•"/>
+              <a:defRPr sz="1800" kern="1200">
+                <a:solidFill>
+                  <a:schemeClr val="tx1"/>
+                </a:solidFill>
+                <a:latin typeface="+mn-lt"/>
+                <a:ea typeface="+mn-ea"/>
+                <a:cs typeface="+mn-cs"/>
+              </a:defRPr>
+            </a:lvl9pPr>
+          </a:lstStyle>
+          <a:p>
+            <a:pPr marL="0" indent="0">
+              <a:buFont typeface="Arial" panose="020B0604020202020204" pitchFamily="34" charset="0"/>
+              <a:buNone/>
+            </a:pPr>
+            <a:r>
+              <a:rPr lang="en-US" sz="1400" b="1" dirty="0"/>
+              <a:t>Orders:</a:t>
+            </a:r>
+          </a:p>
+          <a:p>
+            <a:pPr marL="0" indent="0">
+              <a:buFont typeface="Arial" panose="020B0604020202020204" pitchFamily="34" charset="0"/>
+              <a:buNone/>
+            </a:pPr>
+            <a:r>
+              <a:rPr lang="en-US" sz="1200" b="1" dirty="0"/>
+              <a:t>NOTE: </a:t>
+            </a:r>
+            <a:r>
+              <a:rPr lang="en-US" sz="1200" dirty="0"/>
+              <a:t>be sure to add you JWT token to the header for all requests.</a:t>
+            </a:r>
+            <a:br>
+              <a:rPr lang="en-US" sz="1200" dirty="0"/>
+            </a:br>
+            <a:r>
+              <a:rPr lang="en-US" sz="1200" dirty="0"/>
+              <a:t>"Authorization": [Your JWT token from sign in]</a:t>
+            </a:r>
+          </a:p>
+          <a:p>
+            <a:pPr marL="0" indent="0">
+              <a:buFont typeface="Arial" panose="020B0604020202020204" pitchFamily="34" charset="0"/>
+              <a:buNone/>
+            </a:pPr>
+            <a:r>
+              <a:rPr lang="en-US" sz="1200" dirty="0"/>
+              <a:t>GET all orders or POST order: </a:t>
+            </a:r>
+            <a:br>
+              <a:rPr lang="en-US" sz="1200" dirty="0"/>
+            </a:br>
+            <a:r>
+              <a:rPr lang="en-US" sz="1200" dirty="0"/>
+              <a:t>https://webapi-finalproject-api.onrender.com/orders</a:t>
+            </a:r>
+          </a:p>
+          <a:p>
+            <a:pPr marL="0" indent="0">
+              <a:buFont typeface="Arial" panose="020B0604020202020204" pitchFamily="34" charset="0"/>
+              <a:buNone/>
+            </a:pPr>
+            <a:r>
+              <a:rPr lang="en-US" sz="1200" dirty="0"/>
+              <a:t>Example JSON Body for POST request:</a:t>
+            </a:r>
+            <a:br>
+              <a:rPr lang="en-US" sz="1200" dirty="0"/>
+            </a:br>
+            <a:r>
+              <a:rPr lang="en-US" sz="1200" dirty="0"/>
+              <a:t>{</a:t>
+            </a:r>
+            <a:br>
+              <a:rPr lang="en-US" sz="1200" dirty="0"/>
+            </a:br>
+            <a:r>
+              <a:rPr lang="en-US" sz="1200" dirty="0"/>
+              <a:t>    "</a:t>
+            </a:r>
+            <a:r>
+              <a:rPr lang="en-US" sz="1200" dirty="0" err="1"/>
+              <a:t>userid</a:t>
+            </a:r>
+            <a:r>
+              <a:rPr lang="en-US" sz="1200" dirty="0"/>
+              <a:t>": "[User ID]",</a:t>
+            </a:r>
+            <a:br>
+              <a:rPr lang="en-US" sz="1200" dirty="0"/>
+            </a:br>
+            <a:r>
+              <a:rPr lang="en-US" sz="1200" dirty="0"/>
+              <a:t>    "deny": false,</a:t>
+            </a:r>
+            <a:br>
+              <a:rPr lang="en-US" sz="1200" dirty="0"/>
+            </a:br>
+            <a:r>
+              <a:rPr lang="en-US" sz="1200" dirty="0"/>
+              <a:t>    "address": "1039 Pena Ave",</a:t>
+            </a:r>
+            <a:br>
+              <a:rPr lang="en-US" sz="1200" dirty="0"/>
+            </a:br>
+            <a:r>
+              <a:rPr lang="en-US" sz="1200" dirty="0"/>
+              <a:t>    "city": "Somewhere",</a:t>
+            </a:r>
+            <a:br>
+              <a:rPr lang="en-US" sz="1200" dirty="0"/>
+            </a:br>
+            <a:r>
+              <a:rPr lang="en-US" sz="1200" dirty="0"/>
+              <a:t>    "state": "Antarctica",</a:t>
+            </a:r>
+            <a:br>
+              <a:rPr lang="en-US" sz="1200" dirty="0"/>
+            </a:br>
+            <a:r>
+              <a:rPr lang="en-US" sz="1200" dirty="0"/>
+              <a:t>    "zip": 10010,</a:t>
+            </a:r>
+            <a:br>
+              <a:rPr lang="en-US" sz="1200" dirty="0"/>
+            </a:br>
+            <a:r>
+              <a:rPr lang="en-US" sz="1200" dirty="0"/>
+              <a:t>    "items": [</a:t>
+            </a:r>
+            <a:br>
+              <a:rPr lang="en-US" sz="1200" dirty="0"/>
+            </a:br>
+            <a:r>
+              <a:rPr lang="en-US" sz="1200" dirty="0"/>
+              <a:t>        {"</a:t>
+            </a:r>
+            <a:r>
+              <a:rPr lang="en-US" sz="1200" dirty="0" err="1"/>
+              <a:t>itemname</a:t>
+            </a:r>
+            <a:r>
+              <a:rPr lang="en-US" sz="1200" dirty="0"/>
+              <a:t>": "</a:t>
+            </a:r>
+            <a:r>
+              <a:rPr lang="en-US" sz="1200" dirty="0" err="1"/>
+              <a:t>TestItem</a:t>
+            </a:r>
+            <a:r>
+              <a:rPr lang="en-US" sz="1200" dirty="0"/>
+              <a:t>", "price": 0.01},</a:t>
+            </a:r>
+            <a:br>
+              <a:rPr lang="en-US" sz="1200" dirty="0"/>
+            </a:br>
+            <a:r>
+              <a:rPr lang="en-US" sz="1200" dirty="0"/>
+              <a:t>        {"</a:t>
+            </a:r>
+            <a:r>
+              <a:rPr lang="en-US" sz="1200" dirty="0" err="1"/>
+              <a:t>itemname</a:t>
+            </a:r>
+            <a:r>
+              <a:rPr lang="en-US" sz="1200" dirty="0"/>
+              <a:t>": "TestItem2", "price": 10000000000}</a:t>
+            </a:r>
+            <a:br>
+              <a:rPr lang="en-US" sz="1200" dirty="0"/>
+            </a:br>
+            <a:r>
+              <a:rPr lang="en-US" sz="1200" dirty="0"/>
+              <a:t>    ],</a:t>
+            </a:r>
+            <a:br>
+              <a:rPr lang="en-US" sz="1200" dirty="0"/>
+            </a:br>
+            <a:r>
+              <a:rPr lang="en-US" sz="1200" dirty="0"/>
+              <a:t>    "total": 10000000000,</a:t>
+            </a:r>
+            <a:br>
+              <a:rPr lang="en-US" sz="1200" dirty="0"/>
+            </a:br>
+            <a:r>
+              <a:rPr lang="en-US" sz="1200" dirty="0"/>
+              <a:t>    "msg": "Test Message“</a:t>
+            </a:r>
+            <a:br>
+              <a:rPr lang="en-US" sz="1200" dirty="0"/>
+            </a:br>
+            <a:r>
+              <a:rPr lang="en-US" sz="1200" dirty="0"/>
+              <a:t>}</a:t>
+            </a:r>
+          </a:p>
+          <a:p>
+            <a:pPr marL="0" indent="0">
+              <a:buFont typeface="Arial" panose="020B0604020202020204" pitchFamily="34" charset="0"/>
+              <a:buNone/>
+            </a:pPr>
+            <a:r>
+              <a:rPr lang="en-US" sz="1200" dirty="0"/>
+              <a:t>GET specific order: </a:t>
+            </a:r>
+            <a:br>
+              <a:rPr lang="en-US" sz="1200" dirty="0"/>
+            </a:br>
+            <a:r>
+              <a:rPr lang="en-US" sz="1200" dirty="0"/>
+              <a:t>https://webapi-finalproject-api.onrender.com/orders/[Order Id]</a:t>
+            </a:r>
+          </a:p>
+          <a:p>
+            <a:pPr marL="0" indent="0">
+              <a:buFont typeface="Arial" panose="020B0604020202020204" pitchFamily="34" charset="0"/>
+              <a:buNone/>
+            </a:pPr>
+            <a:r>
+              <a:rPr lang="en-US" sz="1200" dirty="0"/>
+              <a:t>Modify &amp; Delete order: </a:t>
+            </a:r>
+            <a:br>
+              <a:rPr lang="en-US" sz="1200" dirty="0"/>
+            </a:br>
+            <a:r>
+              <a:rPr lang="en-US" sz="1200" dirty="0"/>
+              <a:t>https://webapi-finalproject-api.onrender.com/orders/[Order Id]</a:t>
             </a:r>
           </a:p>
         </p:txBody>
@@ -12006,7 +10404,7 @@
     </p:spTree>
     <p:extLst>
       <p:ext uri="{BB962C8B-B14F-4D97-AF65-F5344CB8AC3E}">
-        <p14:creationId xmlns:p14="http://schemas.microsoft.com/office/powerpoint/2010/main" val="1418936485"/>
+        <p14:creationId xmlns:p14="http://schemas.microsoft.com/office/powerpoint/2010/main" val="1748444696"/>
       </p:ext>
     </p:extLst>
   </p:cSld>

--- a/Overview.pptx
+++ b/Overview.pptx
@@ -226,7 +226,7 @@
           <a:p>
             <a:fld id="{B56F32FC-4BD9-442A-A8C6-51598C909FE3}" type="datetimeFigureOut">
               <a:rPr lang="en-US" smtClean="0"/>
-              <a:t>5/3/2025</a:t>
+              <a:t>5/4/2025</a:t>
             </a:fld>
             <a:endParaRPr lang="en-US" dirty="0"/>
           </a:p>
@@ -403,7 +403,7 @@
           <a:p>
             <a:fld id="{056371FA-A98D-41E8-93F4-09945841298A}" type="datetimeFigureOut">
               <a:rPr lang="en-US" smtClean="0"/>
-              <a:t>5/3/2025</a:t>
+              <a:t>5/4/2025</a:t>
             </a:fld>
             <a:endParaRPr lang="en-US" dirty="0"/>
           </a:p>
@@ -9295,10 +9295,10 @@
       </p:sp>
       <p:pic>
         <p:nvPicPr>
-          <p:cNvPr id="18" name="Picture 17">
-            <a:extLst>
-              <a:ext uri="{FF2B5EF4-FFF2-40B4-BE49-F238E27FC236}">
-                <a16:creationId xmlns:a16="http://schemas.microsoft.com/office/drawing/2014/main" id="{D3A3A8AA-D9ED-D019-28C7-C96F4D3DC618}"/>
+          <p:cNvPr id="6" name="Picture 5" descr="A diagram of a computer program&#10;&#10;AI-generated content may be incorrect.">
+            <a:extLst>
+              <a:ext uri="{FF2B5EF4-FFF2-40B4-BE49-F238E27FC236}">
+                <a16:creationId xmlns:a16="http://schemas.microsoft.com/office/drawing/2014/main" id="{6C9B5144-D5F2-E339-4CEF-ACF494B8B1FF}"/>
               </a:ext>
             </a:extLst>
           </p:cNvPr>
@@ -9309,7 +9309,7 @@
         </p:nvPicPr>
         <p:blipFill>
           <a:blip r:embed="rId3">
-            <a:alphaModFix amt="77000"/>
+            <a:alphaModFix amt="75000"/>
           </a:blip>
           <a:stretch>
             <a:fillRect/>
@@ -9317,8 +9317,8 @@
         </p:blipFill>
         <p:spPr>
           <a:xfrm>
-            <a:off x="1751521" y="648608"/>
-            <a:ext cx="9208027" cy="6072866"/>
+            <a:off x="1462053" y="636390"/>
+            <a:ext cx="9267893" cy="5996031"/>
           </a:xfrm>
           <a:prstGeom prst="rect">
             <a:avLst/>
@@ -11206,6 +11206,35 @@
 </file>
 
 <file path=customXml/item1.xml><?xml version="1.0" encoding="utf-8"?>
+<?mso-contentType ?>
+<FormTemplates xmlns="http://schemas.microsoft.com/sharepoint/v3/contenttype/forms">
+  <Display>DocumentLibraryForm</Display>
+  <Edit>DocumentLibraryForm</Edit>
+  <New>DocumentLibraryForm</New>
+</FormTemplates>
+</file>
+
+<file path=customXml/item2.xml><?xml version="1.0" encoding="utf-8"?>
+<p:properties xmlns:p="http://schemas.microsoft.com/office/2006/metadata/properties" xmlns:xsi="http://www.w3.org/2001/XMLSchema-instance" xmlns:pc="http://schemas.microsoft.com/office/infopath/2007/PartnerControls">
+  <documentManagement>
+    <_ip_UnifiedCompliancePolicyUIAction xmlns="http://schemas.microsoft.com/sharepoint/v3" xsi:nil="true"/>
+    <Image xmlns="71af3243-3dd4-4a8d-8c0d-dd76da1f02a5">
+      <Url xsi:nil="true"/>
+      <Description xsi:nil="true"/>
+    </Image>
+    <Status xmlns="71af3243-3dd4-4a8d-8c0d-dd76da1f02a5">Not started</Status>
+    <Background xmlns="71af3243-3dd4-4a8d-8c0d-dd76da1f02a5">false</Background>
+    <_ip_UnifiedCompliancePolicyProperties xmlns="http://schemas.microsoft.com/sharepoint/v3" xsi:nil="true"/>
+    <ImageTagsTaxHTField xmlns="71af3243-3dd4-4a8d-8c0d-dd76da1f02a5">
+      <Terms xmlns="http://schemas.microsoft.com/office/infopath/2007/PartnerControls"/>
+    </ImageTagsTaxHTField>
+    <TaxCatchAll xmlns="230e9df3-be65-4c73-a93b-d1236ebd677e" xsi:nil="true"/>
+    <MediaServiceKeyPoints xmlns="71af3243-3dd4-4a8d-8c0d-dd76da1f02a5" xsi:nil="true"/>
+  </documentManagement>
+</p:properties>
+</file>
+
+<file path=customXml/item3.xml><?xml version="1.0" encoding="utf-8"?>
 <ct:contentTypeSchema xmlns:ct="http://schemas.microsoft.com/office/2006/metadata/contentType" xmlns:ma="http://schemas.microsoft.com/office/2006/metadata/properties/metaAttributes" ct:_="" ma:_="" ma:contentTypeName="Document" ma:contentTypeID="0x01010079F111ED35F8CC479449609E8A0923A6" ma:contentTypeVersion="28" ma:contentTypeDescription="Create a new document." ma:contentTypeScope="" ma:versionID="60f5a4f2d2b0abadcf532d48ebf9cb71">
   <xsd:schema xmlns:xsd="http://www.w3.org/2001/XMLSchema" xmlns:xs="http://www.w3.org/2001/XMLSchema" xmlns:p="http://schemas.microsoft.com/office/2006/metadata/properties" xmlns:ns1="http://schemas.microsoft.com/sharepoint/v3" xmlns:ns2="71af3243-3dd4-4a8d-8c0d-dd76da1f02a5" xmlns:ns3="16c05727-aa75-4e4a-9b5f-8a80a1165891" xmlns:ns4="230e9df3-be65-4c73-a93b-d1236ebd677e" targetNamespace="http://schemas.microsoft.com/office/2006/metadata/properties" ma:root="true" ma:fieldsID="7dd78129e6a1811f84807ad11c651531" ns1:_="" ns2:_="" ns3:_="" ns4:_="">
     <xsd:import namespace="http://schemas.microsoft.com/sharepoint/v3"/>
@@ -11517,36 +11546,27 @@
 </ct:contentTypeSchema>
 </file>
 
-<file path=customXml/item2.xml><?xml version="1.0" encoding="utf-8"?>
-<p:properties xmlns:p="http://schemas.microsoft.com/office/2006/metadata/properties" xmlns:xsi="http://www.w3.org/2001/XMLSchema-instance" xmlns:pc="http://schemas.microsoft.com/office/infopath/2007/PartnerControls">
-  <documentManagement>
-    <_ip_UnifiedCompliancePolicyUIAction xmlns="http://schemas.microsoft.com/sharepoint/v3" xsi:nil="true"/>
-    <Image xmlns="71af3243-3dd4-4a8d-8c0d-dd76da1f02a5">
-      <Url xsi:nil="true"/>
-      <Description xsi:nil="true"/>
-    </Image>
-    <Status xmlns="71af3243-3dd4-4a8d-8c0d-dd76da1f02a5">Not started</Status>
-    <Background xmlns="71af3243-3dd4-4a8d-8c0d-dd76da1f02a5">false</Background>
-    <_ip_UnifiedCompliancePolicyProperties xmlns="http://schemas.microsoft.com/sharepoint/v3" xsi:nil="true"/>
-    <ImageTagsTaxHTField xmlns="71af3243-3dd4-4a8d-8c0d-dd76da1f02a5">
-      <Terms xmlns="http://schemas.microsoft.com/office/infopath/2007/PartnerControls"/>
-    </ImageTagsTaxHTField>
-    <TaxCatchAll xmlns="230e9df3-be65-4c73-a93b-d1236ebd677e" xsi:nil="true"/>
-    <MediaServiceKeyPoints xmlns="71af3243-3dd4-4a8d-8c0d-dd76da1f02a5" xsi:nil="true"/>
-  </documentManagement>
-</p:properties>
+<file path=customXml/itemProps1.xml><?xml version="1.0" encoding="utf-8"?>
+<ds:datastoreItem xmlns:ds="http://schemas.openxmlformats.org/officeDocument/2006/customXml" ds:itemID="{CABF691C-888B-4061-8A6F-D5CE84A0254B}">
+  <ds:schemaRefs>
+    <ds:schemaRef ds:uri="http://schemas.microsoft.com/sharepoint/v3/contenttype/forms"/>
+  </ds:schemaRefs>
+</ds:datastoreItem>
 </file>
 
-<file path=customXml/item3.xml><?xml version="1.0" encoding="utf-8"?>
-<?mso-contentType ?>
-<FormTemplates xmlns="http://schemas.microsoft.com/sharepoint/v3/contenttype/forms">
-  <Display>DocumentLibraryForm</Display>
-  <Edit>DocumentLibraryForm</Edit>
-  <New>DocumentLibraryForm</New>
-</FormTemplates>
+<file path=customXml/itemProps2.xml><?xml version="1.0" encoding="utf-8"?>
+<ds:datastoreItem xmlns:ds="http://schemas.openxmlformats.org/officeDocument/2006/customXml" ds:itemID="{49168DCE-134F-4610-A6AA-88CEBE8D71D2}">
+  <ds:schemaRefs>
+    <ds:schemaRef ds:uri="http://schemas.microsoft.com/office/2006/metadata/properties"/>
+    <ds:schemaRef ds:uri="http://schemas.microsoft.com/office/infopath/2007/PartnerControls"/>
+    <ds:schemaRef ds:uri="http://schemas.microsoft.com/sharepoint/v3"/>
+    <ds:schemaRef ds:uri="71af3243-3dd4-4a8d-8c0d-dd76da1f02a5"/>
+    <ds:schemaRef ds:uri="230e9df3-be65-4c73-a93b-d1236ebd677e"/>
+  </ds:schemaRefs>
+</ds:datastoreItem>
 </file>
 
-<file path=customXml/itemProps1.xml><?xml version="1.0" encoding="utf-8"?>
+<file path=customXml/itemProps3.xml><?xml version="1.0" encoding="utf-8"?>
 <ds:datastoreItem xmlns:ds="http://schemas.openxmlformats.org/officeDocument/2006/customXml" ds:itemID="{5EDE3176-A15D-46A3-BDDB-64A0D7363224}">
   <ds:schemaRefs>
     <ds:schemaRef ds:uri="http://schemas.microsoft.com/office/2006/metadata/contentType"/>
@@ -11567,26 +11587,6 @@
 </ds:datastoreItem>
 </file>
 
-<file path=customXml/itemProps2.xml><?xml version="1.0" encoding="utf-8"?>
-<ds:datastoreItem xmlns:ds="http://schemas.openxmlformats.org/officeDocument/2006/customXml" ds:itemID="{49168DCE-134F-4610-A6AA-88CEBE8D71D2}">
-  <ds:schemaRefs>
-    <ds:schemaRef ds:uri="http://schemas.microsoft.com/office/2006/metadata/properties"/>
-    <ds:schemaRef ds:uri="http://schemas.microsoft.com/office/infopath/2007/PartnerControls"/>
-    <ds:schemaRef ds:uri="http://schemas.microsoft.com/sharepoint/v3"/>
-    <ds:schemaRef ds:uri="71af3243-3dd4-4a8d-8c0d-dd76da1f02a5"/>
-    <ds:schemaRef ds:uri="230e9df3-be65-4c73-a93b-d1236ebd677e"/>
-  </ds:schemaRefs>
-</ds:datastoreItem>
-</file>
-
-<file path=customXml/itemProps3.xml><?xml version="1.0" encoding="utf-8"?>
-<ds:datastoreItem xmlns:ds="http://schemas.openxmlformats.org/officeDocument/2006/customXml" ds:itemID="{CABF691C-888B-4061-8A6F-D5CE84A0254B}">
-  <ds:schemaRefs>
-    <ds:schemaRef ds:uri="http://schemas.microsoft.com/sharepoint/v3/contenttype/forms"/>
-  </ds:schemaRefs>
-</ds:datastoreItem>
-</file>
-
 <file path=docMetadata/LabelInfo.xml><?xml version="1.0" encoding="utf-8"?>
 <clbl:labelList xmlns:clbl="http://schemas.microsoft.com/office/2020/mipLabelMetadata"/>
 </file>
--- a/Overview.pptx
+++ b/Overview.pptx
@@ -7203,6 +7203,75 @@
           </a:p>
         </p:txBody>
       </p:sp>
+      <p:sp>
+        <p:nvSpPr>
+          <p:cNvPr id="4" name="TextBox 3">
+            <a:extLst>
+              <a:ext uri="{FF2B5EF4-FFF2-40B4-BE49-F238E27FC236}">
+                <a16:creationId xmlns:a16="http://schemas.microsoft.com/office/drawing/2014/main" id="{036458D8-C857-D7EF-F06F-3EBA31852303}"/>
+              </a:ext>
+            </a:extLst>
+          </p:cNvPr>
+          <p:cNvSpPr txBox="1"/>
+          <p:nvPr/>
+        </p:nvSpPr>
+        <p:spPr>
+          <a:xfrm>
+            <a:off x="1899981" y="5382366"/>
+            <a:ext cx="806888" cy="369332"/>
+          </a:xfrm>
+          <a:prstGeom prst="rect">
+            <a:avLst/>
+          </a:prstGeom>
+          <a:noFill/>
+        </p:spPr>
+        <p:txBody>
+          <a:bodyPr wrap="none" rtlCol="0">
+            <a:spAutoFit/>
+          </a:bodyPr>
+          <a:lstStyle/>
+          <a:p>
+            <a:r>
+              <a:rPr lang="en-US" dirty="0">
+                <a:hlinkClick r:id="rId3"/>
+              </a:rPr>
+              <a:t>VIDEO</a:t>
+            </a:r>
+            <a:endParaRPr lang="en-US" dirty="0"/>
+          </a:p>
+        </p:txBody>
+      </p:sp>
+      <p:pic>
+        <p:nvPicPr>
+          <p:cNvPr id="6" name="Picture 5">
+            <a:hlinkClick r:id="rId4"/>
+            <a:extLst>
+              <a:ext uri="{FF2B5EF4-FFF2-40B4-BE49-F238E27FC236}">
+                <a16:creationId xmlns:a16="http://schemas.microsoft.com/office/drawing/2014/main" id="{AD87EC14-2A6A-3CA6-146F-75B743E32F3C}"/>
+              </a:ext>
+            </a:extLst>
+          </p:cNvPr>
+          <p:cNvPicPr>
+            <a:picLocks noChangeAspect="1"/>
+          </p:cNvPicPr>
+          <p:nvPr/>
+        </p:nvPicPr>
+        <p:blipFill>
+          <a:blip r:embed="rId5"/>
+          <a:stretch>
+            <a:fillRect/>
+          </a:stretch>
+        </p:blipFill>
+        <p:spPr>
+          <a:xfrm>
+            <a:off x="342572" y="4771525"/>
+            <a:ext cx="1717923" cy="1717923"/>
+          </a:xfrm>
+          <a:prstGeom prst="rect">
+            <a:avLst/>
+          </a:prstGeom>
+        </p:spPr>
+      </p:pic>
     </p:spTree>
     <p:extLst>
       <p:ext uri="{BB962C8B-B14F-4D97-AF65-F5344CB8AC3E}">
@@ -11206,35 +11275,6 @@
 </file>
 
 <file path=customXml/item1.xml><?xml version="1.0" encoding="utf-8"?>
-<?mso-contentType ?>
-<FormTemplates xmlns="http://schemas.microsoft.com/sharepoint/v3/contenttype/forms">
-  <Display>DocumentLibraryForm</Display>
-  <Edit>DocumentLibraryForm</Edit>
-  <New>DocumentLibraryForm</New>
-</FormTemplates>
-</file>
-
-<file path=customXml/item2.xml><?xml version="1.0" encoding="utf-8"?>
-<p:properties xmlns:p="http://schemas.microsoft.com/office/2006/metadata/properties" xmlns:xsi="http://www.w3.org/2001/XMLSchema-instance" xmlns:pc="http://schemas.microsoft.com/office/infopath/2007/PartnerControls">
-  <documentManagement>
-    <_ip_UnifiedCompliancePolicyUIAction xmlns="http://schemas.microsoft.com/sharepoint/v3" xsi:nil="true"/>
-    <Image xmlns="71af3243-3dd4-4a8d-8c0d-dd76da1f02a5">
-      <Url xsi:nil="true"/>
-      <Description xsi:nil="true"/>
-    </Image>
-    <Status xmlns="71af3243-3dd4-4a8d-8c0d-dd76da1f02a5">Not started</Status>
-    <Background xmlns="71af3243-3dd4-4a8d-8c0d-dd76da1f02a5">false</Background>
-    <_ip_UnifiedCompliancePolicyProperties xmlns="http://schemas.microsoft.com/sharepoint/v3" xsi:nil="true"/>
-    <ImageTagsTaxHTField xmlns="71af3243-3dd4-4a8d-8c0d-dd76da1f02a5">
-      <Terms xmlns="http://schemas.microsoft.com/office/infopath/2007/PartnerControls"/>
-    </ImageTagsTaxHTField>
-    <TaxCatchAll xmlns="230e9df3-be65-4c73-a93b-d1236ebd677e" xsi:nil="true"/>
-    <MediaServiceKeyPoints xmlns="71af3243-3dd4-4a8d-8c0d-dd76da1f02a5" xsi:nil="true"/>
-  </documentManagement>
-</p:properties>
-</file>
-
-<file path=customXml/item3.xml><?xml version="1.0" encoding="utf-8"?>
 <ct:contentTypeSchema xmlns:ct="http://schemas.microsoft.com/office/2006/metadata/contentType" xmlns:ma="http://schemas.microsoft.com/office/2006/metadata/properties/metaAttributes" ct:_="" ma:_="" ma:contentTypeName="Document" ma:contentTypeID="0x01010079F111ED35F8CC479449609E8A0923A6" ma:contentTypeVersion="28" ma:contentTypeDescription="Create a new document." ma:contentTypeScope="" ma:versionID="60f5a4f2d2b0abadcf532d48ebf9cb71">
   <xsd:schema xmlns:xsd="http://www.w3.org/2001/XMLSchema" xmlns:xs="http://www.w3.org/2001/XMLSchema" xmlns:p="http://schemas.microsoft.com/office/2006/metadata/properties" xmlns:ns1="http://schemas.microsoft.com/sharepoint/v3" xmlns:ns2="71af3243-3dd4-4a8d-8c0d-dd76da1f02a5" xmlns:ns3="16c05727-aa75-4e4a-9b5f-8a80a1165891" xmlns:ns4="230e9df3-be65-4c73-a93b-d1236ebd677e" targetNamespace="http://schemas.microsoft.com/office/2006/metadata/properties" ma:root="true" ma:fieldsID="7dd78129e6a1811f84807ad11c651531" ns1:_="" ns2:_="" ns3:_="" ns4:_="">
     <xsd:import namespace="http://schemas.microsoft.com/sharepoint/v3"/>
@@ -11546,27 +11586,36 @@
 </ct:contentTypeSchema>
 </file>
 
-<file path=customXml/itemProps1.xml><?xml version="1.0" encoding="utf-8"?>
-<ds:datastoreItem xmlns:ds="http://schemas.openxmlformats.org/officeDocument/2006/customXml" ds:itemID="{CABF691C-888B-4061-8A6F-D5CE84A0254B}">
-  <ds:schemaRefs>
-    <ds:schemaRef ds:uri="http://schemas.microsoft.com/sharepoint/v3/contenttype/forms"/>
-  </ds:schemaRefs>
-</ds:datastoreItem>
+<file path=customXml/item2.xml><?xml version="1.0" encoding="utf-8"?>
+<p:properties xmlns:p="http://schemas.microsoft.com/office/2006/metadata/properties" xmlns:xsi="http://www.w3.org/2001/XMLSchema-instance" xmlns:pc="http://schemas.microsoft.com/office/infopath/2007/PartnerControls">
+  <documentManagement>
+    <_ip_UnifiedCompliancePolicyUIAction xmlns="http://schemas.microsoft.com/sharepoint/v3" xsi:nil="true"/>
+    <Image xmlns="71af3243-3dd4-4a8d-8c0d-dd76da1f02a5">
+      <Url xsi:nil="true"/>
+      <Description xsi:nil="true"/>
+    </Image>
+    <Status xmlns="71af3243-3dd4-4a8d-8c0d-dd76da1f02a5">Not started</Status>
+    <Background xmlns="71af3243-3dd4-4a8d-8c0d-dd76da1f02a5">false</Background>
+    <_ip_UnifiedCompliancePolicyProperties xmlns="http://schemas.microsoft.com/sharepoint/v3" xsi:nil="true"/>
+    <ImageTagsTaxHTField xmlns="71af3243-3dd4-4a8d-8c0d-dd76da1f02a5">
+      <Terms xmlns="http://schemas.microsoft.com/office/infopath/2007/PartnerControls"/>
+    </ImageTagsTaxHTField>
+    <TaxCatchAll xmlns="230e9df3-be65-4c73-a93b-d1236ebd677e" xsi:nil="true"/>
+    <MediaServiceKeyPoints xmlns="71af3243-3dd4-4a8d-8c0d-dd76da1f02a5" xsi:nil="true"/>
+  </documentManagement>
+</p:properties>
 </file>
 
-<file path=customXml/itemProps2.xml><?xml version="1.0" encoding="utf-8"?>
-<ds:datastoreItem xmlns:ds="http://schemas.openxmlformats.org/officeDocument/2006/customXml" ds:itemID="{49168DCE-134F-4610-A6AA-88CEBE8D71D2}">
-  <ds:schemaRefs>
-    <ds:schemaRef ds:uri="http://schemas.microsoft.com/office/2006/metadata/properties"/>
-    <ds:schemaRef ds:uri="http://schemas.microsoft.com/office/infopath/2007/PartnerControls"/>
-    <ds:schemaRef ds:uri="http://schemas.microsoft.com/sharepoint/v3"/>
-    <ds:schemaRef ds:uri="71af3243-3dd4-4a8d-8c0d-dd76da1f02a5"/>
-    <ds:schemaRef ds:uri="230e9df3-be65-4c73-a93b-d1236ebd677e"/>
-  </ds:schemaRefs>
-</ds:datastoreItem>
+<file path=customXml/item3.xml><?xml version="1.0" encoding="utf-8"?>
+<?mso-contentType ?>
+<FormTemplates xmlns="http://schemas.microsoft.com/sharepoint/v3/contenttype/forms">
+  <Display>DocumentLibraryForm</Display>
+  <Edit>DocumentLibraryForm</Edit>
+  <New>DocumentLibraryForm</New>
+</FormTemplates>
 </file>
 
-<file path=customXml/itemProps3.xml><?xml version="1.0" encoding="utf-8"?>
+<file path=customXml/itemProps1.xml><?xml version="1.0" encoding="utf-8"?>
 <ds:datastoreItem xmlns:ds="http://schemas.openxmlformats.org/officeDocument/2006/customXml" ds:itemID="{5EDE3176-A15D-46A3-BDDB-64A0D7363224}">
   <ds:schemaRefs>
     <ds:schemaRef ds:uri="http://schemas.microsoft.com/office/2006/metadata/contentType"/>
@@ -11587,6 +11636,26 @@
 </ds:datastoreItem>
 </file>
 
+<file path=customXml/itemProps2.xml><?xml version="1.0" encoding="utf-8"?>
+<ds:datastoreItem xmlns:ds="http://schemas.openxmlformats.org/officeDocument/2006/customXml" ds:itemID="{49168DCE-134F-4610-A6AA-88CEBE8D71D2}">
+  <ds:schemaRefs>
+    <ds:schemaRef ds:uri="http://schemas.microsoft.com/office/2006/metadata/properties"/>
+    <ds:schemaRef ds:uri="http://schemas.microsoft.com/office/infopath/2007/PartnerControls"/>
+    <ds:schemaRef ds:uri="http://schemas.microsoft.com/sharepoint/v3"/>
+    <ds:schemaRef ds:uri="71af3243-3dd4-4a8d-8c0d-dd76da1f02a5"/>
+    <ds:schemaRef ds:uri="230e9df3-be65-4c73-a93b-d1236ebd677e"/>
+  </ds:schemaRefs>
+</ds:datastoreItem>
+</file>
+
+<file path=customXml/itemProps3.xml><?xml version="1.0" encoding="utf-8"?>
+<ds:datastoreItem xmlns:ds="http://schemas.openxmlformats.org/officeDocument/2006/customXml" ds:itemID="{CABF691C-888B-4061-8A6F-D5CE84A0254B}">
+  <ds:schemaRefs>
+    <ds:schemaRef ds:uri="http://schemas.microsoft.com/sharepoint/v3/contenttype/forms"/>
+  </ds:schemaRefs>
+</ds:datastoreItem>
+</file>
+
 <file path=docMetadata/LabelInfo.xml><?xml version="1.0" encoding="utf-8"?>
 <clbl:labelList xmlns:clbl="http://schemas.microsoft.com/office/2020/mipLabelMetadata"/>
 </file>